--- a/docs/AutoShop  DATABASE.pptx
+++ b/docs/AutoShop  DATABASE.pptx
@@ -1,51 +1,51 @@
 
 <file path=ppt/presentation.xml><?xml version="1.0" encoding="utf-8"?>
-<p:presentation xmlns:a="http://schemas.openxmlformats.org/drawingml/2006/main" xmlns:r="http://schemas.openxmlformats.org/officeDocument/2006/relationships" xmlns:mc="http://schemas.openxmlformats.org/markup-compatibility/2006" xmlns:mv="urn:schemas-microsoft-com:mac:vml" xmlns:p="http://schemas.openxmlformats.org/presentationml/2006/main" xmlns:c="http://schemas.openxmlformats.org/drawingml/2006/chart" xmlns:dgm="http://schemas.openxmlformats.org/drawingml/2006/diagram" xmlns:o="urn:schemas-microsoft-com:office:office" xmlns:v="urn:schemas-microsoft-com:vml" xmlns:pvml="urn:schemas-microsoft-com:office:powerpoint" xmlns:com="http://schemas.openxmlformats.org/drawingml/2006/compatibility" xmlns:p14="http://schemas.microsoft.com/office/powerpoint/2010/main" xmlns:p15="http://schemas.microsoft.com/office/powerpoint/2012/main" autoCompressPictures="0" embedTrueTypeFonts="1" strictFirstAndLastChars="0" saveSubsetFonts="1">
+<p:presentation xmlns:a="http://schemas.openxmlformats.org/drawingml/2006/main" xmlns:r="http://schemas.openxmlformats.org/officeDocument/2006/relationships" xmlns:p="http://schemas.openxmlformats.org/presentationml/2006/main" strictFirstAndLastChars="0" embedTrueTypeFonts="1" saveSubsetFonts="1" autoCompressPictures="0">
   <p:sldMasterIdLst>
-    <p:sldMasterId id="2147483659" r:id="rId3"/>
+    <p:sldMasterId id="2147483659" r:id="rId1"/>
   </p:sldMasterIdLst>
   <p:notesMasterIdLst>
-    <p:notesMasterId r:id="rId4"/>
+    <p:notesMasterId r:id="rId19"/>
   </p:notesMasterIdLst>
   <p:sldIdLst>
-    <p:sldId id="256" r:id="rId5"/>
-    <p:sldId id="257" r:id="rId6"/>
-    <p:sldId id="258" r:id="rId7"/>
-    <p:sldId id="259" r:id="rId8"/>
-    <p:sldId id="260" r:id="rId9"/>
-    <p:sldId id="261" r:id="rId10"/>
-    <p:sldId id="262" r:id="rId11"/>
-    <p:sldId id="263" r:id="rId12"/>
-    <p:sldId id="264" r:id="rId13"/>
-    <p:sldId id="265" r:id="rId14"/>
-    <p:sldId id="266" r:id="rId15"/>
-    <p:sldId id="267" r:id="rId16"/>
-    <p:sldId id="268" r:id="rId17"/>
-    <p:sldId id="269" r:id="rId18"/>
-    <p:sldId id="270" r:id="rId19"/>
-    <p:sldId id="271" r:id="rId20"/>
-    <p:sldId id="272" r:id="rId21"/>
+    <p:sldId id="256" r:id="rId2"/>
+    <p:sldId id="257" r:id="rId3"/>
+    <p:sldId id="258" r:id="rId4"/>
+    <p:sldId id="259" r:id="rId5"/>
+    <p:sldId id="260" r:id="rId6"/>
+    <p:sldId id="261" r:id="rId7"/>
+    <p:sldId id="262" r:id="rId8"/>
+    <p:sldId id="263" r:id="rId9"/>
+    <p:sldId id="264" r:id="rId10"/>
+    <p:sldId id="265" r:id="rId11"/>
+    <p:sldId id="266" r:id="rId12"/>
+    <p:sldId id="267" r:id="rId13"/>
+    <p:sldId id="268" r:id="rId14"/>
+    <p:sldId id="269" r:id="rId15"/>
+    <p:sldId id="270" r:id="rId16"/>
+    <p:sldId id="271" r:id="rId17"/>
+    <p:sldId id="272" r:id="rId18"/>
   </p:sldIdLst>
-  <p:sldSz cy="5143500" cx="9144000"/>
+  <p:sldSz cx="9144000" cy="5143500" type="screen16x9"/>
   <p:notesSz cx="6858000" cy="9144000"/>
   <p:embeddedFontLst>
     <p:embeddedFont>
-      <p:font typeface="Raleway"/>
-      <p:regular r:id="rId22"/>
-      <p:bold r:id="rId23"/>
-      <p:italic r:id="rId24"/>
-      <p:boldItalic r:id="rId25"/>
+      <p:font typeface="Lato" panose="020B0604020202020204" charset="0"/>
+      <p:regular r:id="rId20"/>
+      <p:bold r:id="rId21"/>
+      <p:italic r:id="rId22"/>
+      <p:boldItalic r:id="rId23"/>
     </p:embeddedFont>
     <p:embeddedFont>
-      <p:font typeface="Lato"/>
-      <p:regular r:id="rId26"/>
-      <p:bold r:id="rId27"/>
-      <p:italic r:id="rId28"/>
-      <p:boldItalic r:id="rId29"/>
+      <p:font typeface="Raleway" panose="020B0604020202020204" charset="0"/>
+      <p:regular r:id="rId24"/>
+      <p:bold r:id="rId25"/>
+      <p:italic r:id="rId26"/>
+      <p:boldItalic r:id="rId27"/>
     </p:embeddedFont>
   </p:embeddedFontLst>
   <p:defaultTextStyle>
-    <a:defPPr lvl="0" marR="0" rtl="0" algn="l">
+    <a:defPPr marR="0" lvl="0" algn="l" rtl="0">
       <a:lnSpc>
         <a:spcPct val="100000"/>
       </a:lnSpc>
@@ -56,7 +56,7 @@
         <a:spcPts val="0"/>
       </a:spcAft>
     </a:defPPr>
-    <a:lvl1pPr lvl="0" marR="0" rtl="0" algn="l">
+    <a:lvl1pPr marR="0" lvl="0" algn="l" rtl="0">
       <a:lnSpc>
         <a:spcPct val="100000"/>
       </a:lnSpc>
@@ -70,7 +70,7 @@
         <a:srgbClr val="000000"/>
       </a:buClr>
       <a:buFont typeface="Arial"/>
-      <a:defRPr b="0" i="0" sz="1400" u="none" cap="none" strike="noStrike">
+      <a:defRPr sz="1400" b="0" i="0" u="none" strike="noStrike" cap="none">
         <a:solidFill>
           <a:srgbClr val="000000"/>
         </a:solidFill>
@@ -80,7 +80,7 @@
         <a:sym typeface="Arial"/>
       </a:defRPr>
     </a:lvl1pPr>
-    <a:lvl2pPr lvl="1" marR="0" rtl="0" algn="l">
+    <a:lvl2pPr marR="0" lvl="1" algn="l" rtl="0">
       <a:lnSpc>
         <a:spcPct val="100000"/>
       </a:lnSpc>
@@ -94,7 +94,7 @@
         <a:srgbClr val="000000"/>
       </a:buClr>
       <a:buFont typeface="Arial"/>
-      <a:defRPr b="0" i="0" sz="1400" u="none" cap="none" strike="noStrike">
+      <a:defRPr sz="1400" b="0" i="0" u="none" strike="noStrike" cap="none">
         <a:solidFill>
           <a:srgbClr val="000000"/>
         </a:solidFill>
@@ -104,7 +104,7 @@
         <a:sym typeface="Arial"/>
       </a:defRPr>
     </a:lvl2pPr>
-    <a:lvl3pPr lvl="2" marR="0" rtl="0" algn="l">
+    <a:lvl3pPr marR="0" lvl="2" algn="l" rtl="0">
       <a:lnSpc>
         <a:spcPct val="100000"/>
       </a:lnSpc>
@@ -118,7 +118,7 @@
         <a:srgbClr val="000000"/>
       </a:buClr>
       <a:buFont typeface="Arial"/>
-      <a:defRPr b="0" i="0" sz="1400" u="none" cap="none" strike="noStrike">
+      <a:defRPr sz="1400" b="0" i="0" u="none" strike="noStrike" cap="none">
         <a:solidFill>
           <a:srgbClr val="000000"/>
         </a:solidFill>
@@ -128,7 +128,7 @@
         <a:sym typeface="Arial"/>
       </a:defRPr>
     </a:lvl3pPr>
-    <a:lvl4pPr lvl="3" marR="0" rtl="0" algn="l">
+    <a:lvl4pPr marR="0" lvl="3" algn="l" rtl="0">
       <a:lnSpc>
         <a:spcPct val="100000"/>
       </a:lnSpc>
@@ -142,7 +142,7 @@
         <a:srgbClr val="000000"/>
       </a:buClr>
       <a:buFont typeface="Arial"/>
-      <a:defRPr b="0" i="0" sz="1400" u="none" cap="none" strike="noStrike">
+      <a:defRPr sz="1400" b="0" i="0" u="none" strike="noStrike" cap="none">
         <a:solidFill>
           <a:srgbClr val="000000"/>
         </a:solidFill>
@@ -152,7 +152,7 @@
         <a:sym typeface="Arial"/>
       </a:defRPr>
     </a:lvl4pPr>
-    <a:lvl5pPr lvl="4" marR="0" rtl="0" algn="l">
+    <a:lvl5pPr marR="0" lvl="4" algn="l" rtl="0">
       <a:lnSpc>
         <a:spcPct val="100000"/>
       </a:lnSpc>
@@ -166,7 +166,7 @@
         <a:srgbClr val="000000"/>
       </a:buClr>
       <a:buFont typeface="Arial"/>
-      <a:defRPr b="0" i="0" sz="1400" u="none" cap="none" strike="noStrike">
+      <a:defRPr sz="1400" b="0" i="0" u="none" strike="noStrike" cap="none">
         <a:solidFill>
           <a:srgbClr val="000000"/>
         </a:solidFill>
@@ -176,7 +176,7 @@
         <a:sym typeface="Arial"/>
       </a:defRPr>
     </a:lvl5pPr>
-    <a:lvl6pPr lvl="5" marR="0" rtl="0" algn="l">
+    <a:lvl6pPr marR="0" lvl="5" algn="l" rtl="0">
       <a:lnSpc>
         <a:spcPct val="100000"/>
       </a:lnSpc>
@@ -190,7 +190,7 @@
         <a:srgbClr val="000000"/>
       </a:buClr>
       <a:buFont typeface="Arial"/>
-      <a:defRPr b="0" i="0" sz="1400" u="none" cap="none" strike="noStrike">
+      <a:defRPr sz="1400" b="0" i="0" u="none" strike="noStrike" cap="none">
         <a:solidFill>
           <a:srgbClr val="000000"/>
         </a:solidFill>
@@ -200,7 +200,7 @@
         <a:sym typeface="Arial"/>
       </a:defRPr>
     </a:lvl6pPr>
-    <a:lvl7pPr lvl="6" marR="0" rtl="0" algn="l">
+    <a:lvl7pPr marR="0" lvl="6" algn="l" rtl="0">
       <a:lnSpc>
         <a:spcPct val="100000"/>
       </a:lnSpc>
@@ -214,7 +214,7 @@
         <a:srgbClr val="000000"/>
       </a:buClr>
       <a:buFont typeface="Arial"/>
-      <a:defRPr b="0" i="0" sz="1400" u="none" cap="none" strike="noStrike">
+      <a:defRPr sz="1400" b="0" i="0" u="none" strike="noStrike" cap="none">
         <a:solidFill>
           <a:srgbClr val="000000"/>
         </a:solidFill>
@@ -224,7 +224,7 @@
         <a:sym typeface="Arial"/>
       </a:defRPr>
     </a:lvl7pPr>
-    <a:lvl8pPr lvl="7" marR="0" rtl="0" algn="l">
+    <a:lvl8pPr marR="0" lvl="7" algn="l" rtl="0">
       <a:lnSpc>
         <a:spcPct val="100000"/>
       </a:lnSpc>
@@ -238,7 +238,7 @@
         <a:srgbClr val="000000"/>
       </a:buClr>
       <a:buFont typeface="Arial"/>
-      <a:defRPr b="0" i="0" sz="1400" u="none" cap="none" strike="noStrike">
+      <a:defRPr sz="1400" b="0" i="0" u="none" strike="noStrike" cap="none">
         <a:solidFill>
           <a:srgbClr val="000000"/>
         </a:solidFill>
@@ -248,7 +248,7 @@
         <a:sym typeface="Arial"/>
       </a:defRPr>
     </a:lvl8pPr>
-    <a:lvl9pPr lvl="8" marR="0" rtl="0" algn="l">
+    <a:lvl9pPr marR="0" lvl="8" algn="l" rtl="0">
       <a:lnSpc>
         <a:spcPct val="100000"/>
       </a:lnSpc>
@@ -262,7 +262,7 @@
         <a:srgbClr val="000000"/>
       </a:buClr>
       <a:buFont typeface="Arial"/>
-      <a:defRPr b="0" i="0" sz="1400" u="none" cap="none" strike="noStrike">
+      <a:defRPr sz="1400" b="0" i="0" u="none" strike="noStrike" cap="none">
         <a:solidFill>
           <a:srgbClr val="000000"/>
         </a:solidFill>
@@ -273,15 +273,36 @@
       </a:defRPr>
     </a:lvl9pPr>
   </p:defaultTextStyle>
+  <p:extLst>
+    <p:ext uri="{EFAFB233-063F-42B5-8137-9DF3F51BA10A}">
+      <p15:sldGuideLst xmlns:p15="http://schemas.microsoft.com/office/powerpoint/2012/main">
+        <p15:guide id="1" orient="horz" pos="1620" userDrawn="1">
+          <p15:clr>
+            <a:srgbClr val="A4A3A4"/>
+          </p15:clr>
+        </p15:guide>
+        <p15:guide id="2" pos="2880" userDrawn="1">
+          <p15:clr>
+            <a:srgbClr val="A4A3A4"/>
+          </p15:clr>
+        </p15:guide>
+      </p15:sldGuideLst>
+    </p:ext>
+  </p:extLst>
 </p:presentation>
 </file>
 
 <file path=ppt/notesMasters/notesMaster1.xml><?xml version="1.0" encoding="utf-8"?>
-<p:notesMaster xmlns:a="http://schemas.openxmlformats.org/drawingml/2006/main" xmlns:r="http://schemas.openxmlformats.org/officeDocument/2006/relationships" xmlns:mc="http://schemas.openxmlformats.org/markup-compatibility/2006" xmlns:mv="urn:schemas-microsoft-com:mac:vml" xmlns:p="http://schemas.openxmlformats.org/presentationml/2006/main" xmlns:c="http://schemas.openxmlformats.org/drawingml/2006/chart" xmlns:dgm="http://schemas.openxmlformats.org/drawingml/2006/diagram" xmlns:o="urn:schemas-microsoft-com:office:office" xmlns:v="urn:schemas-microsoft-com:vml" xmlns:pvml="urn:schemas-microsoft-com:office:powerpoint" xmlns:com="http://schemas.openxmlformats.org/drawingml/2006/compatibility" xmlns:p14="http://schemas.microsoft.com/office/powerpoint/2010/main" xmlns:p15="http://schemas.microsoft.com/office/powerpoint/2012/main">
+<p:notesMaster xmlns:a="http://schemas.openxmlformats.org/drawingml/2006/main" xmlns:r="http://schemas.openxmlformats.org/officeDocument/2006/relationships" xmlns:p="http://schemas.openxmlformats.org/presentationml/2006/main">
   <p:cSld>
+    <p:bg>
+      <p:bgRef idx="1001">
+        <a:schemeClr val="bg1"/>
+      </p:bgRef>
+    </p:bg>
     <p:spTree>
       <p:nvGrpSpPr>
-        <p:cNvPr id="2" name="Shape 2"/>
+        <p:cNvPr id="1" name="Shape 2"/>
         <p:cNvGrpSpPr/>
         <p:nvPr/>
       </p:nvGrpSpPr>
@@ -296,9 +317,11 @@
       <p:sp>
         <p:nvSpPr>
           <p:cNvPr id="3" name="Shape 3"/>
-          <p:cNvSpPr/>
+          <p:cNvSpPr>
+            <a:spLocks noGrp="1" noRot="1" noChangeAspect="1"/>
+          </p:cNvSpPr>
           <p:nvPr>
-            <p:ph idx="2" type="sldImg"/>
+            <p:ph type="sldImg" idx="2"/>
           </p:nvPr>
         </p:nvSpPr>
         <p:spPr>
@@ -307,8 +330,13 @@
             <a:ext cx="6096075" cy="3429000"/>
           </a:xfrm>
           <a:custGeom>
+            <a:avLst/>
+            <a:gdLst/>
+            <a:ahLst/>
+            <a:cxnLst/>
+            <a:rect l="0" t="0" r="0" b="0"/>
             <a:pathLst>
-              <a:path extrusionOk="0" h="120000" w="120000">
+              <a:path w="120000" h="120000" extrusionOk="0">
                 <a:moveTo>
                   <a:pt x="0" y="0"/>
                 </a:moveTo>
@@ -326,23 +354,25 @@
             </a:pathLst>
           </a:custGeom>
           <a:noFill/>
-          <a:ln cap="flat" cmpd="sng" w="9525">
+          <a:ln w="9525" cap="flat" cmpd="sng">
             <a:solidFill>
               <a:srgbClr val="000000"/>
             </a:solidFill>
             <a:prstDash val="solid"/>
             <a:round/>
-            <a:headEnd len="sm" w="sm" type="none"/>
-            <a:tailEnd len="sm" w="sm" type="none"/>
+            <a:headEnd type="none" w="sm" len="sm"/>
+            <a:tailEnd type="none" w="sm" len="sm"/>
           </a:ln>
         </p:spPr>
       </p:sp>
       <p:sp>
         <p:nvSpPr>
           <p:cNvPr id="4" name="Shape 4"/>
-          <p:cNvSpPr txBox="1"/>
+          <p:cNvSpPr txBox="1">
+            <a:spLocks noGrp="1"/>
+          </p:cNvSpPr>
           <p:nvPr>
-            <p:ph idx="1" type="body"/>
+            <p:ph type="body" idx="1"/>
           </p:nvPr>
         </p:nvSpPr>
         <p:spPr>
@@ -359,9 +389,9 @@
           </a:ln>
         </p:spPr>
         <p:txBody>
-          <a:bodyPr anchorCtr="0" anchor="t" bIns="91425" lIns="91425" spcFirstLastPara="1" rIns="91425" wrap="square" tIns="91425"/>
+          <a:bodyPr spcFirstLastPara="1" wrap="square" lIns="91425" tIns="91425" rIns="91425" bIns="91425" anchor="t" anchorCtr="0"/>
           <a:lstStyle>
-            <a:lvl1pPr indent="-317500" lvl="0" marL="457200">
+            <a:lvl1pPr marL="457200" lvl="0" indent="-317500">
               <a:spcBef>
                 <a:spcPts val="0"/>
               </a:spcBef>
@@ -372,7 +402,7 @@
               <a:buChar char="●"/>
               <a:defRPr sz="1100"/>
             </a:lvl1pPr>
-            <a:lvl2pPr indent="-317500" lvl="1" marL="914400">
+            <a:lvl2pPr marL="914400" lvl="1" indent="-317500">
               <a:spcBef>
                 <a:spcPts val="0"/>
               </a:spcBef>
@@ -383,7 +413,7 @@
               <a:buChar char="○"/>
               <a:defRPr sz="1100"/>
             </a:lvl2pPr>
-            <a:lvl3pPr indent="-317500" lvl="2" marL="1371600">
+            <a:lvl3pPr marL="1371600" lvl="2" indent="-317500">
               <a:spcBef>
                 <a:spcPts val="0"/>
               </a:spcBef>
@@ -394,7 +424,7 @@
               <a:buChar char="■"/>
               <a:defRPr sz="1100"/>
             </a:lvl3pPr>
-            <a:lvl4pPr indent="-317500" lvl="3" marL="1828800">
+            <a:lvl4pPr marL="1828800" lvl="3" indent="-317500">
               <a:spcBef>
                 <a:spcPts val="0"/>
               </a:spcBef>
@@ -405,7 +435,7 @@
               <a:buChar char="●"/>
               <a:defRPr sz="1100"/>
             </a:lvl4pPr>
-            <a:lvl5pPr indent="-317500" lvl="4" marL="2286000">
+            <a:lvl5pPr marL="2286000" lvl="4" indent="-317500">
               <a:spcBef>
                 <a:spcPts val="0"/>
               </a:spcBef>
@@ -416,7 +446,7 @@
               <a:buChar char="○"/>
               <a:defRPr sz="1100"/>
             </a:lvl5pPr>
-            <a:lvl6pPr indent="-317500" lvl="5" marL="2743200">
+            <a:lvl6pPr marL="2743200" lvl="5" indent="-317500">
               <a:spcBef>
                 <a:spcPts val="0"/>
               </a:spcBef>
@@ -427,7 +457,7 @@
               <a:buChar char="■"/>
               <a:defRPr sz="1100"/>
             </a:lvl6pPr>
-            <a:lvl7pPr indent="-317500" lvl="6" marL="3200400">
+            <a:lvl7pPr marL="3200400" lvl="6" indent="-317500">
               <a:spcBef>
                 <a:spcPts val="0"/>
               </a:spcBef>
@@ -438,7 +468,7 @@
               <a:buChar char="●"/>
               <a:defRPr sz="1100"/>
             </a:lvl7pPr>
-            <a:lvl8pPr indent="-317500" lvl="7" marL="3657600">
+            <a:lvl8pPr marL="3657600" lvl="7" indent="-317500">
               <a:spcBef>
                 <a:spcPts val="0"/>
               </a:spcBef>
@@ -449,7 +479,7 @@
               <a:buChar char="○"/>
               <a:defRPr sz="1100"/>
             </a:lvl8pPr>
-            <a:lvl9pPr indent="-317500" lvl="8" marL="4114800">
+            <a:lvl9pPr marL="4114800" lvl="8" indent="-317500">
               <a:spcBef>
                 <a:spcPts val="0"/>
               </a:spcBef>
@@ -461,14 +491,21 @@
               <a:defRPr sz="1100"/>
             </a:lvl9pPr>
           </a:lstStyle>
-          <a:p/>
+          <a:p>
+            <a:endParaRPr/>
+          </a:p>
         </p:txBody>
       </p:sp>
     </p:spTree>
+    <p:extLst>
+      <p:ext uri="{BB962C8B-B14F-4D97-AF65-F5344CB8AC3E}">
+        <p14:creationId xmlns:p14="http://schemas.microsoft.com/office/powerpoint/2010/main" val="3267950052"/>
+      </p:ext>
+    </p:extLst>
   </p:cSld>
-  <p:clrMap accent1="accent1" accent2="accent2" accent3="accent3" accent4="accent4" accent5="accent5" accent6="accent6" bg1="lt1" bg2="dk2" tx1="dk1" tx2="lt2" folHlink="folHlink" hlink="hlink"/>
+  <p:clrMap bg1="lt1" tx1="dk1" bg2="dk2" tx2="lt2" accent1="accent1" accent2="accent2" accent3="accent3" accent4="accent4" accent5="accent5" accent6="accent6" hlink="hlink" folHlink="folHlink"/>
   <p:notesStyle>
-    <a:defPPr lvl="0" marR="0" rtl="0" algn="l">
+    <a:defPPr marR="0" lvl="0" algn="l" rtl="0">
       <a:lnSpc>
         <a:spcPct val="100000"/>
       </a:lnSpc>
@@ -479,7 +516,7 @@
         <a:spcPts val="0"/>
       </a:spcAft>
     </a:defPPr>
-    <a:lvl1pPr lvl="0" marR="0" rtl="0" algn="l">
+    <a:lvl1pPr marR="0" lvl="0" algn="l" rtl="0">
       <a:lnSpc>
         <a:spcPct val="100000"/>
       </a:lnSpc>
@@ -493,7 +530,7 @@
         <a:srgbClr val="000000"/>
       </a:buClr>
       <a:buFont typeface="Arial"/>
-      <a:defRPr b="0" i="0" sz="1400" u="none" cap="none" strike="noStrike">
+      <a:defRPr sz="1400" b="0" i="0" u="none" strike="noStrike" cap="none">
         <a:solidFill>
           <a:srgbClr val="000000"/>
         </a:solidFill>
@@ -503,7 +540,7 @@
         <a:sym typeface="Arial"/>
       </a:defRPr>
     </a:lvl1pPr>
-    <a:lvl2pPr lvl="1" marR="0" rtl="0" algn="l">
+    <a:lvl2pPr marR="0" lvl="1" algn="l" rtl="0">
       <a:lnSpc>
         <a:spcPct val="100000"/>
       </a:lnSpc>
@@ -517,7 +554,7 @@
         <a:srgbClr val="000000"/>
       </a:buClr>
       <a:buFont typeface="Arial"/>
-      <a:defRPr b="0" i="0" sz="1400" u="none" cap="none" strike="noStrike">
+      <a:defRPr sz="1400" b="0" i="0" u="none" strike="noStrike" cap="none">
         <a:solidFill>
           <a:srgbClr val="000000"/>
         </a:solidFill>
@@ -527,7 +564,7 @@
         <a:sym typeface="Arial"/>
       </a:defRPr>
     </a:lvl2pPr>
-    <a:lvl3pPr lvl="2" marR="0" rtl="0" algn="l">
+    <a:lvl3pPr marR="0" lvl="2" algn="l" rtl="0">
       <a:lnSpc>
         <a:spcPct val="100000"/>
       </a:lnSpc>
@@ -541,7 +578,7 @@
         <a:srgbClr val="000000"/>
       </a:buClr>
       <a:buFont typeface="Arial"/>
-      <a:defRPr b="0" i="0" sz="1400" u="none" cap="none" strike="noStrike">
+      <a:defRPr sz="1400" b="0" i="0" u="none" strike="noStrike" cap="none">
         <a:solidFill>
           <a:srgbClr val="000000"/>
         </a:solidFill>
@@ -551,7 +588,7 @@
         <a:sym typeface="Arial"/>
       </a:defRPr>
     </a:lvl3pPr>
-    <a:lvl4pPr lvl="3" marR="0" rtl="0" algn="l">
+    <a:lvl4pPr marR="0" lvl="3" algn="l" rtl="0">
       <a:lnSpc>
         <a:spcPct val="100000"/>
       </a:lnSpc>
@@ -565,7 +602,7 @@
         <a:srgbClr val="000000"/>
       </a:buClr>
       <a:buFont typeface="Arial"/>
-      <a:defRPr b="0" i="0" sz="1400" u="none" cap="none" strike="noStrike">
+      <a:defRPr sz="1400" b="0" i="0" u="none" strike="noStrike" cap="none">
         <a:solidFill>
           <a:srgbClr val="000000"/>
         </a:solidFill>
@@ -575,7 +612,7 @@
         <a:sym typeface="Arial"/>
       </a:defRPr>
     </a:lvl4pPr>
-    <a:lvl5pPr lvl="4" marR="0" rtl="0" algn="l">
+    <a:lvl5pPr marR="0" lvl="4" algn="l" rtl="0">
       <a:lnSpc>
         <a:spcPct val="100000"/>
       </a:lnSpc>
@@ -589,7 +626,7 @@
         <a:srgbClr val="000000"/>
       </a:buClr>
       <a:buFont typeface="Arial"/>
-      <a:defRPr b="0" i="0" sz="1400" u="none" cap="none" strike="noStrike">
+      <a:defRPr sz="1400" b="0" i="0" u="none" strike="noStrike" cap="none">
         <a:solidFill>
           <a:srgbClr val="000000"/>
         </a:solidFill>
@@ -599,7 +636,7 @@
         <a:sym typeface="Arial"/>
       </a:defRPr>
     </a:lvl5pPr>
-    <a:lvl6pPr lvl="5" marR="0" rtl="0" algn="l">
+    <a:lvl6pPr marR="0" lvl="5" algn="l" rtl="0">
       <a:lnSpc>
         <a:spcPct val="100000"/>
       </a:lnSpc>
@@ -613,7 +650,7 @@
         <a:srgbClr val="000000"/>
       </a:buClr>
       <a:buFont typeface="Arial"/>
-      <a:defRPr b="0" i="0" sz="1400" u="none" cap="none" strike="noStrike">
+      <a:defRPr sz="1400" b="0" i="0" u="none" strike="noStrike" cap="none">
         <a:solidFill>
           <a:srgbClr val="000000"/>
         </a:solidFill>
@@ -623,7 +660,7 @@
         <a:sym typeface="Arial"/>
       </a:defRPr>
     </a:lvl6pPr>
-    <a:lvl7pPr lvl="6" marR="0" rtl="0" algn="l">
+    <a:lvl7pPr marR="0" lvl="6" algn="l" rtl="0">
       <a:lnSpc>
         <a:spcPct val="100000"/>
       </a:lnSpc>
@@ -637,7 +674,7 @@
         <a:srgbClr val="000000"/>
       </a:buClr>
       <a:buFont typeface="Arial"/>
-      <a:defRPr b="0" i="0" sz="1400" u="none" cap="none" strike="noStrike">
+      <a:defRPr sz="1400" b="0" i="0" u="none" strike="noStrike" cap="none">
         <a:solidFill>
           <a:srgbClr val="000000"/>
         </a:solidFill>
@@ -647,7 +684,7 @@
         <a:sym typeface="Arial"/>
       </a:defRPr>
     </a:lvl7pPr>
-    <a:lvl8pPr lvl="7" marR="0" rtl="0" algn="l">
+    <a:lvl8pPr marR="0" lvl="7" algn="l" rtl="0">
       <a:lnSpc>
         <a:spcPct val="100000"/>
       </a:lnSpc>
@@ -661,7 +698,7 @@
         <a:srgbClr val="000000"/>
       </a:buClr>
       <a:buFont typeface="Arial"/>
-      <a:defRPr b="0" i="0" sz="1400" u="none" cap="none" strike="noStrike">
+      <a:defRPr sz="1400" b="0" i="0" u="none" strike="noStrike" cap="none">
         <a:solidFill>
           <a:srgbClr val="000000"/>
         </a:solidFill>
@@ -671,7 +708,7 @@
         <a:sym typeface="Arial"/>
       </a:defRPr>
     </a:lvl8pPr>
-    <a:lvl9pPr lvl="8" marR="0" rtl="0" algn="l">
+    <a:lvl9pPr marR="0" lvl="8" algn="l" rtl="0">
       <a:lnSpc>
         <a:spcPct val="100000"/>
       </a:lnSpc>
@@ -685,7 +722,7 @@
         <a:srgbClr val="000000"/>
       </a:buClr>
       <a:buFont typeface="Arial"/>
-      <a:defRPr b="0" i="0" sz="1400" u="none" cap="none" strike="noStrike">
+      <a:defRPr sz="1400" b="0" i="0" u="none" strike="noStrike" cap="none">
         <a:solidFill>
           <a:srgbClr val="000000"/>
         </a:solidFill>
@@ -700,11 +737,11 @@
 </file>
 
 <file path=ppt/notesSlides/notesSlide1.xml><?xml version="1.0" encoding="utf-8"?>
-<p:notes xmlns:a="http://schemas.openxmlformats.org/drawingml/2006/main" xmlns:r="http://schemas.openxmlformats.org/officeDocument/2006/relationships" xmlns:mc="http://schemas.openxmlformats.org/markup-compatibility/2006" xmlns:mv="urn:schemas-microsoft-com:mac:vml" xmlns:p="http://schemas.openxmlformats.org/presentationml/2006/main" xmlns:c="http://schemas.openxmlformats.org/drawingml/2006/chart" xmlns:dgm="http://schemas.openxmlformats.org/drawingml/2006/diagram" xmlns:o="urn:schemas-microsoft-com:office:office" xmlns:v="urn:schemas-microsoft-com:vml" xmlns:pvml="urn:schemas-microsoft-com:office:powerpoint" xmlns:com="http://schemas.openxmlformats.org/drawingml/2006/compatibility" xmlns:p14="http://schemas.microsoft.com/office/powerpoint/2010/main" xmlns:p15="http://schemas.microsoft.com/office/powerpoint/2012/main" showMasterPhAnim="0" showMasterSp="0">
+<p:notes xmlns:a="http://schemas.openxmlformats.org/drawingml/2006/main" xmlns:r="http://schemas.openxmlformats.org/officeDocument/2006/relationships" xmlns:p="http://schemas.openxmlformats.org/presentationml/2006/main" showMasterSp="0" showMasterPhAnim="0">
   <p:cSld>
     <p:spTree>
       <p:nvGrpSpPr>
-        <p:cNvPr id="82" name="Shape 82"/>
+        <p:cNvPr id="1" name="Shape 82"/>
         <p:cNvGrpSpPr/>
         <p:nvPr/>
       </p:nvGrpSpPr>
@@ -719,19 +756,26 @@
       <p:sp>
         <p:nvSpPr>
           <p:cNvPr id="83" name="Shape 83"/>
-          <p:cNvSpPr/>
+          <p:cNvSpPr>
+            <a:spLocks noGrp="1" noRot="1" noChangeAspect="1"/>
+          </p:cNvSpPr>
           <p:nvPr>
-            <p:ph idx="2" type="sldImg"/>
+            <p:ph type="sldImg" idx="2"/>
           </p:nvPr>
         </p:nvSpPr>
         <p:spPr>
           <a:xfrm>
-            <a:off x="381300" y="685800"/>
-            <a:ext cx="6096075" cy="3429000"/>
+            <a:off x="381000" y="685800"/>
+            <a:ext cx="6096000" cy="3429000"/>
           </a:xfrm>
           <a:custGeom>
+            <a:avLst/>
+            <a:gdLst/>
+            <a:ahLst/>
+            <a:cxnLst/>
+            <a:rect l="0" t="0" r="0" b="0"/>
             <a:pathLst>
-              <a:path extrusionOk="0" h="120000" w="120000">
+              <a:path w="120000" h="120000" extrusionOk="0">
                 <a:moveTo>
                   <a:pt x="0" y="0"/>
                 </a:moveTo>
@@ -753,9 +797,11 @@
       <p:sp>
         <p:nvSpPr>
           <p:cNvPr id="84" name="Shape 84"/>
-          <p:cNvSpPr txBox="1"/>
+          <p:cNvSpPr txBox="1">
+            <a:spLocks noGrp="1"/>
+          </p:cNvSpPr>
           <p:nvPr>
-            <p:ph idx="1" type="body"/>
+            <p:ph type="body" idx="1"/>
           </p:nvPr>
         </p:nvSpPr>
         <p:spPr>
@@ -768,12 +814,12 @@
           </a:prstGeom>
         </p:spPr>
         <p:txBody>
-          <a:bodyPr anchorCtr="0" anchor="t" bIns="91425" lIns="91425" spcFirstLastPara="1" rIns="91425" wrap="square" tIns="91425">
+          <a:bodyPr spcFirstLastPara="1" wrap="square" lIns="91425" tIns="91425" rIns="91425" bIns="91425" anchor="t" anchorCtr="0">
             <a:noAutofit/>
           </a:bodyPr>
           <a:lstStyle/>
           <a:p>
-            <a:pPr indent="0" lvl="0" marL="0">
+            <a:pPr marL="0" lvl="0" indent="0">
               <a:spcBef>
                 <a:spcPts val="0"/>
               </a:spcBef>
@@ -782,14 +828,16 @@
               </a:spcAft>
               <a:buNone/>
             </a:pPr>
-            <a:r>
-              <a:t/>
-            </a:r>
             <a:endParaRPr/>
           </a:p>
         </p:txBody>
       </p:sp>
     </p:spTree>
+    <p:extLst>
+      <p:ext uri="{BB962C8B-B14F-4D97-AF65-F5344CB8AC3E}">
+        <p14:creationId xmlns:p14="http://schemas.microsoft.com/office/powerpoint/2010/main" val="2287916304"/>
+      </p:ext>
+    </p:extLst>
   </p:cSld>
   <p:clrMapOvr>
     <a:masterClrMapping/>
@@ -798,11 +846,11 @@
 </file>
 
 <file path=ppt/notesSlides/notesSlide10.xml><?xml version="1.0" encoding="utf-8"?>
-<p:notes xmlns:a="http://schemas.openxmlformats.org/drawingml/2006/main" xmlns:r="http://schemas.openxmlformats.org/officeDocument/2006/relationships" xmlns:mc="http://schemas.openxmlformats.org/markup-compatibility/2006" xmlns:mv="urn:schemas-microsoft-com:mac:vml" xmlns:p="http://schemas.openxmlformats.org/presentationml/2006/main" xmlns:c="http://schemas.openxmlformats.org/drawingml/2006/chart" xmlns:dgm="http://schemas.openxmlformats.org/drawingml/2006/diagram" xmlns:o="urn:schemas-microsoft-com:office:office" xmlns:v="urn:schemas-microsoft-com:vml" xmlns:pvml="urn:schemas-microsoft-com:office:powerpoint" xmlns:com="http://schemas.openxmlformats.org/drawingml/2006/compatibility" xmlns:p14="http://schemas.microsoft.com/office/powerpoint/2010/main" xmlns:p15="http://schemas.microsoft.com/office/powerpoint/2012/main" showMasterPhAnim="0" showMasterSp="0">
+<p:notes xmlns:a="http://schemas.openxmlformats.org/drawingml/2006/main" xmlns:r="http://schemas.openxmlformats.org/officeDocument/2006/relationships" xmlns:p="http://schemas.openxmlformats.org/presentationml/2006/main" showMasterSp="0" showMasterPhAnim="0">
   <p:cSld>
     <p:spTree>
       <p:nvGrpSpPr>
-        <p:cNvPr id="151" name="Shape 151"/>
+        <p:cNvPr id="1" name="Shape 151"/>
         <p:cNvGrpSpPr/>
         <p:nvPr/>
       </p:nvGrpSpPr>
@@ -817,19 +865,26 @@
       <p:sp>
         <p:nvSpPr>
           <p:cNvPr id="152" name="Shape 152"/>
-          <p:cNvSpPr/>
+          <p:cNvSpPr>
+            <a:spLocks noGrp="1" noRot="1" noChangeAspect="1"/>
+          </p:cNvSpPr>
           <p:nvPr>
-            <p:ph idx="2" type="sldImg"/>
+            <p:ph type="sldImg" idx="2"/>
           </p:nvPr>
         </p:nvSpPr>
         <p:spPr>
           <a:xfrm>
-            <a:off x="381300" y="685800"/>
+            <a:off x="381000" y="685800"/>
             <a:ext cx="6096000" cy="3429000"/>
           </a:xfrm>
           <a:custGeom>
+            <a:avLst/>
+            <a:gdLst/>
+            <a:ahLst/>
+            <a:cxnLst/>
+            <a:rect l="0" t="0" r="0" b="0"/>
             <a:pathLst>
-              <a:path extrusionOk="0" h="120000" w="120000">
+              <a:path w="120000" h="120000" extrusionOk="0">
                 <a:moveTo>
                   <a:pt x="0" y="0"/>
                 </a:moveTo>
@@ -851,9 +906,11 @@
       <p:sp>
         <p:nvSpPr>
           <p:cNvPr id="153" name="Shape 153"/>
-          <p:cNvSpPr txBox="1"/>
+          <p:cNvSpPr txBox="1">
+            <a:spLocks noGrp="1"/>
+          </p:cNvSpPr>
           <p:nvPr>
-            <p:ph idx="1" type="body"/>
+            <p:ph type="body" idx="1"/>
           </p:nvPr>
         </p:nvSpPr>
         <p:spPr>
@@ -866,12 +923,12 @@
           </a:prstGeom>
         </p:spPr>
         <p:txBody>
-          <a:bodyPr anchorCtr="0" anchor="t" bIns="91425" lIns="91425" spcFirstLastPara="1" rIns="91425" wrap="square" tIns="91425">
+          <a:bodyPr spcFirstLastPara="1" wrap="square" lIns="91425" tIns="91425" rIns="91425" bIns="91425" anchor="t" anchorCtr="0">
             <a:noAutofit/>
           </a:bodyPr>
           <a:lstStyle/>
           <a:p>
-            <a:pPr indent="0" lvl="0" marL="0" rtl="0">
+            <a:pPr marL="0" lvl="0" indent="0" rtl="0">
               <a:spcBef>
                 <a:spcPts val="0"/>
               </a:spcBef>
@@ -880,14 +937,16 @@
               </a:spcAft>
               <a:buNone/>
             </a:pPr>
-            <a:r>
-              <a:t/>
-            </a:r>
             <a:endParaRPr/>
           </a:p>
         </p:txBody>
       </p:sp>
     </p:spTree>
+    <p:extLst>
+      <p:ext uri="{BB962C8B-B14F-4D97-AF65-F5344CB8AC3E}">
+        <p14:creationId xmlns:p14="http://schemas.microsoft.com/office/powerpoint/2010/main" val="4085512992"/>
+      </p:ext>
+    </p:extLst>
   </p:cSld>
   <p:clrMapOvr>
     <a:masterClrMapping/>
@@ -896,11 +955,11 @@
 </file>
 
 <file path=ppt/notesSlides/notesSlide11.xml><?xml version="1.0" encoding="utf-8"?>
-<p:notes xmlns:a="http://schemas.openxmlformats.org/drawingml/2006/main" xmlns:r="http://schemas.openxmlformats.org/officeDocument/2006/relationships" xmlns:mc="http://schemas.openxmlformats.org/markup-compatibility/2006" xmlns:mv="urn:schemas-microsoft-com:mac:vml" xmlns:p="http://schemas.openxmlformats.org/presentationml/2006/main" xmlns:c="http://schemas.openxmlformats.org/drawingml/2006/chart" xmlns:dgm="http://schemas.openxmlformats.org/drawingml/2006/diagram" xmlns:o="urn:schemas-microsoft-com:office:office" xmlns:v="urn:schemas-microsoft-com:vml" xmlns:pvml="urn:schemas-microsoft-com:office:powerpoint" xmlns:com="http://schemas.openxmlformats.org/drawingml/2006/compatibility" xmlns:p14="http://schemas.microsoft.com/office/powerpoint/2010/main" xmlns:p15="http://schemas.microsoft.com/office/powerpoint/2012/main" showMasterPhAnim="0" showMasterSp="0">
+<p:notes xmlns:a="http://schemas.openxmlformats.org/drawingml/2006/main" xmlns:r="http://schemas.openxmlformats.org/officeDocument/2006/relationships" xmlns:p="http://schemas.openxmlformats.org/presentationml/2006/main" showMasterSp="0" showMasterPhAnim="0">
   <p:cSld>
     <p:spTree>
       <p:nvGrpSpPr>
-        <p:cNvPr id="158" name="Shape 158"/>
+        <p:cNvPr id="1" name="Shape 158"/>
         <p:cNvGrpSpPr/>
         <p:nvPr/>
       </p:nvGrpSpPr>
@@ -915,19 +974,26 @@
       <p:sp>
         <p:nvSpPr>
           <p:cNvPr id="159" name="Shape 159"/>
-          <p:cNvSpPr/>
+          <p:cNvSpPr>
+            <a:spLocks noGrp="1" noRot="1" noChangeAspect="1"/>
+          </p:cNvSpPr>
           <p:nvPr>
-            <p:ph idx="2" type="sldImg"/>
+            <p:ph type="sldImg" idx="2"/>
           </p:nvPr>
         </p:nvSpPr>
         <p:spPr>
           <a:xfrm>
-            <a:off x="381300" y="685800"/>
+            <a:off x="381000" y="685800"/>
             <a:ext cx="6096000" cy="3429000"/>
           </a:xfrm>
           <a:custGeom>
+            <a:avLst/>
+            <a:gdLst/>
+            <a:ahLst/>
+            <a:cxnLst/>
+            <a:rect l="0" t="0" r="0" b="0"/>
             <a:pathLst>
-              <a:path extrusionOk="0" h="120000" w="120000">
+              <a:path w="120000" h="120000" extrusionOk="0">
                 <a:moveTo>
                   <a:pt x="0" y="0"/>
                 </a:moveTo>
@@ -949,9 +1015,11 @@
       <p:sp>
         <p:nvSpPr>
           <p:cNvPr id="160" name="Shape 160"/>
-          <p:cNvSpPr txBox="1"/>
+          <p:cNvSpPr txBox="1">
+            <a:spLocks noGrp="1"/>
+          </p:cNvSpPr>
           <p:nvPr>
-            <p:ph idx="1" type="body"/>
+            <p:ph type="body" idx="1"/>
           </p:nvPr>
         </p:nvSpPr>
         <p:spPr>
@@ -964,12 +1032,12 @@
           </a:prstGeom>
         </p:spPr>
         <p:txBody>
-          <a:bodyPr anchorCtr="0" anchor="t" bIns="91425" lIns="91425" spcFirstLastPara="1" rIns="91425" wrap="square" tIns="91425">
+          <a:bodyPr spcFirstLastPara="1" wrap="square" lIns="91425" tIns="91425" rIns="91425" bIns="91425" anchor="t" anchorCtr="0">
             <a:noAutofit/>
           </a:bodyPr>
           <a:lstStyle/>
           <a:p>
-            <a:pPr indent="0" lvl="0" marL="0" rtl="0">
+            <a:pPr marL="0" lvl="0" indent="0" rtl="0">
               <a:spcBef>
                 <a:spcPts val="0"/>
               </a:spcBef>
@@ -978,14 +1046,16 @@
               </a:spcAft>
               <a:buNone/>
             </a:pPr>
-            <a:r>
-              <a:t/>
-            </a:r>
             <a:endParaRPr/>
           </a:p>
         </p:txBody>
       </p:sp>
     </p:spTree>
+    <p:extLst>
+      <p:ext uri="{BB962C8B-B14F-4D97-AF65-F5344CB8AC3E}">
+        <p14:creationId xmlns:p14="http://schemas.microsoft.com/office/powerpoint/2010/main" val="241951132"/>
+      </p:ext>
+    </p:extLst>
   </p:cSld>
   <p:clrMapOvr>
     <a:masterClrMapping/>
@@ -994,11 +1064,11 @@
 </file>
 
 <file path=ppt/notesSlides/notesSlide12.xml><?xml version="1.0" encoding="utf-8"?>
-<p:notes xmlns:a="http://schemas.openxmlformats.org/drawingml/2006/main" xmlns:r="http://schemas.openxmlformats.org/officeDocument/2006/relationships" xmlns:mc="http://schemas.openxmlformats.org/markup-compatibility/2006" xmlns:mv="urn:schemas-microsoft-com:mac:vml" xmlns:p="http://schemas.openxmlformats.org/presentationml/2006/main" xmlns:c="http://schemas.openxmlformats.org/drawingml/2006/chart" xmlns:dgm="http://schemas.openxmlformats.org/drawingml/2006/diagram" xmlns:o="urn:schemas-microsoft-com:office:office" xmlns:v="urn:schemas-microsoft-com:vml" xmlns:pvml="urn:schemas-microsoft-com:office:powerpoint" xmlns:com="http://schemas.openxmlformats.org/drawingml/2006/compatibility" xmlns:p14="http://schemas.microsoft.com/office/powerpoint/2010/main" xmlns:p15="http://schemas.microsoft.com/office/powerpoint/2012/main" showMasterPhAnim="0" showMasterSp="0">
+<p:notes xmlns:a="http://schemas.openxmlformats.org/drawingml/2006/main" xmlns:r="http://schemas.openxmlformats.org/officeDocument/2006/relationships" xmlns:p="http://schemas.openxmlformats.org/presentationml/2006/main" showMasterSp="0" showMasterPhAnim="0">
   <p:cSld>
     <p:spTree>
       <p:nvGrpSpPr>
-        <p:cNvPr id="165" name="Shape 165"/>
+        <p:cNvPr id="1" name="Shape 165"/>
         <p:cNvGrpSpPr/>
         <p:nvPr/>
       </p:nvGrpSpPr>
@@ -1013,19 +1083,26 @@
       <p:sp>
         <p:nvSpPr>
           <p:cNvPr id="166" name="Shape 166"/>
-          <p:cNvSpPr/>
+          <p:cNvSpPr>
+            <a:spLocks noGrp="1" noRot="1" noChangeAspect="1"/>
+          </p:cNvSpPr>
           <p:nvPr>
-            <p:ph idx="2" type="sldImg"/>
+            <p:ph type="sldImg" idx="2"/>
           </p:nvPr>
         </p:nvSpPr>
         <p:spPr>
           <a:xfrm>
-            <a:off x="381300" y="685800"/>
+            <a:off x="381000" y="685800"/>
             <a:ext cx="6096000" cy="3429000"/>
           </a:xfrm>
           <a:custGeom>
+            <a:avLst/>
+            <a:gdLst/>
+            <a:ahLst/>
+            <a:cxnLst/>
+            <a:rect l="0" t="0" r="0" b="0"/>
             <a:pathLst>
-              <a:path extrusionOk="0" h="120000" w="120000">
+              <a:path w="120000" h="120000" extrusionOk="0">
                 <a:moveTo>
                   <a:pt x="0" y="0"/>
                 </a:moveTo>
@@ -1047,9 +1124,11 @@
       <p:sp>
         <p:nvSpPr>
           <p:cNvPr id="167" name="Shape 167"/>
-          <p:cNvSpPr txBox="1"/>
+          <p:cNvSpPr txBox="1">
+            <a:spLocks noGrp="1"/>
+          </p:cNvSpPr>
           <p:nvPr>
-            <p:ph idx="1" type="body"/>
+            <p:ph type="body" idx="1"/>
           </p:nvPr>
         </p:nvSpPr>
         <p:spPr>
@@ -1062,12 +1141,12 @@
           </a:prstGeom>
         </p:spPr>
         <p:txBody>
-          <a:bodyPr anchorCtr="0" anchor="t" bIns="91425" lIns="91425" spcFirstLastPara="1" rIns="91425" wrap="square" tIns="91425">
+          <a:bodyPr spcFirstLastPara="1" wrap="square" lIns="91425" tIns="91425" rIns="91425" bIns="91425" anchor="t" anchorCtr="0">
             <a:noAutofit/>
           </a:bodyPr>
           <a:lstStyle/>
           <a:p>
-            <a:pPr indent="0" lvl="0" marL="0" rtl="0">
+            <a:pPr marL="0" lvl="0" indent="0" rtl="0">
               <a:spcBef>
                 <a:spcPts val="0"/>
               </a:spcBef>
@@ -1076,14 +1155,16 @@
               </a:spcAft>
               <a:buNone/>
             </a:pPr>
-            <a:r>
-              <a:t/>
-            </a:r>
             <a:endParaRPr/>
           </a:p>
         </p:txBody>
       </p:sp>
     </p:spTree>
+    <p:extLst>
+      <p:ext uri="{BB962C8B-B14F-4D97-AF65-F5344CB8AC3E}">
+        <p14:creationId xmlns:p14="http://schemas.microsoft.com/office/powerpoint/2010/main" val="1009978132"/>
+      </p:ext>
+    </p:extLst>
   </p:cSld>
   <p:clrMapOvr>
     <a:masterClrMapping/>
@@ -1092,11 +1173,11 @@
 </file>
 
 <file path=ppt/notesSlides/notesSlide13.xml><?xml version="1.0" encoding="utf-8"?>
-<p:notes xmlns:a="http://schemas.openxmlformats.org/drawingml/2006/main" xmlns:r="http://schemas.openxmlformats.org/officeDocument/2006/relationships" xmlns:mc="http://schemas.openxmlformats.org/markup-compatibility/2006" xmlns:mv="urn:schemas-microsoft-com:mac:vml" xmlns:p="http://schemas.openxmlformats.org/presentationml/2006/main" xmlns:c="http://schemas.openxmlformats.org/drawingml/2006/chart" xmlns:dgm="http://schemas.openxmlformats.org/drawingml/2006/diagram" xmlns:o="urn:schemas-microsoft-com:office:office" xmlns:v="urn:schemas-microsoft-com:vml" xmlns:pvml="urn:schemas-microsoft-com:office:powerpoint" xmlns:com="http://schemas.openxmlformats.org/drawingml/2006/compatibility" xmlns:p14="http://schemas.microsoft.com/office/powerpoint/2010/main" xmlns:p15="http://schemas.microsoft.com/office/powerpoint/2012/main" showMasterPhAnim="0" showMasterSp="0">
+<p:notes xmlns:a="http://schemas.openxmlformats.org/drawingml/2006/main" xmlns:r="http://schemas.openxmlformats.org/officeDocument/2006/relationships" xmlns:p="http://schemas.openxmlformats.org/presentationml/2006/main" showMasterSp="0" showMasterPhAnim="0">
   <p:cSld>
     <p:spTree>
       <p:nvGrpSpPr>
-        <p:cNvPr id="172" name="Shape 172"/>
+        <p:cNvPr id="1" name="Shape 172"/>
         <p:cNvGrpSpPr/>
         <p:nvPr/>
       </p:nvGrpSpPr>
@@ -1111,19 +1192,26 @@
       <p:sp>
         <p:nvSpPr>
           <p:cNvPr id="173" name="Shape 173"/>
-          <p:cNvSpPr/>
+          <p:cNvSpPr>
+            <a:spLocks noGrp="1" noRot="1" noChangeAspect="1"/>
+          </p:cNvSpPr>
           <p:nvPr>
-            <p:ph idx="2" type="sldImg"/>
+            <p:ph type="sldImg" idx="2"/>
           </p:nvPr>
         </p:nvSpPr>
         <p:spPr>
           <a:xfrm>
-            <a:off x="381300" y="685800"/>
+            <a:off x="381000" y="685800"/>
             <a:ext cx="6096000" cy="3429000"/>
           </a:xfrm>
           <a:custGeom>
+            <a:avLst/>
+            <a:gdLst/>
+            <a:ahLst/>
+            <a:cxnLst/>
+            <a:rect l="0" t="0" r="0" b="0"/>
             <a:pathLst>
-              <a:path extrusionOk="0" h="120000" w="120000">
+              <a:path w="120000" h="120000" extrusionOk="0">
                 <a:moveTo>
                   <a:pt x="0" y="0"/>
                 </a:moveTo>
@@ -1145,9 +1233,11 @@
       <p:sp>
         <p:nvSpPr>
           <p:cNvPr id="174" name="Shape 174"/>
-          <p:cNvSpPr txBox="1"/>
+          <p:cNvSpPr txBox="1">
+            <a:spLocks noGrp="1"/>
+          </p:cNvSpPr>
           <p:nvPr>
-            <p:ph idx="1" type="body"/>
+            <p:ph type="body" idx="1"/>
           </p:nvPr>
         </p:nvSpPr>
         <p:spPr>
@@ -1160,12 +1250,12 @@
           </a:prstGeom>
         </p:spPr>
         <p:txBody>
-          <a:bodyPr anchorCtr="0" anchor="t" bIns="91425" lIns="91425" spcFirstLastPara="1" rIns="91425" wrap="square" tIns="91425">
+          <a:bodyPr spcFirstLastPara="1" wrap="square" lIns="91425" tIns="91425" rIns="91425" bIns="91425" anchor="t" anchorCtr="0">
             <a:noAutofit/>
           </a:bodyPr>
           <a:lstStyle/>
           <a:p>
-            <a:pPr indent="0" lvl="0" marL="0" rtl="0">
+            <a:pPr marL="0" lvl="0" indent="0" rtl="0">
               <a:spcBef>
                 <a:spcPts val="0"/>
               </a:spcBef>
@@ -1174,14 +1264,16 @@
               </a:spcAft>
               <a:buNone/>
             </a:pPr>
-            <a:r>
-              <a:t/>
-            </a:r>
             <a:endParaRPr/>
           </a:p>
         </p:txBody>
       </p:sp>
     </p:spTree>
+    <p:extLst>
+      <p:ext uri="{BB962C8B-B14F-4D97-AF65-F5344CB8AC3E}">
+        <p14:creationId xmlns:p14="http://schemas.microsoft.com/office/powerpoint/2010/main" val="183530277"/>
+      </p:ext>
+    </p:extLst>
   </p:cSld>
   <p:clrMapOvr>
     <a:masterClrMapping/>
@@ -1190,11 +1282,11 @@
 </file>
 
 <file path=ppt/notesSlides/notesSlide14.xml><?xml version="1.0" encoding="utf-8"?>
-<p:notes xmlns:a="http://schemas.openxmlformats.org/drawingml/2006/main" xmlns:r="http://schemas.openxmlformats.org/officeDocument/2006/relationships" xmlns:mc="http://schemas.openxmlformats.org/markup-compatibility/2006" xmlns:mv="urn:schemas-microsoft-com:mac:vml" xmlns:p="http://schemas.openxmlformats.org/presentationml/2006/main" xmlns:c="http://schemas.openxmlformats.org/drawingml/2006/chart" xmlns:dgm="http://schemas.openxmlformats.org/drawingml/2006/diagram" xmlns:o="urn:schemas-microsoft-com:office:office" xmlns:v="urn:schemas-microsoft-com:vml" xmlns:pvml="urn:schemas-microsoft-com:office:powerpoint" xmlns:com="http://schemas.openxmlformats.org/drawingml/2006/compatibility" xmlns:p14="http://schemas.microsoft.com/office/powerpoint/2010/main" xmlns:p15="http://schemas.microsoft.com/office/powerpoint/2012/main" showMasterPhAnim="0" showMasterSp="0">
+<p:notes xmlns:a="http://schemas.openxmlformats.org/drawingml/2006/main" xmlns:r="http://schemas.openxmlformats.org/officeDocument/2006/relationships" xmlns:p="http://schemas.openxmlformats.org/presentationml/2006/main" showMasterSp="0" showMasterPhAnim="0">
   <p:cSld>
     <p:spTree>
       <p:nvGrpSpPr>
-        <p:cNvPr id="179" name="Shape 179"/>
+        <p:cNvPr id="1" name="Shape 179"/>
         <p:cNvGrpSpPr/>
         <p:nvPr/>
       </p:nvGrpSpPr>
@@ -1209,19 +1301,26 @@
       <p:sp>
         <p:nvSpPr>
           <p:cNvPr id="180" name="Shape 180"/>
-          <p:cNvSpPr/>
+          <p:cNvSpPr>
+            <a:spLocks noGrp="1" noRot="1" noChangeAspect="1"/>
+          </p:cNvSpPr>
           <p:nvPr>
-            <p:ph idx="2" type="sldImg"/>
+            <p:ph type="sldImg" idx="2"/>
           </p:nvPr>
         </p:nvSpPr>
         <p:spPr>
           <a:xfrm>
-            <a:off x="381300" y="685800"/>
+            <a:off x="381000" y="685800"/>
             <a:ext cx="6096000" cy="3429000"/>
           </a:xfrm>
           <a:custGeom>
+            <a:avLst/>
+            <a:gdLst/>
+            <a:ahLst/>
+            <a:cxnLst/>
+            <a:rect l="0" t="0" r="0" b="0"/>
             <a:pathLst>
-              <a:path extrusionOk="0" h="120000" w="120000">
+              <a:path w="120000" h="120000" extrusionOk="0">
                 <a:moveTo>
                   <a:pt x="0" y="0"/>
                 </a:moveTo>
@@ -1243,9 +1342,11 @@
       <p:sp>
         <p:nvSpPr>
           <p:cNvPr id="181" name="Shape 181"/>
-          <p:cNvSpPr txBox="1"/>
+          <p:cNvSpPr txBox="1">
+            <a:spLocks noGrp="1"/>
+          </p:cNvSpPr>
           <p:nvPr>
-            <p:ph idx="1" type="body"/>
+            <p:ph type="body" idx="1"/>
           </p:nvPr>
         </p:nvSpPr>
         <p:spPr>
@@ -1258,12 +1359,12 @@
           </a:prstGeom>
         </p:spPr>
         <p:txBody>
-          <a:bodyPr anchorCtr="0" anchor="t" bIns="91425" lIns="91425" spcFirstLastPara="1" rIns="91425" wrap="square" tIns="91425">
+          <a:bodyPr spcFirstLastPara="1" wrap="square" lIns="91425" tIns="91425" rIns="91425" bIns="91425" anchor="t" anchorCtr="0">
             <a:noAutofit/>
           </a:bodyPr>
           <a:lstStyle/>
           <a:p>
-            <a:pPr indent="0" lvl="0" marL="0" rtl="0">
+            <a:pPr marL="0" lvl="0" indent="0" rtl="0">
               <a:spcBef>
                 <a:spcPts val="0"/>
               </a:spcBef>
@@ -1272,14 +1373,16 @@
               </a:spcAft>
               <a:buNone/>
             </a:pPr>
-            <a:r>
-              <a:t/>
-            </a:r>
             <a:endParaRPr/>
           </a:p>
         </p:txBody>
       </p:sp>
     </p:spTree>
+    <p:extLst>
+      <p:ext uri="{BB962C8B-B14F-4D97-AF65-F5344CB8AC3E}">
+        <p14:creationId xmlns:p14="http://schemas.microsoft.com/office/powerpoint/2010/main" val="2701097752"/>
+      </p:ext>
+    </p:extLst>
   </p:cSld>
   <p:clrMapOvr>
     <a:masterClrMapping/>
@@ -1288,11 +1391,11 @@
 </file>
 
 <file path=ppt/notesSlides/notesSlide15.xml><?xml version="1.0" encoding="utf-8"?>
-<p:notes xmlns:a="http://schemas.openxmlformats.org/drawingml/2006/main" xmlns:r="http://schemas.openxmlformats.org/officeDocument/2006/relationships" xmlns:mc="http://schemas.openxmlformats.org/markup-compatibility/2006" xmlns:mv="urn:schemas-microsoft-com:mac:vml" xmlns:p="http://schemas.openxmlformats.org/presentationml/2006/main" xmlns:c="http://schemas.openxmlformats.org/drawingml/2006/chart" xmlns:dgm="http://schemas.openxmlformats.org/drawingml/2006/diagram" xmlns:o="urn:schemas-microsoft-com:office:office" xmlns:v="urn:schemas-microsoft-com:vml" xmlns:pvml="urn:schemas-microsoft-com:office:powerpoint" xmlns:com="http://schemas.openxmlformats.org/drawingml/2006/compatibility" xmlns:p14="http://schemas.microsoft.com/office/powerpoint/2010/main" xmlns:p15="http://schemas.microsoft.com/office/powerpoint/2012/main" showMasterPhAnim="0" showMasterSp="0">
+<p:notes xmlns:a="http://schemas.openxmlformats.org/drawingml/2006/main" xmlns:r="http://schemas.openxmlformats.org/officeDocument/2006/relationships" xmlns:p="http://schemas.openxmlformats.org/presentationml/2006/main" showMasterSp="0" showMasterPhAnim="0">
   <p:cSld>
     <p:spTree>
       <p:nvGrpSpPr>
-        <p:cNvPr id="186" name="Shape 186"/>
+        <p:cNvPr id="1" name="Shape 186"/>
         <p:cNvGrpSpPr/>
         <p:nvPr/>
       </p:nvGrpSpPr>
@@ -1307,19 +1410,26 @@
       <p:sp>
         <p:nvSpPr>
           <p:cNvPr id="187" name="Shape 187"/>
-          <p:cNvSpPr/>
+          <p:cNvSpPr>
+            <a:spLocks noGrp="1" noRot="1" noChangeAspect="1"/>
+          </p:cNvSpPr>
           <p:nvPr>
-            <p:ph idx="2" type="sldImg"/>
+            <p:ph type="sldImg" idx="2"/>
           </p:nvPr>
         </p:nvSpPr>
         <p:spPr>
           <a:xfrm>
-            <a:off x="381300" y="685800"/>
+            <a:off x="381000" y="685800"/>
             <a:ext cx="6096000" cy="3429000"/>
           </a:xfrm>
           <a:custGeom>
+            <a:avLst/>
+            <a:gdLst/>
+            <a:ahLst/>
+            <a:cxnLst/>
+            <a:rect l="0" t="0" r="0" b="0"/>
             <a:pathLst>
-              <a:path extrusionOk="0" h="120000" w="120000">
+              <a:path w="120000" h="120000" extrusionOk="0">
                 <a:moveTo>
                   <a:pt x="0" y="0"/>
                 </a:moveTo>
@@ -1341,9 +1451,11 @@
       <p:sp>
         <p:nvSpPr>
           <p:cNvPr id="188" name="Shape 188"/>
-          <p:cNvSpPr txBox="1"/>
+          <p:cNvSpPr txBox="1">
+            <a:spLocks noGrp="1"/>
+          </p:cNvSpPr>
           <p:nvPr>
-            <p:ph idx="1" type="body"/>
+            <p:ph type="body" idx="1"/>
           </p:nvPr>
         </p:nvSpPr>
         <p:spPr>
@@ -1356,12 +1468,12 @@
           </a:prstGeom>
         </p:spPr>
         <p:txBody>
-          <a:bodyPr anchorCtr="0" anchor="t" bIns="91425" lIns="91425" spcFirstLastPara="1" rIns="91425" wrap="square" tIns="91425">
+          <a:bodyPr spcFirstLastPara="1" wrap="square" lIns="91425" tIns="91425" rIns="91425" bIns="91425" anchor="t" anchorCtr="0">
             <a:noAutofit/>
           </a:bodyPr>
           <a:lstStyle/>
           <a:p>
-            <a:pPr indent="0" lvl="0" marL="0" rtl="0">
+            <a:pPr marL="0" lvl="0" indent="0" rtl="0">
               <a:spcBef>
                 <a:spcPts val="0"/>
               </a:spcBef>
@@ -1370,14 +1482,16 @@
               </a:spcAft>
               <a:buNone/>
             </a:pPr>
-            <a:r>
-              <a:t/>
-            </a:r>
             <a:endParaRPr/>
           </a:p>
         </p:txBody>
       </p:sp>
     </p:spTree>
+    <p:extLst>
+      <p:ext uri="{BB962C8B-B14F-4D97-AF65-F5344CB8AC3E}">
+        <p14:creationId xmlns:p14="http://schemas.microsoft.com/office/powerpoint/2010/main" val="3454182148"/>
+      </p:ext>
+    </p:extLst>
   </p:cSld>
   <p:clrMapOvr>
     <a:masterClrMapping/>
@@ -1386,11 +1500,11 @@
 </file>
 
 <file path=ppt/notesSlides/notesSlide16.xml><?xml version="1.0" encoding="utf-8"?>
-<p:notes xmlns:a="http://schemas.openxmlformats.org/drawingml/2006/main" xmlns:r="http://schemas.openxmlformats.org/officeDocument/2006/relationships" xmlns:mc="http://schemas.openxmlformats.org/markup-compatibility/2006" xmlns:mv="urn:schemas-microsoft-com:mac:vml" xmlns:p="http://schemas.openxmlformats.org/presentationml/2006/main" xmlns:c="http://schemas.openxmlformats.org/drawingml/2006/chart" xmlns:dgm="http://schemas.openxmlformats.org/drawingml/2006/diagram" xmlns:o="urn:schemas-microsoft-com:office:office" xmlns:v="urn:schemas-microsoft-com:vml" xmlns:pvml="urn:schemas-microsoft-com:office:powerpoint" xmlns:com="http://schemas.openxmlformats.org/drawingml/2006/compatibility" xmlns:p14="http://schemas.microsoft.com/office/powerpoint/2010/main" xmlns:p15="http://schemas.microsoft.com/office/powerpoint/2012/main" showMasterPhAnim="0" showMasterSp="0">
+<p:notes xmlns:a="http://schemas.openxmlformats.org/drawingml/2006/main" xmlns:r="http://schemas.openxmlformats.org/officeDocument/2006/relationships" xmlns:p="http://schemas.openxmlformats.org/presentationml/2006/main" showMasterSp="0" showMasterPhAnim="0">
   <p:cSld>
     <p:spTree>
       <p:nvGrpSpPr>
-        <p:cNvPr id="193" name="Shape 193"/>
+        <p:cNvPr id="1" name="Shape 193"/>
         <p:cNvGrpSpPr/>
         <p:nvPr/>
       </p:nvGrpSpPr>
@@ -1405,19 +1519,26 @@
       <p:sp>
         <p:nvSpPr>
           <p:cNvPr id="194" name="Shape 194"/>
-          <p:cNvSpPr/>
+          <p:cNvSpPr>
+            <a:spLocks noGrp="1" noRot="1" noChangeAspect="1"/>
+          </p:cNvSpPr>
           <p:nvPr>
-            <p:ph idx="2" type="sldImg"/>
+            <p:ph type="sldImg" idx="2"/>
           </p:nvPr>
         </p:nvSpPr>
         <p:spPr>
           <a:xfrm>
-            <a:off x="381300" y="685800"/>
+            <a:off x="381000" y="685800"/>
             <a:ext cx="6096000" cy="3429000"/>
           </a:xfrm>
           <a:custGeom>
+            <a:avLst/>
+            <a:gdLst/>
+            <a:ahLst/>
+            <a:cxnLst/>
+            <a:rect l="0" t="0" r="0" b="0"/>
             <a:pathLst>
-              <a:path extrusionOk="0" h="120000" w="120000">
+              <a:path w="120000" h="120000" extrusionOk="0">
                 <a:moveTo>
                   <a:pt x="0" y="0"/>
                 </a:moveTo>
@@ -1439,9 +1560,11 @@
       <p:sp>
         <p:nvSpPr>
           <p:cNvPr id="195" name="Shape 195"/>
-          <p:cNvSpPr txBox="1"/>
+          <p:cNvSpPr txBox="1">
+            <a:spLocks noGrp="1"/>
+          </p:cNvSpPr>
           <p:nvPr>
-            <p:ph idx="1" type="body"/>
+            <p:ph type="body" idx="1"/>
           </p:nvPr>
         </p:nvSpPr>
         <p:spPr>
@@ -1454,12 +1577,12 @@
           </a:prstGeom>
         </p:spPr>
         <p:txBody>
-          <a:bodyPr anchorCtr="0" anchor="t" bIns="91425" lIns="91425" spcFirstLastPara="1" rIns="91425" wrap="square" tIns="91425">
+          <a:bodyPr spcFirstLastPara="1" wrap="square" lIns="91425" tIns="91425" rIns="91425" bIns="91425" anchor="t" anchorCtr="0">
             <a:noAutofit/>
           </a:bodyPr>
           <a:lstStyle/>
           <a:p>
-            <a:pPr indent="0" lvl="0" marL="0" rtl="0">
+            <a:pPr marL="0" lvl="0" indent="0" rtl="0">
               <a:spcBef>
                 <a:spcPts val="0"/>
               </a:spcBef>
@@ -1468,14 +1591,16 @@
               </a:spcAft>
               <a:buNone/>
             </a:pPr>
-            <a:r>
-              <a:t/>
-            </a:r>
             <a:endParaRPr/>
           </a:p>
         </p:txBody>
       </p:sp>
     </p:spTree>
+    <p:extLst>
+      <p:ext uri="{BB962C8B-B14F-4D97-AF65-F5344CB8AC3E}">
+        <p14:creationId xmlns:p14="http://schemas.microsoft.com/office/powerpoint/2010/main" val="1242658554"/>
+      </p:ext>
+    </p:extLst>
   </p:cSld>
   <p:clrMapOvr>
     <a:masterClrMapping/>
@@ -1484,11 +1609,11 @@
 </file>
 
 <file path=ppt/notesSlides/notesSlide17.xml><?xml version="1.0" encoding="utf-8"?>
-<p:notes xmlns:a="http://schemas.openxmlformats.org/drawingml/2006/main" xmlns:r="http://schemas.openxmlformats.org/officeDocument/2006/relationships" xmlns:mc="http://schemas.openxmlformats.org/markup-compatibility/2006" xmlns:mv="urn:schemas-microsoft-com:mac:vml" xmlns:p="http://schemas.openxmlformats.org/presentationml/2006/main" xmlns:c="http://schemas.openxmlformats.org/drawingml/2006/chart" xmlns:dgm="http://schemas.openxmlformats.org/drawingml/2006/diagram" xmlns:o="urn:schemas-microsoft-com:office:office" xmlns:v="urn:schemas-microsoft-com:vml" xmlns:pvml="urn:schemas-microsoft-com:office:powerpoint" xmlns:com="http://schemas.openxmlformats.org/drawingml/2006/compatibility" xmlns:p14="http://schemas.microsoft.com/office/powerpoint/2010/main" xmlns:p15="http://schemas.microsoft.com/office/powerpoint/2012/main" showMasterPhAnim="0" showMasterSp="0">
+<p:notes xmlns:a="http://schemas.openxmlformats.org/drawingml/2006/main" xmlns:r="http://schemas.openxmlformats.org/officeDocument/2006/relationships" xmlns:p="http://schemas.openxmlformats.org/presentationml/2006/main" showMasterSp="0" showMasterPhAnim="0">
   <p:cSld>
     <p:spTree>
       <p:nvGrpSpPr>
-        <p:cNvPr id="201" name="Shape 201"/>
+        <p:cNvPr id="1" name="Shape 201"/>
         <p:cNvGrpSpPr/>
         <p:nvPr/>
       </p:nvGrpSpPr>
@@ -1503,19 +1628,26 @@
       <p:sp>
         <p:nvSpPr>
           <p:cNvPr id="202" name="Shape 202"/>
-          <p:cNvSpPr/>
+          <p:cNvSpPr>
+            <a:spLocks noGrp="1" noRot="1" noChangeAspect="1"/>
+          </p:cNvSpPr>
           <p:nvPr>
-            <p:ph idx="2" type="sldImg"/>
+            <p:ph type="sldImg" idx="2"/>
           </p:nvPr>
         </p:nvSpPr>
         <p:spPr>
           <a:xfrm>
-            <a:off x="381300" y="685800"/>
+            <a:off x="381000" y="685800"/>
             <a:ext cx="6096000" cy="3429000"/>
           </a:xfrm>
           <a:custGeom>
+            <a:avLst/>
+            <a:gdLst/>
+            <a:ahLst/>
+            <a:cxnLst/>
+            <a:rect l="0" t="0" r="0" b="0"/>
             <a:pathLst>
-              <a:path extrusionOk="0" h="120000" w="120000">
+              <a:path w="120000" h="120000" extrusionOk="0">
                 <a:moveTo>
                   <a:pt x="0" y="0"/>
                 </a:moveTo>
@@ -1537,9 +1669,11 @@
       <p:sp>
         <p:nvSpPr>
           <p:cNvPr id="203" name="Shape 203"/>
-          <p:cNvSpPr txBox="1"/>
+          <p:cNvSpPr txBox="1">
+            <a:spLocks noGrp="1"/>
+          </p:cNvSpPr>
           <p:nvPr>
-            <p:ph idx="1" type="body"/>
+            <p:ph type="body" idx="1"/>
           </p:nvPr>
         </p:nvSpPr>
         <p:spPr>
@@ -1552,12 +1686,12 @@
           </a:prstGeom>
         </p:spPr>
         <p:txBody>
-          <a:bodyPr anchorCtr="0" anchor="t" bIns="91425" lIns="91425" spcFirstLastPara="1" rIns="91425" wrap="square" tIns="91425">
+          <a:bodyPr spcFirstLastPara="1" wrap="square" lIns="91425" tIns="91425" rIns="91425" bIns="91425" anchor="t" anchorCtr="0">
             <a:noAutofit/>
           </a:bodyPr>
           <a:lstStyle/>
           <a:p>
-            <a:pPr indent="0" lvl="0" marL="0" rtl="0">
+            <a:pPr marL="0" lvl="0" indent="0" rtl="0">
               <a:spcBef>
                 <a:spcPts val="0"/>
               </a:spcBef>
@@ -1566,14 +1700,16 @@
               </a:spcAft>
               <a:buNone/>
             </a:pPr>
-            <a:r>
-              <a:t/>
-            </a:r>
             <a:endParaRPr/>
           </a:p>
         </p:txBody>
       </p:sp>
     </p:spTree>
+    <p:extLst>
+      <p:ext uri="{BB962C8B-B14F-4D97-AF65-F5344CB8AC3E}">
+        <p14:creationId xmlns:p14="http://schemas.microsoft.com/office/powerpoint/2010/main" val="1589618803"/>
+      </p:ext>
+    </p:extLst>
   </p:cSld>
   <p:clrMapOvr>
     <a:masterClrMapping/>
@@ -1582,11 +1718,11 @@
 </file>
 
 <file path=ppt/notesSlides/notesSlide2.xml><?xml version="1.0" encoding="utf-8"?>
-<p:notes xmlns:a="http://schemas.openxmlformats.org/drawingml/2006/main" xmlns:r="http://schemas.openxmlformats.org/officeDocument/2006/relationships" xmlns:mc="http://schemas.openxmlformats.org/markup-compatibility/2006" xmlns:mv="urn:schemas-microsoft-com:mac:vml" xmlns:p="http://schemas.openxmlformats.org/presentationml/2006/main" xmlns:c="http://schemas.openxmlformats.org/drawingml/2006/chart" xmlns:dgm="http://schemas.openxmlformats.org/drawingml/2006/diagram" xmlns:o="urn:schemas-microsoft-com:office:office" xmlns:v="urn:schemas-microsoft-com:vml" xmlns:pvml="urn:schemas-microsoft-com:office:powerpoint" xmlns:com="http://schemas.openxmlformats.org/drawingml/2006/compatibility" xmlns:p14="http://schemas.microsoft.com/office/powerpoint/2010/main" xmlns:p15="http://schemas.microsoft.com/office/powerpoint/2012/main" showMasterPhAnim="0" showMasterSp="0">
+<p:notes xmlns:a="http://schemas.openxmlformats.org/drawingml/2006/main" xmlns:r="http://schemas.openxmlformats.org/officeDocument/2006/relationships" xmlns:p="http://schemas.openxmlformats.org/presentationml/2006/main" showMasterSp="0" showMasterPhAnim="0">
   <p:cSld>
     <p:spTree>
       <p:nvGrpSpPr>
-        <p:cNvPr id="89" name="Shape 89"/>
+        <p:cNvPr id="1" name="Shape 89"/>
         <p:cNvGrpSpPr/>
         <p:nvPr/>
       </p:nvGrpSpPr>
@@ -1601,19 +1737,26 @@
       <p:sp>
         <p:nvSpPr>
           <p:cNvPr id="90" name="Shape 90"/>
-          <p:cNvSpPr/>
+          <p:cNvSpPr>
+            <a:spLocks noGrp="1" noRot="1" noChangeAspect="1"/>
+          </p:cNvSpPr>
           <p:nvPr>
-            <p:ph idx="2" type="sldImg"/>
+            <p:ph type="sldImg" idx="2"/>
           </p:nvPr>
         </p:nvSpPr>
         <p:spPr>
           <a:xfrm>
-            <a:off x="381300" y="685800"/>
+            <a:off x="381000" y="685800"/>
             <a:ext cx="6096000" cy="3429000"/>
           </a:xfrm>
           <a:custGeom>
+            <a:avLst/>
+            <a:gdLst/>
+            <a:ahLst/>
+            <a:cxnLst/>
+            <a:rect l="0" t="0" r="0" b="0"/>
             <a:pathLst>
-              <a:path extrusionOk="0" h="120000" w="120000">
+              <a:path w="120000" h="120000" extrusionOk="0">
                 <a:moveTo>
                   <a:pt x="0" y="0"/>
                 </a:moveTo>
@@ -1635,9 +1778,11 @@
       <p:sp>
         <p:nvSpPr>
           <p:cNvPr id="91" name="Shape 91"/>
-          <p:cNvSpPr txBox="1"/>
+          <p:cNvSpPr txBox="1">
+            <a:spLocks noGrp="1"/>
+          </p:cNvSpPr>
           <p:nvPr>
-            <p:ph idx="1" type="body"/>
+            <p:ph type="body" idx="1"/>
           </p:nvPr>
         </p:nvSpPr>
         <p:spPr>
@@ -1650,12 +1795,12 @@
           </a:prstGeom>
         </p:spPr>
         <p:txBody>
-          <a:bodyPr anchorCtr="0" anchor="t" bIns="91425" lIns="91425" spcFirstLastPara="1" rIns="91425" wrap="square" tIns="91425">
+          <a:bodyPr spcFirstLastPara="1" wrap="square" lIns="91425" tIns="91425" rIns="91425" bIns="91425" anchor="t" anchorCtr="0">
             <a:noAutofit/>
           </a:bodyPr>
           <a:lstStyle/>
           <a:p>
-            <a:pPr indent="0" lvl="0" marL="0" rtl="0">
+            <a:pPr marL="0" lvl="0" indent="0" rtl="0">
               <a:spcBef>
                 <a:spcPts val="0"/>
               </a:spcBef>
@@ -1664,14 +1809,16 @@
               </a:spcAft>
               <a:buNone/>
             </a:pPr>
-            <a:r>
-              <a:t/>
-            </a:r>
             <a:endParaRPr/>
           </a:p>
         </p:txBody>
       </p:sp>
     </p:spTree>
+    <p:extLst>
+      <p:ext uri="{BB962C8B-B14F-4D97-AF65-F5344CB8AC3E}">
+        <p14:creationId xmlns:p14="http://schemas.microsoft.com/office/powerpoint/2010/main" val="1661896945"/>
+      </p:ext>
+    </p:extLst>
   </p:cSld>
   <p:clrMapOvr>
     <a:masterClrMapping/>
@@ -1680,11 +1827,11 @@
 </file>
 
 <file path=ppt/notesSlides/notesSlide3.xml><?xml version="1.0" encoding="utf-8"?>
-<p:notes xmlns:a="http://schemas.openxmlformats.org/drawingml/2006/main" xmlns:r="http://schemas.openxmlformats.org/officeDocument/2006/relationships" xmlns:mc="http://schemas.openxmlformats.org/markup-compatibility/2006" xmlns:mv="urn:schemas-microsoft-com:mac:vml" xmlns:p="http://schemas.openxmlformats.org/presentationml/2006/main" xmlns:c="http://schemas.openxmlformats.org/drawingml/2006/chart" xmlns:dgm="http://schemas.openxmlformats.org/drawingml/2006/diagram" xmlns:o="urn:schemas-microsoft-com:office:office" xmlns:v="urn:schemas-microsoft-com:vml" xmlns:pvml="urn:schemas-microsoft-com:office:powerpoint" xmlns:com="http://schemas.openxmlformats.org/drawingml/2006/compatibility" xmlns:p14="http://schemas.microsoft.com/office/powerpoint/2010/main" xmlns:p15="http://schemas.microsoft.com/office/powerpoint/2012/main" showMasterPhAnim="0" showMasterSp="0">
+<p:notes xmlns:a="http://schemas.openxmlformats.org/drawingml/2006/main" xmlns:r="http://schemas.openxmlformats.org/officeDocument/2006/relationships" xmlns:p="http://schemas.openxmlformats.org/presentationml/2006/main" showMasterSp="0" showMasterPhAnim="0">
   <p:cSld>
     <p:spTree>
       <p:nvGrpSpPr>
-        <p:cNvPr id="96" name="Shape 96"/>
+        <p:cNvPr id="1" name="Shape 96"/>
         <p:cNvGrpSpPr/>
         <p:nvPr/>
       </p:nvGrpSpPr>
@@ -1699,19 +1846,26 @@
       <p:sp>
         <p:nvSpPr>
           <p:cNvPr id="97" name="Shape 97"/>
-          <p:cNvSpPr/>
+          <p:cNvSpPr>
+            <a:spLocks noGrp="1" noRot="1" noChangeAspect="1"/>
+          </p:cNvSpPr>
           <p:nvPr>
-            <p:ph idx="2" type="sldImg"/>
+            <p:ph type="sldImg" idx="2"/>
           </p:nvPr>
         </p:nvSpPr>
         <p:spPr>
           <a:xfrm>
-            <a:off x="381300" y="685800"/>
+            <a:off x="381000" y="685800"/>
             <a:ext cx="6096000" cy="3429000"/>
           </a:xfrm>
           <a:custGeom>
+            <a:avLst/>
+            <a:gdLst/>
+            <a:ahLst/>
+            <a:cxnLst/>
+            <a:rect l="0" t="0" r="0" b="0"/>
             <a:pathLst>
-              <a:path extrusionOk="0" h="120000" w="120000">
+              <a:path w="120000" h="120000" extrusionOk="0">
                 <a:moveTo>
                   <a:pt x="0" y="0"/>
                 </a:moveTo>
@@ -1733,9 +1887,11 @@
       <p:sp>
         <p:nvSpPr>
           <p:cNvPr id="98" name="Shape 98"/>
-          <p:cNvSpPr txBox="1"/>
+          <p:cNvSpPr txBox="1">
+            <a:spLocks noGrp="1"/>
+          </p:cNvSpPr>
           <p:nvPr>
-            <p:ph idx="1" type="body"/>
+            <p:ph type="body" idx="1"/>
           </p:nvPr>
         </p:nvSpPr>
         <p:spPr>
@@ -1748,12 +1904,12 @@
           </a:prstGeom>
         </p:spPr>
         <p:txBody>
-          <a:bodyPr anchorCtr="0" anchor="t" bIns="91425" lIns="91425" spcFirstLastPara="1" rIns="91425" wrap="square" tIns="91425">
+          <a:bodyPr spcFirstLastPara="1" wrap="square" lIns="91425" tIns="91425" rIns="91425" bIns="91425" anchor="t" anchorCtr="0">
             <a:noAutofit/>
           </a:bodyPr>
           <a:lstStyle/>
           <a:p>
-            <a:pPr indent="0" lvl="0" marL="0" rtl="0">
+            <a:pPr marL="0" lvl="0" indent="0" rtl="0">
               <a:spcBef>
                 <a:spcPts val="0"/>
               </a:spcBef>
@@ -1762,14 +1918,16 @@
               </a:spcAft>
               <a:buNone/>
             </a:pPr>
-            <a:r>
-              <a:t/>
-            </a:r>
             <a:endParaRPr/>
           </a:p>
         </p:txBody>
       </p:sp>
     </p:spTree>
+    <p:extLst>
+      <p:ext uri="{BB962C8B-B14F-4D97-AF65-F5344CB8AC3E}">
+        <p14:creationId xmlns:p14="http://schemas.microsoft.com/office/powerpoint/2010/main" val="2735859668"/>
+      </p:ext>
+    </p:extLst>
   </p:cSld>
   <p:clrMapOvr>
     <a:masterClrMapping/>
@@ -1778,11 +1936,11 @@
 </file>
 
 <file path=ppt/notesSlides/notesSlide4.xml><?xml version="1.0" encoding="utf-8"?>
-<p:notes xmlns:a="http://schemas.openxmlformats.org/drawingml/2006/main" xmlns:r="http://schemas.openxmlformats.org/officeDocument/2006/relationships" xmlns:mc="http://schemas.openxmlformats.org/markup-compatibility/2006" xmlns:mv="urn:schemas-microsoft-com:mac:vml" xmlns:p="http://schemas.openxmlformats.org/presentationml/2006/main" xmlns:c="http://schemas.openxmlformats.org/drawingml/2006/chart" xmlns:dgm="http://schemas.openxmlformats.org/drawingml/2006/diagram" xmlns:o="urn:schemas-microsoft-com:office:office" xmlns:v="urn:schemas-microsoft-com:vml" xmlns:pvml="urn:schemas-microsoft-com:office:powerpoint" xmlns:com="http://schemas.openxmlformats.org/drawingml/2006/compatibility" xmlns:p14="http://schemas.microsoft.com/office/powerpoint/2010/main" xmlns:p15="http://schemas.microsoft.com/office/powerpoint/2012/main" showMasterPhAnim="0" showMasterSp="0">
+<p:notes xmlns:a="http://schemas.openxmlformats.org/drawingml/2006/main" xmlns:r="http://schemas.openxmlformats.org/officeDocument/2006/relationships" xmlns:p="http://schemas.openxmlformats.org/presentationml/2006/main" showMasterSp="0" showMasterPhAnim="0">
   <p:cSld>
     <p:spTree>
       <p:nvGrpSpPr>
-        <p:cNvPr id="103" name="Shape 103"/>
+        <p:cNvPr id="1" name="Shape 103"/>
         <p:cNvGrpSpPr/>
         <p:nvPr/>
       </p:nvGrpSpPr>
@@ -1797,19 +1955,26 @@
       <p:sp>
         <p:nvSpPr>
           <p:cNvPr id="104" name="Shape 104"/>
-          <p:cNvSpPr/>
+          <p:cNvSpPr>
+            <a:spLocks noGrp="1" noRot="1" noChangeAspect="1"/>
+          </p:cNvSpPr>
           <p:nvPr>
-            <p:ph idx="2" type="sldImg"/>
+            <p:ph type="sldImg" idx="2"/>
           </p:nvPr>
         </p:nvSpPr>
         <p:spPr>
           <a:xfrm>
-            <a:off x="381300" y="685800"/>
+            <a:off x="381000" y="685800"/>
             <a:ext cx="6096000" cy="3429000"/>
           </a:xfrm>
           <a:custGeom>
+            <a:avLst/>
+            <a:gdLst/>
+            <a:ahLst/>
+            <a:cxnLst/>
+            <a:rect l="0" t="0" r="0" b="0"/>
             <a:pathLst>
-              <a:path extrusionOk="0" h="120000" w="120000">
+              <a:path w="120000" h="120000" extrusionOk="0">
                 <a:moveTo>
                   <a:pt x="0" y="0"/>
                 </a:moveTo>
@@ -1831,9 +1996,11 @@
       <p:sp>
         <p:nvSpPr>
           <p:cNvPr id="105" name="Shape 105"/>
-          <p:cNvSpPr txBox="1"/>
+          <p:cNvSpPr txBox="1">
+            <a:spLocks noGrp="1"/>
+          </p:cNvSpPr>
           <p:nvPr>
-            <p:ph idx="1" type="body"/>
+            <p:ph type="body" idx="1"/>
           </p:nvPr>
         </p:nvSpPr>
         <p:spPr>
@@ -1846,12 +2013,12 @@
           </a:prstGeom>
         </p:spPr>
         <p:txBody>
-          <a:bodyPr anchorCtr="0" anchor="t" bIns="91425" lIns="91425" spcFirstLastPara="1" rIns="91425" wrap="square" tIns="91425">
+          <a:bodyPr spcFirstLastPara="1" wrap="square" lIns="91425" tIns="91425" rIns="91425" bIns="91425" anchor="t" anchorCtr="0">
             <a:noAutofit/>
           </a:bodyPr>
           <a:lstStyle/>
           <a:p>
-            <a:pPr indent="0" lvl="0" marL="0" rtl="0">
+            <a:pPr marL="0" lvl="0" indent="0" rtl="0">
               <a:spcBef>
                 <a:spcPts val="0"/>
               </a:spcBef>
@@ -1860,14 +2027,16 @@
               </a:spcAft>
               <a:buNone/>
             </a:pPr>
-            <a:r>
-              <a:t/>
-            </a:r>
             <a:endParaRPr/>
           </a:p>
         </p:txBody>
       </p:sp>
     </p:spTree>
+    <p:extLst>
+      <p:ext uri="{BB962C8B-B14F-4D97-AF65-F5344CB8AC3E}">
+        <p14:creationId xmlns:p14="http://schemas.microsoft.com/office/powerpoint/2010/main" val="906573057"/>
+      </p:ext>
+    </p:extLst>
   </p:cSld>
   <p:clrMapOvr>
     <a:masterClrMapping/>
@@ -1876,11 +2045,11 @@
 </file>
 
 <file path=ppt/notesSlides/notesSlide5.xml><?xml version="1.0" encoding="utf-8"?>
-<p:notes xmlns:a="http://schemas.openxmlformats.org/drawingml/2006/main" xmlns:r="http://schemas.openxmlformats.org/officeDocument/2006/relationships" xmlns:mc="http://schemas.openxmlformats.org/markup-compatibility/2006" xmlns:mv="urn:schemas-microsoft-com:mac:vml" xmlns:p="http://schemas.openxmlformats.org/presentationml/2006/main" xmlns:c="http://schemas.openxmlformats.org/drawingml/2006/chart" xmlns:dgm="http://schemas.openxmlformats.org/drawingml/2006/diagram" xmlns:o="urn:schemas-microsoft-com:office:office" xmlns:v="urn:schemas-microsoft-com:vml" xmlns:pvml="urn:schemas-microsoft-com:office:powerpoint" xmlns:com="http://schemas.openxmlformats.org/drawingml/2006/compatibility" xmlns:p14="http://schemas.microsoft.com/office/powerpoint/2010/main" xmlns:p15="http://schemas.microsoft.com/office/powerpoint/2012/main" showMasterPhAnim="0" showMasterSp="0">
+<p:notes xmlns:a="http://schemas.openxmlformats.org/drawingml/2006/main" xmlns:r="http://schemas.openxmlformats.org/officeDocument/2006/relationships" xmlns:p="http://schemas.openxmlformats.org/presentationml/2006/main" showMasterSp="0" showMasterPhAnim="0">
   <p:cSld>
     <p:spTree>
       <p:nvGrpSpPr>
-        <p:cNvPr id="110" name="Shape 110"/>
+        <p:cNvPr id="1" name="Shape 110"/>
         <p:cNvGrpSpPr/>
         <p:nvPr/>
       </p:nvGrpSpPr>
@@ -1895,19 +2064,26 @@
       <p:sp>
         <p:nvSpPr>
           <p:cNvPr id="111" name="Shape 111"/>
-          <p:cNvSpPr/>
+          <p:cNvSpPr>
+            <a:spLocks noGrp="1" noRot="1" noChangeAspect="1"/>
+          </p:cNvSpPr>
           <p:nvPr>
-            <p:ph idx="2" type="sldImg"/>
+            <p:ph type="sldImg" idx="2"/>
           </p:nvPr>
         </p:nvSpPr>
         <p:spPr>
           <a:xfrm>
-            <a:off x="381300" y="685800"/>
+            <a:off x="381000" y="685800"/>
             <a:ext cx="6096000" cy="3429000"/>
           </a:xfrm>
           <a:custGeom>
+            <a:avLst/>
+            <a:gdLst/>
+            <a:ahLst/>
+            <a:cxnLst/>
+            <a:rect l="0" t="0" r="0" b="0"/>
             <a:pathLst>
-              <a:path extrusionOk="0" h="120000" w="120000">
+              <a:path w="120000" h="120000" extrusionOk="0">
                 <a:moveTo>
                   <a:pt x="0" y="0"/>
                 </a:moveTo>
@@ -1929,9 +2105,11 @@
       <p:sp>
         <p:nvSpPr>
           <p:cNvPr id="112" name="Shape 112"/>
-          <p:cNvSpPr txBox="1"/>
+          <p:cNvSpPr txBox="1">
+            <a:spLocks noGrp="1"/>
+          </p:cNvSpPr>
           <p:nvPr>
-            <p:ph idx="1" type="body"/>
+            <p:ph type="body" idx="1"/>
           </p:nvPr>
         </p:nvSpPr>
         <p:spPr>
@@ -1944,12 +2122,12 @@
           </a:prstGeom>
         </p:spPr>
         <p:txBody>
-          <a:bodyPr anchorCtr="0" anchor="t" bIns="91425" lIns="91425" spcFirstLastPara="1" rIns="91425" wrap="square" tIns="91425">
+          <a:bodyPr spcFirstLastPara="1" wrap="square" lIns="91425" tIns="91425" rIns="91425" bIns="91425" anchor="t" anchorCtr="0">
             <a:noAutofit/>
           </a:bodyPr>
           <a:lstStyle/>
           <a:p>
-            <a:pPr indent="0" lvl="0" marL="0" rtl="0">
+            <a:pPr marL="0" lvl="0" indent="0" rtl="0">
               <a:spcBef>
                 <a:spcPts val="0"/>
               </a:spcBef>
@@ -1958,14 +2136,16 @@
               </a:spcAft>
               <a:buNone/>
             </a:pPr>
-            <a:r>
-              <a:t/>
-            </a:r>
             <a:endParaRPr/>
           </a:p>
         </p:txBody>
       </p:sp>
     </p:spTree>
+    <p:extLst>
+      <p:ext uri="{BB962C8B-B14F-4D97-AF65-F5344CB8AC3E}">
+        <p14:creationId xmlns:p14="http://schemas.microsoft.com/office/powerpoint/2010/main" val="1874908268"/>
+      </p:ext>
+    </p:extLst>
   </p:cSld>
   <p:clrMapOvr>
     <a:masterClrMapping/>
@@ -1974,11 +2154,11 @@
 </file>
 
 <file path=ppt/notesSlides/notesSlide6.xml><?xml version="1.0" encoding="utf-8"?>
-<p:notes xmlns:a="http://schemas.openxmlformats.org/drawingml/2006/main" xmlns:r="http://schemas.openxmlformats.org/officeDocument/2006/relationships" xmlns:mc="http://schemas.openxmlformats.org/markup-compatibility/2006" xmlns:mv="urn:schemas-microsoft-com:mac:vml" xmlns:p="http://schemas.openxmlformats.org/presentationml/2006/main" xmlns:c="http://schemas.openxmlformats.org/drawingml/2006/chart" xmlns:dgm="http://schemas.openxmlformats.org/drawingml/2006/diagram" xmlns:o="urn:schemas-microsoft-com:office:office" xmlns:v="urn:schemas-microsoft-com:vml" xmlns:pvml="urn:schemas-microsoft-com:office:powerpoint" xmlns:com="http://schemas.openxmlformats.org/drawingml/2006/compatibility" xmlns:p14="http://schemas.microsoft.com/office/powerpoint/2010/main" xmlns:p15="http://schemas.microsoft.com/office/powerpoint/2012/main" showMasterPhAnim="0" showMasterSp="0">
+<p:notes xmlns:a="http://schemas.openxmlformats.org/drawingml/2006/main" xmlns:r="http://schemas.openxmlformats.org/officeDocument/2006/relationships" xmlns:p="http://schemas.openxmlformats.org/presentationml/2006/main" showMasterSp="0" showMasterPhAnim="0">
   <p:cSld>
     <p:spTree>
       <p:nvGrpSpPr>
-        <p:cNvPr id="117" name="Shape 117"/>
+        <p:cNvPr id="1" name="Shape 117"/>
         <p:cNvGrpSpPr/>
         <p:nvPr/>
       </p:nvGrpSpPr>
@@ -1993,19 +2173,26 @@
       <p:sp>
         <p:nvSpPr>
           <p:cNvPr id="118" name="Shape 118"/>
-          <p:cNvSpPr/>
+          <p:cNvSpPr>
+            <a:spLocks noGrp="1" noRot="1" noChangeAspect="1"/>
+          </p:cNvSpPr>
           <p:nvPr>
-            <p:ph idx="2" type="sldImg"/>
+            <p:ph type="sldImg" idx="2"/>
           </p:nvPr>
         </p:nvSpPr>
         <p:spPr>
           <a:xfrm>
-            <a:off x="381300" y="685800"/>
+            <a:off x="381000" y="685800"/>
             <a:ext cx="6096000" cy="3429000"/>
           </a:xfrm>
           <a:custGeom>
+            <a:avLst/>
+            <a:gdLst/>
+            <a:ahLst/>
+            <a:cxnLst/>
+            <a:rect l="0" t="0" r="0" b="0"/>
             <a:pathLst>
-              <a:path extrusionOk="0" h="120000" w="120000">
+              <a:path w="120000" h="120000" extrusionOk="0">
                 <a:moveTo>
                   <a:pt x="0" y="0"/>
                 </a:moveTo>
@@ -2027,9 +2214,11 @@
       <p:sp>
         <p:nvSpPr>
           <p:cNvPr id="119" name="Shape 119"/>
-          <p:cNvSpPr txBox="1"/>
+          <p:cNvSpPr txBox="1">
+            <a:spLocks noGrp="1"/>
+          </p:cNvSpPr>
           <p:nvPr>
-            <p:ph idx="1" type="body"/>
+            <p:ph type="body" idx="1"/>
           </p:nvPr>
         </p:nvSpPr>
         <p:spPr>
@@ -2042,12 +2231,12 @@
           </a:prstGeom>
         </p:spPr>
         <p:txBody>
-          <a:bodyPr anchorCtr="0" anchor="t" bIns="91425" lIns="91425" spcFirstLastPara="1" rIns="91425" wrap="square" tIns="91425">
+          <a:bodyPr spcFirstLastPara="1" wrap="square" lIns="91425" tIns="91425" rIns="91425" bIns="91425" anchor="t" anchorCtr="0">
             <a:noAutofit/>
           </a:bodyPr>
           <a:lstStyle/>
           <a:p>
-            <a:pPr indent="0" lvl="0" marL="0" rtl="0">
+            <a:pPr marL="0" lvl="0" indent="0" rtl="0">
               <a:spcBef>
                 <a:spcPts val="0"/>
               </a:spcBef>
@@ -2056,14 +2245,16 @@
               </a:spcAft>
               <a:buNone/>
             </a:pPr>
-            <a:r>
-              <a:t/>
-            </a:r>
             <a:endParaRPr/>
           </a:p>
         </p:txBody>
       </p:sp>
     </p:spTree>
+    <p:extLst>
+      <p:ext uri="{BB962C8B-B14F-4D97-AF65-F5344CB8AC3E}">
+        <p14:creationId xmlns:p14="http://schemas.microsoft.com/office/powerpoint/2010/main" val="712690853"/>
+      </p:ext>
+    </p:extLst>
   </p:cSld>
   <p:clrMapOvr>
     <a:masterClrMapping/>
@@ -2072,11 +2263,11 @@
 </file>
 
 <file path=ppt/notesSlides/notesSlide7.xml><?xml version="1.0" encoding="utf-8"?>
-<p:notes xmlns:a="http://schemas.openxmlformats.org/drawingml/2006/main" xmlns:r="http://schemas.openxmlformats.org/officeDocument/2006/relationships" xmlns:mc="http://schemas.openxmlformats.org/markup-compatibility/2006" xmlns:mv="urn:schemas-microsoft-com:mac:vml" xmlns:p="http://schemas.openxmlformats.org/presentationml/2006/main" xmlns:c="http://schemas.openxmlformats.org/drawingml/2006/chart" xmlns:dgm="http://schemas.openxmlformats.org/drawingml/2006/diagram" xmlns:o="urn:schemas-microsoft-com:office:office" xmlns:v="urn:schemas-microsoft-com:vml" xmlns:pvml="urn:schemas-microsoft-com:office:powerpoint" xmlns:com="http://schemas.openxmlformats.org/drawingml/2006/compatibility" xmlns:p14="http://schemas.microsoft.com/office/powerpoint/2010/main" xmlns:p15="http://schemas.microsoft.com/office/powerpoint/2012/main" showMasterPhAnim="0" showMasterSp="0">
+<p:notes xmlns:a="http://schemas.openxmlformats.org/drawingml/2006/main" xmlns:r="http://schemas.openxmlformats.org/officeDocument/2006/relationships" xmlns:p="http://schemas.openxmlformats.org/presentationml/2006/main" showMasterSp="0" showMasterPhAnim="0">
   <p:cSld>
     <p:spTree>
       <p:nvGrpSpPr>
-        <p:cNvPr id="124" name="Shape 124"/>
+        <p:cNvPr id="1" name="Shape 124"/>
         <p:cNvGrpSpPr/>
         <p:nvPr/>
       </p:nvGrpSpPr>
@@ -2091,19 +2282,26 @@
       <p:sp>
         <p:nvSpPr>
           <p:cNvPr id="125" name="Shape 125"/>
-          <p:cNvSpPr/>
+          <p:cNvSpPr>
+            <a:spLocks noGrp="1" noRot="1" noChangeAspect="1"/>
+          </p:cNvSpPr>
           <p:nvPr>
-            <p:ph idx="2" type="sldImg"/>
+            <p:ph type="sldImg" idx="2"/>
           </p:nvPr>
         </p:nvSpPr>
         <p:spPr>
           <a:xfrm>
-            <a:off x="381300" y="685800"/>
+            <a:off x="381000" y="685800"/>
             <a:ext cx="6096000" cy="3429000"/>
           </a:xfrm>
           <a:custGeom>
+            <a:avLst/>
+            <a:gdLst/>
+            <a:ahLst/>
+            <a:cxnLst/>
+            <a:rect l="0" t="0" r="0" b="0"/>
             <a:pathLst>
-              <a:path extrusionOk="0" h="120000" w="120000">
+              <a:path w="120000" h="120000" extrusionOk="0">
                 <a:moveTo>
                   <a:pt x="0" y="0"/>
                 </a:moveTo>
@@ -2125,9 +2323,11 @@
       <p:sp>
         <p:nvSpPr>
           <p:cNvPr id="126" name="Shape 126"/>
-          <p:cNvSpPr txBox="1"/>
+          <p:cNvSpPr txBox="1">
+            <a:spLocks noGrp="1"/>
+          </p:cNvSpPr>
           <p:nvPr>
-            <p:ph idx="1" type="body"/>
+            <p:ph type="body" idx="1"/>
           </p:nvPr>
         </p:nvSpPr>
         <p:spPr>
@@ -2140,12 +2340,12 @@
           </a:prstGeom>
         </p:spPr>
         <p:txBody>
-          <a:bodyPr anchorCtr="0" anchor="t" bIns="91425" lIns="91425" spcFirstLastPara="1" rIns="91425" wrap="square" tIns="91425">
+          <a:bodyPr spcFirstLastPara="1" wrap="square" lIns="91425" tIns="91425" rIns="91425" bIns="91425" anchor="t" anchorCtr="0">
             <a:noAutofit/>
           </a:bodyPr>
           <a:lstStyle/>
           <a:p>
-            <a:pPr indent="0" lvl="0" marL="0" rtl="0">
+            <a:pPr marL="0" lvl="0" indent="0" rtl="0">
               <a:spcBef>
                 <a:spcPts val="0"/>
               </a:spcBef>
@@ -2154,14 +2354,16 @@
               </a:spcAft>
               <a:buNone/>
             </a:pPr>
-            <a:r>
-              <a:t/>
-            </a:r>
             <a:endParaRPr/>
           </a:p>
         </p:txBody>
       </p:sp>
     </p:spTree>
+    <p:extLst>
+      <p:ext uri="{BB962C8B-B14F-4D97-AF65-F5344CB8AC3E}">
+        <p14:creationId xmlns:p14="http://schemas.microsoft.com/office/powerpoint/2010/main" val="3017799220"/>
+      </p:ext>
+    </p:extLst>
   </p:cSld>
   <p:clrMapOvr>
     <a:masterClrMapping/>
@@ -2170,11 +2372,11 @@
 </file>
 
 <file path=ppt/notesSlides/notesSlide8.xml><?xml version="1.0" encoding="utf-8"?>
-<p:notes xmlns:a="http://schemas.openxmlformats.org/drawingml/2006/main" xmlns:r="http://schemas.openxmlformats.org/officeDocument/2006/relationships" xmlns:mc="http://schemas.openxmlformats.org/markup-compatibility/2006" xmlns:mv="urn:schemas-microsoft-com:mac:vml" xmlns:p="http://schemas.openxmlformats.org/presentationml/2006/main" xmlns:c="http://schemas.openxmlformats.org/drawingml/2006/chart" xmlns:dgm="http://schemas.openxmlformats.org/drawingml/2006/diagram" xmlns:o="urn:schemas-microsoft-com:office:office" xmlns:v="urn:schemas-microsoft-com:vml" xmlns:pvml="urn:schemas-microsoft-com:office:powerpoint" xmlns:com="http://schemas.openxmlformats.org/drawingml/2006/compatibility" xmlns:p14="http://schemas.microsoft.com/office/powerpoint/2010/main" xmlns:p15="http://schemas.microsoft.com/office/powerpoint/2012/main" showMasterPhAnim="0" showMasterSp="0">
+<p:notes xmlns:a="http://schemas.openxmlformats.org/drawingml/2006/main" xmlns:r="http://schemas.openxmlformats.org/officeDocument/2006/relationships" xmlns:p="http://schemas.openxmlformats.org/presentationml/2006/main" showMasterSp="0" showMasterPhAnim="0">
   <p:cSld>
     <p:spTree>
       <p:nvGrpSpPr>
-        <p:cNvPr id="135" name="Shape 135"/>
+        <p:cNvPr id="1" name="Shape 135"/>
         <p:cNvGrpSpPr/>
         <p:nvPr/>
       </p:nvGrpSpPr>
@@ -2189,19 +2391,26 @@
       <p:sp>
         <p:nvSpPr>
           <p:cNvPr id="136" name="Shape 136"/>
-          <p:cNvSpPr/>
+          <p:cNvSpPr>
+            <a:spLocks noGrp="1" noRot="1" noChangeAspect="1"/>
+          </p:cNvSpPr>
           <p:nvPr>
-            <p:ph idx="2" type="sldImg"/>
+            <p:ph type="sldImg" idx="2"/>
           </p:nvPr>
         </p:nvSpPr>
         <p:spPr>
           <a:xfrm>
-            <a:off x="381300" y="685800"/>
+            <a:off x="381000" y="685800"/>
             <a:ext cx="6096000" cy="3429000"/>
           </a:xfrm>
           <a:custGeom>
+            <a:avLst/>
+            <a:gdLst/>
+            <a:ahLst/>
+            <a:cxnLst/>
+            <a:rect l="0" t="0" r="0" b="0"/>
             <a:pathLst>
-              <a:path extrusionOk="0" h="120000" w="120000">
+              <a:path w="120000" h="120000" extrusionOk="0">
                 <a:moveTo>
                   <a:pt x="0" y="0"/>
                 </a:moveTo>
@@ -2223,9 +2432,11 @@
       <p:sp>
         <p:nvSpPr>
           <p:cNvPr id="137" name="Shape 137"/>
-          <p:cNvSpPr txBox="1"/>
+          <p:cNvSpPr txBox="1">
+            <a:spLocks noGrp="1"/>
+          </p:cNvSpPr>
           <p:nvPr>
-            <p:ph idx="1" type="body"/>
+            <p:ph type="body" idx="1"/>
           </p:nvPr>
         </p:nvSpPr>
         <p:spPr>
@@ -2238,12 +2449,12 @@
           </a:prstGeom>
         </p:spPr>
         <p:txBody>
-          <a:bodyPr anchorCtr="0" anchor="t" bIns="91425" lIns="91425" spcFirstLastPara="1" rIns="91425" wrap="square" tIns="91425">
+          <a:bodyPr spcFirstLastPara="1" wrap="square" lIns="91425" tIns="91425" rIns="91425" bIns="91425" anchor="t" anchorCtr="0">
             <a:noAutofit/>
           </a:bodyPr>
           <a:lstStyle/>
           <a:p>
-            <a:pPr indent="0" lvl="0" marL="0" rtl="0">
+            <a:pPr marL="0" lvl="0" indent="0" rtl="0">
               <a:spcBef>
                 <a:spcPts val="0"/>
               </a:spcBef>
@@ -2252,14 +2463,16 @@
               </a:spcAft>
               <a:buNone/>
             </a:pPr>
-            <a:r>
-              <a:t/>
-            </a:r>
             <a:endParaRPr/>
           </a:p>
         </p:txBody>
       </p:sp>
     </p:spTree>
+    <p:extLst>
+      <p:ext uri="{BB962C8B-B14F-4D97-AF65-F5344CB8AC3E}">
+        <p14:creationId xmlns:p14="http://schemas.microsoft.com/office/powerpoint/2010/main" val="3025661980"/>
+      </p:ext>
+    </p:extLst>
   </p:cSld>
   <p:clrMapOvr>
     <a:masterClrMapping/>
@@ -2268,11 +2481,11 @@
 </file>
 
 <file path=ppt/notesSlides/notesSlide9.xml><?xml version="1.0" encoding="utf-8"?>
-<p:notes xmlns:a="http://schemas.openxmlformats.org/drawingml/2006/main" xmlns:r="http://schemas.openxmlformats.org/officeDocument/2006/relationships" xmlns:mc="http://schemas.openxmlformats.org/markup-compatibility/2006" xmlns:mv="urn:schemas-microsoft-com:mac:vml" xmlns:p="http://schemas.openxmlformats.org/presentationml/2006/main" xmlns:c="http://schemas.openxmlformats.org/drawingml/2006/chart" xmlns:dgm="http://schemas.openxmlformats.org/drawingml/2006/diagram" xmlns:o="urn:schemas-microsoft-com:office:office" xmlns:v="urn:schemas-microsoft-com:vml" xmlns:pvml="urn:schemas-microsoft-com:office:powerpoint" xmlns:com="http://schemas.openxmlformats.org/drawingml/2006/compatibility" xmlns:p14="http://schemas.microsoft.com/office/powerpoint/2010/main" xmlns:p15="http://schemas.microsoft.com/office/powerpoint/2012/main" showMasterPhAnim="0" showMasterSp="0">
+<p:notes xmlns:a="http://schemas.openxmlformats.org/drawingml/2006/main" xmlns:r="http://schemas.openxmlformats.org/officeDocument/2006/relationships" xmlns:p="http://schemas.openxmlformats.org/presentationml/2006/main" showMasterSp="0" showMasterPhAnim="0">
   <p:cSld>
     <p:spTree>
       <p:nvGrpSpPr>
-        <p:cNvPr id="142" name="Shape 142"/>
+        <p:cNvPr id="1" name="Shape 142"/>
         <p:cNvGrpSpPr/>
         <p:nvPr/>
       </p:nvGrpSpPr>
@@ -2287,19 +2500,26 @@
       <p:sp>
         <p:nvSpPr>
           <p:cNvPr id="143" name="Shape 143"/>
-          <p:cNvSpPr/>
+          <p:cNvSpPr>
+            <a:spLocks noGrp="1" noRot="1" noChangeAspect="1"/>
+          </p:cNvSpPr>
           <p:nvPr>
-            <p:ph idx="2" type="sldImg"/>
+            <p:ph type="sldImg" idx="2"/>
           </p:nvPr>
         </p:nvSpPr>
         <p:spPr>
           <a:xfrm>
-            <a:off x="381300" y="685800"/>
+            <a:off x="381000" y="685800"/>
             <a:ext cx="6096000" cy="3429000"/>
           </a:xfrm>
           <a:custGeom>
+            <a:avLst/>
+            <a:gdLst/>
+            <a:ahLst/>
+            <a:cxnLst/>
+            <a:rect l="0" t="0" r="0" b="0"/>
             <a:pathLst>
-              <a:path extrusionOk="0" h="120000" w="120000">
+              <a:path w="120000" h="120000" extrusionOk="0">
                 <a:moveTo>
                   <a:pt x="0" y="0"/>
                 </a:moveTo>
@@ -2321,9 +2541,11 @@
       <p:sp>
         <p:nvSpPr>
           <p:cNvPr id="144" name="Shape 144"/>
-          <p:cNvSpPr txBox="1"/>
+          <p:cNvSpPr txBox="1">
+            <a:spLocks noGrp="1"/>
+          </p:cNvSpPr>
           <p:nvPr>
-            <p:ph idx="1" type="body"/>
+            <p:ph type="body" idx="1"/>
           </p:nvPr>
         </p:nvSpPr>
         <p:spPr>
@@ -2336,12 +2558,12 @@
           </a:prstGeom>
         </p:spPr>
         <p:txBody>
-          <a:bodyPr anchorCtr="0" anchor="t" bIns="91425" lIns="91425" spcFirstLastPara="1" rIns="91425" wrap="square" tIns="91425">
+          <a:bodyPr spcFirstLastPara="1" wrap="square" lIns="91425" tIns="91425" rIns="91425" bIns="91425" anchor="t" anchorCtr="0">
             <a:noAutofit/>
           </a:bodyPr>
           <a:lstStyle/>
           <a:p>
-            <a:pPr indent="0" lvl="0" marL="0" rtl="0">
+            <a:pPr marL="0" lvl="0" indent="0" rtl="0">
               <a:spcBef>
                 <a:spcPts val="0"/>
               </a:spcBef>
@@ -2350,14 +2572,16 @@
               </a:spcAft>
               <a:buNone/>
             </a:pPr>
-            <a:r>
-              <a:t/>
-            </a:r>
             <a:endParaRPr/>
           </a:p>
         </p:txBody>
       </p:sp>
     </p:spTree>
+    <p:extLst>
+      <p:ext uri="{BB962C8B-B14F-4D97-AF65-F5344CB8AC3E}">
+        <p14:creationId xmlns:p14="http://schemas.microsoft.com/office/powerpoint/2010/main" val="1606135177"/>
+      </p:ext>
+    </p:extLst>
   </p:cSld>
   <p:clrMapOvr>
     <a:masterClrMapping/>
@@ -2366,18 +2590,19 @@
 </file>
 
 <file path=ppt/slideLayouts/slideLayout1.xml><?xml version="1.0" encoding="utf-8"?>
-<p:sldLayout xmlns:a="http://schemas.openxmlformats.org/drawingml/2006/main" xmlns:r="http://schemas.openxmlformats.org/officeDocument/2006/relationships" xmlns:mc="http://schemas.openxmlformats.org/markup-compatibility/2006" xmlns:mv="urn:schemas-microsoft-com:mac:vml" xmlns:p="http://schemas.openxmlformats.org/presentationml/2006/main" xmlns:c="http://schemas.openxmlformats.org/drawingml/2006/chart" xmlns:dgm="http://schemas.openxmlformats.org/drawingml/2006/diagram" xmlns:o="urn:schemas-microsoft-com:office:office" xmlns:v="urn:schemas-microsoft-com:vml" xmlns:pvml="urn:schemas-microsoft-com:office:powerpoint" xmlns:com="http://schemas.openxmlformats.org/drawingml/2006/compatibility" xmlns:p14="http://schemas.microsoft.com/office/powerpoint/2010/main" xmlns:p15="http://schemas.microsoft.com/office/powerpoint/2012/main" matchingName="Title slide" type="title">
+<p:sldLayout xmlns:a="http://schemas.openxmlformats.org/drawingml/2006/main" xmlns:r="http://schemas.openxmlformats.org/officeDocument/2006/relationships" xmlns:p="http://schemas.openxmlformats.org/presentationml/2006/main" matchingName="Title slide" type="title">
   <p:cSld name="TITLE">
     <p:bg>
       <p:bgPr>
         <a:solidFill>
           <a:schemeClr val="lt2"/>
         </a:solidFill>
+        <a:effectLst/>
       </p:bgPr>
     </p:bg>
     <p:spTree>
       <p:nvGrpSpPr>
-        <p:cNvPr id="9" name="Shape 9"/>
+        <p:cNvPr id="1" name="Shape 9"/>
         <p:cNvGrpSpPr/>
         <p:nvPr/>
       </p:nvGrpSpPr>
@@ -2411,12 +2636,12 @@
           </a:ln>
         </p:spPr>
         <p:txBody>
-          <a:bodyPr anchorCtr="0" anchor="ctr" bIns="91425" lIns="91425" spcFirstLastPara="1" rIns="91425" wrap="square" tIns="91425">
+          <a:bodyPr spcFirstLastPara="1" wrap="square" lIns="91425" tIns="91425" rIns="91425" bIns="91425" anchor="ctr" anchorCtr="0">
             <a:noAutofit/>
           </a:bodyPr>
           <a:lstStyle/>
           <a:p>
-            <a:pPr indent="0" lvl="0" marL="0">
+            <a:pPr marL="0" lvl="0" indent="0">
               <a:spcBef>
                 <a:spcPts val="0"/>
               </a:spcBef>
@@ -2425,9 +2650,6 @@
               </a:spcAft>
               <a:buNone/>
             </a:pPr>
-            <a:r>
-              <a:t/>
-            </a:r>
             <a:endParaRPr/>
           </a:p>
         </p:txBody>
@@ -2468,12 +2690,12 @@
             </a:ln>
           </p:spPr>
           <p:txBody>
-            <a:bodyPr anchorCtr="0" anchor="ctr" bIns="91425" lIns="91425" spcFirstLastPara="1" rIns="91425" wrap="square" tIns="91425">
+            <a:bodyPr spcFirstLastPara="1" wrap="square" lIns="91425" tIns="91425" rIns="91425" bIns="91425" anchor="ctr" anchorCtr="0">
               <a:noAutofit/>
             </a:bodyPr>
             <a:lstStyle/>
             <a:p>
-              <a:pPr indent="0" lvl="0" marL="0">
+              <a:pPr marL="0" lvl="0" indent="0">
                 <a:spcBef>
                   <a:spcPts val="0"/>
                 </a:spcBef>
@@ -2482,9 +2704,6 @@
                 </a:spcAft>
                 <a:buNone/>
               </a:pPr>
-              <a:r>
-                <a:t/>
-              </a:r>
               <a:endParaRPr/>
             </a:p>
           </p:txBody>
@@ -2511,12 +2730,12 @@
             </a:ln>
           </p:spPr>
           <p:txBody>
-            <a:bodyPr anchorCtr="0" anchor="ctr" bIns="91425" lIns="91425" spcFirstLastPara="1" rIns="91425" wrap="square" tIns="91425">
+            <a:bodyPr spcFirstLastPara="1" wrap="square" lIns="91425" tIns="91425" rIns="91425" bIns="91425" anchor="ctr" anchorCtr="0">
               <a:noAutofit/>
             </a:bodyPr>
             <a:lstStyle/>
             <a:p>
-              <a:pPr indent="0" lvl="0" marL="0">
+              <a:pPr marL="0" lvl="0" indent="0">
                 <a:spcBef>
                   <a:spcPts val="0"/>
                 </a:spcBef>
@@ -2525,9 +2744,6 @@
                 </a:spcAft>
                 <a:buNone/>
               </a:pPr>
-              <a:r>
-                <a:t/>
-              </a:r>
               <a:endParaRPr/>
             </a:p>
           </p:txBody>
@@ -2536,7 +2752,9 @@
       <p:sp>
         <p:nvSpPr>
           <p:cNvPr id="14" name="Shape 14"/>
-          <p:cNvSpPr txBox="1"/>
+          <p:cNvSpPr txBox="1">
+            <a:spLocks noGrp="1"/>
+          </p:cNvSpPr>
           <p:nvPr>
             <p:ph type="ctrTitle"/>
           </p:nvPr>
@@ -2551,7 +2769,7 @@
           </a:prstGeom>
         </p:spPr>
         <p:txBody>
-          <a:bodyPr anchorCtr="0" anchor="t" bIns="91425" lIns="91425" spcFirstLastPara="1" rIns="91425" wrap="square" tIns="91425"/>
+          <a:bodyPr spcFirstLastPara="1" wrap="square" lIns="91425" tIns="91425" rIns="91425" bIns="91425" anchor="t" anchorCtr="0"/>
           <a:lstStyle>
             <a:lvl1pPr lvl="0">
               <a:spcBef>
@@ -2716,15 +2934,19 @@
               </a:defRPr>
             </a:lvl9pPr>
           </a:lstStyle>
-          <a:p/>
+          <a:p>
+            <a:endParaRPr/>
+          </a:p>
         </p:txBody>
       </p:sp>
       <p:sp>
         <p:nvSpPr>
           <p:cNvPr id="15" name="Shape 15"/>
-          <p:cNvSpPr txBox="1"/>
+          <p:cNvSpPr txBox="1">
+            <a:spLocks noGrp="1"/>
+          </p:cNvSpPr>
           <p:nvPr>
-            <p:ph idx="1" type="subTitle"/>
+            <p:ph type="subTitle" idx="1"/>
           </p:nvPr>
         </p:nvSpPr>
         <p:spPr>
@@ -2737,7 +2959,7 @@
           </a:prstGeom>
         </p:spPr>
         <p:txBody>
-          <a:bodyPr anchorCtr="0" anchor="t" bIns="91425" lIns="91425" spcFirstLastPara="1" rIns="91425" wrap="square" tIns="91425"/>
+          <a:bodyPr spcFirstLastPara="1" wrap="square" lIns="91425" tIns="91425" rIns="91425" bIns="91425" anchor="t" anchorCtr="0"/>
           <a:lstStyle>
             <a:lvl1pPr lvl="0">
               <a:lnSpc>
@@ -2866,15 +3088,19 @@
               <a:defRPr sz="1600"/>
             </a:lvl9pPr>
           </a:lstStyle>
-          <a:p/>
+          <a:p>
+            <a:endParaRPr/>
+          </a:p>
         </p:txBody>
       </p:sp>
       <p:sp>
         <p:nvSpPr>
           <p:cNvPr id="16" name="Shape 16"/>
-          <p:cNvSpPr txBox="1"/>
+          <p:cNvSpPr txBox="1">
+            <a:spLocks noGrp="1"/>
+          </p:cNvSpPr>
           <p:nvPr>
-            <p:ph idx="12" type="sldNum"/>
+            <p:ph type="sldNum" idx="12"/>
           </p:nvPr>
         </p:nvSpPr>
         <p:spPr>
@@ -2887,7 +3113,7 @@
           </a:prstGeom>
         </p:spPr>
         <p:txBody>
-          <a:bodyPr anchorCtr="0" anchor="ctr" bIns="91425" lIns="91425" spcFirstLastPara="1" rIns="91425" wrap="square" tIns="91425">
+          <a:bodyPr spcFirstLastPara="1" wrap="square" lIns="91425" tIns="91425" rIns="91425" bIns="91425" anchor="ctr" anchorCtr="0">
             <a:noAutofit/>
           </a:bodyPr>
           <a:lstStyle>
@@ -2929,7 +3155,7 @@
             </a:lvl9pPr>
           </a:lstStyle>
           <a:p>
-            <a:pPr indent="0" lvl="0" marL="0">
+            <a:pPr marL="0" lvl="0" indent="0">
               <a:spcBef>
                 <a:spcPts val="0"/>
               </a:spcBef>
@@ -2940,7 +3166,7 @@
             </a:pPr>
             <a:fld id="{00000000-1234-1234-1234-123412341234}" type="slidenum">
               <a:rPr lang="pt-BR"/>
-              <a:t>‹#›</a:t>
+              <a:t>‹nº›</a:t>
             </a:fld>
             <a:endParaRPr/>
           </a:p>
@@ -2955,18 +3181,19 @@
 </file>
 
 <file path=ppt/slideLayouts/slideLayout10.xml><?xml version="1.0" encoding="utf-8"?>
-<p:sldLayout xmlns:a="http://schemas.openxmlformats.org/drawingml/2006/main" xmlns:r="http://schemas.openxmlformats.org/officeDocument/2006/relationships" xmlns:mc="http://schemas.openxmlformats.org/markup-compatibility/2006" xmlns:mv="urn:schemas-microsoft-com:mac:vml" xmlns:p="http://schemas.openxmlformats.org/presentationml/2006/main" xmlns:c="http://schemas.openxmlformats.org/drawingml/2006/chart" xmlns:dgm="http://schemas.openxmlformats.org/drawingml/2006/diagram" xmlns:o="urn:schemas-microsoft-com:office:office" xmlns:v="urn:schemas-microsoft-com:vml" xmlns:pvml="urn:schemas-microsoft-com:office:powerpoint" xmlns:com="http://schemas.openxmlformats.org/drawingml/2006/compatibility" xmlns:p14="http://schemas.microsoft.com/office/powerpoint/2010/main" xmlns:p15="http://schemas.microsoft.com/office/powerpoint/2012/main" matchingName="Big number">
+<p:sldLayout xmlns:a="http://schemas.openxmlformats.org/drawingml/2006/main" xmlns:r="http://schemas.openxmlformats.org/officeDocument/2006/relationships" xmlns:p="http://schemas.openxmlformats.org/presentationml/2006/main" matchingName="Big number">
   <p:cSld name="BIG_NUMBER">
     <p:bg>
       <p:bgPr>
         <a:solidFill>
           <a:schemeClr val="dk1"/>
         </a:solidFill>
+        <a:effectLst/>
       </p:bgPr>
     </p:bg>
     <p:spTree>
       <p:nvGrpSpPr>
-        <p:cNvPr id="73" name="Shape 73"/>
+        <p:cNvPr id="1" name="Shape 73"/>
         <p:cNvGrpSpPr/>
         <p:nvPr/>
       </p:nvGrpSpPr>
@@ -3014,12 +3241,12 @@
             </a:ln>
           </p:spPr>
           <p:txBody>
-            <a:bodyPr anchorCtr="0" anchor="ctr" bIns="91425" lIns="91425" spcFirstLastPara="1" rIns="91425" wrap="square" tIns="91425">
+            <a:bodyPr spcFirstLastPara="1" wrap="square" lIns="91425" tIns="91425" rIns="91425" bIns="91425" anchor="ctr" anchorCtr="0">
               <a:noAutofit/>
             </a:bodyPr>
             <a:lstStyle/>
             <a:p>
-              <a:pPr indent="0" lvl="0" marL="0">
+              <a:pPr marL="0" lvl="0" indent="0">
                 <a:spcBef>
                   <a:spcPts val="0"/>
                 </a:spcBef>
@@ -3028,9 +3255,6 @@
                 </a:spcAft>
                 <a:buNone/>
               </a:pPr>
-              <a:r>
-                <a:t/>
-              </a:r>
               <a:endParaRPr/>
             </a:p>
           </p:txBody>
@@ -3057,12 +3281,12 @@
             </a:ln>
           </p:spPr>
           <p:txBody>
-            <a:bodyPr anchorCtr="0" anchor="ctr" bIns="91425" lIns="91425" spcFirstLastPara="1" rIns="91425" wrap="square" tIns="91425">
+            <a:bodyPr spcFirstLastPara="1" wrap="square" lIns="91425" tIns="91425" rIns="91425" bIns="91425" anchor="ctr" anchorCtr="0">
               <a:noAutofit/>
             </a:bodyPr>
             <a:lstStyle/>
             <a:p>
-              <a:pPr indent="0" lvl="0" marL="0">
+              <a:pPr marL="0" lvl="0" indent="0">
                 <a:spcBef>
                   <a:spcPts val="0"/>
                 </a:spcBef>
@@ -3071,9 +3295,6 @@
                 </a:spcAft>
                 <a:buNone/>
               </a:pPr>
-              <a:r>
-                <a:t/>
-              </a:r>
               <a:endParaRPr/>
             </a:p>
           </p:txBody>
@@ -3082,9 +3303,11 @@
       <p:sp>
         <p:nvSpPr>
           <p:cNvPr id="77" name="Shape 77"/>
-          <p:cNvSpPr txBox="1"/>
+          <p:cNvSpPr txBox="1">
+            <a:spLocks noGrp="1"/>
+          </p:cNvSpPr>
           <p:nvPr>
-            <p:ph hasCustomPrompt="1" type="title"/>
+            <p:ph type="title" hasCustomPrompt="1"/>
           </p:nvPr>
         </p:nvSpPr>
         <p:spPr>
@@ -3097,7 +3320,7 @@
           </a:prstGeom>
         </p:spPr>
         <p:txBody>
-          <a:bodyPr anchorCtr="0" anchor="t" bIns="91425" lIns="91425" spcFirstLastPara="1" rIns="91425" wrap="square" tIns="91425"/>
+          <a:bodyPr spcFirstLastPara="1" wrap="square" lIns="91425" tIns="91425" rIns="91425" bIns="91425" anchor="t" anchorCtr="0"/>
           <a:lstStyle>
             <a:lvl1pPr lvl="0">
               <a:spcBef>
@@ -3272,9 +3495,11 @@
       <p:sp>
         <p:nvSpPr>
           <p:cNvPr id="78" name="Shape 78"/>
-          <p:cNvSpPr txBox="1"/>
+          <p:cNvSpPr txBox="1">
+            <a:spLocks noGrp="1"/>
+          </p:cNvSpPr>
           <p:nvPr>
-            <p:ph idx="1" type="body"/>
+            <p:ph type="body" idx="1"/>
           </p:nvPr>
         </p:nvSpPr>
         <p:spPr>
@@ -3287,9 +3512,9 @@
           </a:prstGeom>
         </p:spPr>
         <p:txBody>
-          <a:bodyPr anchorCtr="0" anchor="t" bIns="91425" lIns="91425" spcFirstLastPara="1" rIns="91425" wrap="square" tIns="91425"/>
+          <a:bodyPr spcFirstLastPara="1" wrap="square" lIns="91425" tIns="91425" rIns="91425" bIns="91425" anchor="t" anchorCtr="0"/>
           <a:lstStyle>
-            <a:lvl1pPr indent="-311150" lvl="0" marL="457200">
+            <a:lvl1pPr marL="457200" lvl="0" indent="-311150">
               <a:spcBef>
                 <a:spcPts val="0"/>
               </a:spcBef>
@@ -3307,7 +3532,7 @@
                 </a:solidFill>
               </a:defRPr>
             </a:lvl1pPr>
-            <a:lvl2pPr indent="-298450" lvl="1" marL="914400">
+            <a:lvl2pPr marL="914400" lvl="1" indent="-298450">
               <a:spcBef>
                 <a:spcPts val="1600"/>
               </a:spcBef>
@@ -3325,7 +3550,7 @@
                 </a:solidFill>
               </a:defRPr>
             </a:lvl2pPr>
-            <a:lvl3pPr indent="-298450" lvl="2" marL="1371600">
+            <a:lvl3pPr marL="1371600" lvl="2" indent="-298450">
               <a:spcBef>
                 <a:spcPts val="1600"/>
               </a:spcBef>
@@ -3343,7 +3568,7 @@
                 </a:solidFill>
               </a:defRPr>
             </a:lvl3pPr>
-            <a:lvl4pPr indent="-298450" lvl="3" marL="1828800">
+            <a:lvl4pPr marL="1828800" lvl="3" indent="-298450">
               <a:spcBef>
                 <a:spcPts val="1600"/>
               </a:spcBef>
@@ -3361,7 +3586,7 @@
                 </a:solidFill>
               </a:defRPr>
             </a:lvl4pPr>
-            <a:lvl5pPr indent="-298450" lvl="4" marL="2286000">
+            <a:lvl5pPr marL="2286000" lvl="4" indent="-298450">
               <a:spcBef>
                 <a:spcPts val="1600"/>
               </a:spcBef>
@@ -3379,7 +3604,7 @@
                 </a:solidFill>
               </a:defRPr>
             </a:lvl5pPr>
-            <a:lvl6pPr indent="-298450" lvl="5" marL="2743200">
+            <a:lvl6pPr marL="2743200" lvl="5" indent="-298450">
               <a:spcBef>
                 <a:spcPts val="1600"/>
               </a:spcBef>
@@ -3397,7 +3622,7 @@
                 </a:solidFill>
               </a:defRPr>
             </a:lvl6pPr>
-            <a:lvl7pPr indent="-298450" lvl="6" marL="3200400">
+            <a:lvl7pPr marL="3200400" lvl="6" indent="-298450">
               <a:spcBef>
                 <a:spcPts val="1600"/>
               </a:spcBef>
@@ -3415,7 +3640,7 @@
                 </a:solidFill>
               </a:defRPr>
             </a:lvl7pPr>
-            <a:lvl8pPr indent="-298450" lvl="7" marL="3657600">
+            <a:lvl8pPr marL="3657600" lvl="7" indent="-298450">
               <a:spcBef>
                 <a:spcPts val="1600"/>
               </a:spcBef>
@@ -3433,7 +3658,7 @@
                 </a:solidFill>
               </a:defRPr>
             </a:lvl8pPr>
-            <a:lvl9pPr indent="-298450" lvl="8" marL="4114800">
+            <a:lvl9pPr marL="4114800" lvl="8" indent="-298450">
               <a:spcBef>
                 <a:spcPts val="1600"/>
               </a:spcBef>
@@ -3452,15 +3677,19 @@
               </a:defRPr>
             </a:lvl9pPr>
           </a:lstStyle>
-          <a:p/>
+          <a:p>
+            <a:endParaRPr/>
+          </a:p>
         </p:txBody>
       </p:sp>
       <p:sp>
         <p:nvSpPr>
           <p:cNvPr id="79" name="Shape 79"/>
-          <p:cNvSpPr txBox="1"/>
+          <p:cNvSpPr txBox="1">
+            <a:spLocks noGrp="1"/>
+          </p:cNvSpPr>
           <p:nvPr>
-            <p:ph idx="12" type="sldNum"/>
+            <p:ph type="sldNum" idx="12"/>
           </p:nvPr>
         </p:nvSpPr>
         <p:spPr>
@@ -3473,7 +3702,7 @@
           </a:prstGeom>
         </p:spPr>
         <p:txBody>
-          <a:bodyPr anchorCtr="0" anchor="ctr" bIns="91425" lIns="91425" spcFirstLastPara="1" rIns="91425" wrap="square" tIns="91425">
+          <a:bodyPr spcFirstLastPara="1" wrap="square" lIns="91425" tIns="91425" rIns="91425" bIns="91425" anchor="ctr" anchorCtr="0">
             <a:noAutofit/>
           </a:bodyPr>
           <a:lstStyle>
@@ -3551,7 +3780,7 @@
             </a:lvl9pPr>
           </a:lstStyle>
           <a:p>
-            <a:pPr indent="0" lvl="0" marL="0">
+            <a:pPr marL="0" lvl="0" indent="0">
               <a:spcBef>
                 <a:spcPts val="0"/>
               </a:spcBef>
@@ -3562,7 +3791,7 @@
             </a:pPr>
             <a:fld id="{00000000-1234-1234-1234-123412341234}" type="slidenum">
               <a:rPr lang="pt-BR"/>
-              <a:t>‹#›</a:t>
+              <a:t>‹nº›</a:t>
             </a:fld>
             <a:endParaRPr/>
           </a:p>
@@ -3577,11 +3806,11 @@
 </file>
 
 <file path=ppt/slideLayouts/slideLayout11.xml><?xml version="1.0" encoding="utf-8"?>
-<p:sldLayout xmlns:a="http://schemas.openxmlformats.org/drawingml/2006/main" xmlns:r="http://schemas.openxmlformats.org/officeDocument/2006/relationships" xmlns:mc="http://schemas.openxmlformats.org/markup-compatibility/2006" xmlns:mv="urn:schemas-microsoft-com:mac:vml" xmlns:p="http://schemas.openxmlformats.org/presentationml/2006/main" xmlns:c="http://schemas.openxmlformats.org/drawingml/2006/chart" xmlns:dgm="http://schemas.openxmlformats.org/drawingml/2006/diagram" xmlns:o="urn:schemas-microsoft-com:office:office" xmlns:v="urn:schemas-microsoft-com:vml" xmlns:pvml="urn:schemas-microsoft-com:office:powerpoint" xmlns:com="http://schemas.openxmlformats.org/drawingml/2006/compatibility" xmlns:p14="http://schemas.microsoft.com/office/powerpoint/2010/main" xmlns:p15="http://schemas.microsoft.com/office/powerpoint/2012/main" matchingName="Blank" type="blank">
+<p:sldLayout xmlns:a="http://schemas.openxmlformats.org/drawingml/2006/main" xmlns:r="http://schemas.openxmlformats.org/officeDocument/2006/relationships" xmlns:p="http://schemas.openxmlformats.org/presentationml/2006/main" matchingName="Blank" type="blank">
   <p:cSld name="BLANK">
     <p:spTree>
       <p:nvGrpSpPr>
-        <p:cNvPr id="80" name="Shape 80"/>
+        <p:cNvPr id="1" name="Shape 80"/>
         <p:cNvGrpSpPr/>
         <p:nvPr/>
       </p:nvGrpSpPr>
@@ -3596,9 +3825,11 @@
       <p:sp>
         <p:nvSpPr>
           <p:cNvPr id="81" name="Shape 81"/>
-          <p:cNvSpPr txBox="1"/>
+          <p:cNvSpPr txBox="1">
+            <a:spLocks noGrp="1"/>
+          </p:cNvSpPr>
           <p:nvPr>
-            <p:ph idx="12" type="sldNum"/>
+            <p:ph type="sldNum" idx="12"/>
           </p:nvPr>
         </p:nvSpPr>
         <p:spPr>
@@ -3611,7 +3842,7 @@
           </a:prstGeom>
         </p:spPr>
         <p:txBody>
-          <a:bodyPr anchorCtr="0" anchor="ctr" bIns="91425" lIns="91425" spcFirstLastPara="1" rIns="91425" wrap="square" tIns="91425">
+          <a:bodyPr spcFirstLastPara="1" wrap="square" lIns="91425" tIns="91425" rIns="91425" bIns="91425" anchor="ctr" anchorCtr="0">
             <a:noAutofit/>
           </a:bodyPr>
           <a:lstStyle>
@@ -3653,7 +3884,7 @@
             </a:lvl9pPr>
           </a:lstStyle>
           <a:p>
-            <a:pPr indent="0" lvl="0" marL="0">
+            <a:pPr marL="0" lvl="0" indent="0">
               <a:spcBef>
                 <a:spcPts val="0"/>
               </a:spcBef>
@@ -3664,7 +3895,7 @@
             </a:pPr>
             <a:fld id="{00000000-1234-1234-1234-123412341234}" type="slidenum">
               <a:rPr lang="pt-BR"/>
-              <a:t>‹#›</a:t>
+              <a:t>‹nº›</a:t>
             </a:fld>
             <a:endParaRPr/>
           </a:p>
@@ -3679,18 +3910,19 @@
 </file>
 
 <file path=ppt/slideLayouts/slideLayout2.xml><?xml version="1.0" encoding="utf-8"?>
-<p:sldLayout xmlns:a="http://schemas.openxmlformats.org/drawingml/2006/main" xmlns:r="http://schemas.openxmlformats.org/officeDocument/2006/relationships" xmlns:mc="http://schemas.openxmlformats.org/markup-compatibility/2006" xmlns:mv="urn:schemas-microsoft-com:mac:vml" xmlns:p="http://schemas.openxmlformats.org/presentationml/2006/main" xmlns:c="http://schemas.openxmlformats.org/drawingml/2006/chart" xmlns:dgm="http://schemas.openxmlformats.org/drawingml/2006/diagram" xmlns:o="urn:schemas-microsoft-com:office:office" xmlns:v="urn:schemas-microsoft-com:vml" xmlns:pvml="urn:schemas-microsoft-com:office:powerpoint" xmlns:com="http://schemas.openxmlformats.org/drawingml/2006/compatibility" xmlns:p14="http://schemas.microsoft.com/office/powerpoint/2010/main" xmlns:p15="http://schemas.microsoft.com/office/powerpoint/2012/main" matchingName="Section header" type="secHead">
+<p:sldLayout xmlns:a="http://schemas.openxmlformats.org/drawingml/2006/main" xmlns:r="http://schemas.openxmlformats.org/officeDocument/2006/relationships" xmlns:p="http://schemas.openxmlformats.org/presentationml/2006/main" matchingName="Section header" type="secHead">
   <p:cSld name="SECTION_HEADER">
     <p:bg>
       <p:bgPr>
         <a:solidFill>
           <a:schemeClr val="dk1"/>
         </a:solidFill>
+        <a:effectLst/>
       </p:bgPr>
     </p:bg>
     <p:spTree>
       <p:nvGrpSpPr>
-        <p:cNvPr id="17" name="Shape 17"/>
+        <p:cNvPr id="1" name="Shape 17"/>
         <p:cNvGrpSpPr/>
         <p:nvPr/>
       </p:nvGrpSpPr>
@@ -3738,12 +3970,12 @@
             </a:ln>
           </p:spPr>
           <p:txBody>
-            <a:bodyPr anchorCtr="0" anchor="ctr" bIns="91425" lIns="91425" spcFirstLastPara="1" rIns="91425" wrap="square" tIns="91425">
+            <a:bodyPr spcFirstLastPara="1" wrap="square" lIns="91425" tIns="91425" rIns="91425" bIns="91425" anchor="ctr" anchorCtr="0">
               <a:noAutofit/>
             </a:bodyPr>
             <a:lstStyle/>
             <a:p>
-              <a:pPr indent="0" lvl="0" marL="0">
+              <a:pPr marL="0" lvl="0" indent="0">
                 <a:spcBef>
                   <a:spcPts val="0"/>
                 </a:spcBef>
@@ -3752,9 +3984,6 @@
                 </a:spcAft>
                 <a:buNone/>
               </a:pPr>
-              <a:r>
-                <a:t/>
-              </a:r>
               <a:endParaRPr/>
             </a:p>
           </p:txBody>
@@ -3781,12 +4010,12 @@
             </a:ln>
           </p:spPr>
           <p:txBody>
-            <a:bodyPr anchorCtr="0" anchor="ctr" bIns="91425" lIns="91425" spcFirstLastPara="1" rIns="91425" wrap="square" tIns="91425">
+            <a:bodyPr spcFirstLastPara="1" wrap="square" lIns="91425" tIns="91425" rIns="91425" bIns="91425" anchor="ctr" anchorCtr="0">
               <a:noAutofit/>
             </a:bodyPr>
             <a:lstStyle/>
             <a:p>
-              <a:pPr indent="0" lvl="0" marL="0">
+              <a:pPr marL="0" lvl="0" indent="0">
                 <a:spcBef>
                   <a:spcPts val="0"/>
                 </a:spcBef>
@@ -3795,9 +4024,6 @@
                 </a:spcAft>
                 <a:buNone/>
               </a:pPr>
-              <a:r>
-                <a:t/>
-              </a:r>
               <a:endParaRPr/>
             </a:p>
           </p:txBody>
@@ -3806,7 +4032,9 @@
       <p:sp>
         <p:nvSpPr>
           <p:cNvPr id="21" name="Shape 21"/>
-          <p:cNvSpPr txBox="1"/>
+          <p:cNvSpPr txBox="1">
+            <a:spLocks noGrp="1"/>
+          </p:cNvSpPr>
           <p:nvPr>
             <p:ph type="title"/>
           </p:nvPr>
@@ -3821,7 +4049,7 @@
           </a:prstGeom>
         </p:spPr>
         <p:txBody>
-          <a:bodyPr anchorCtr="0" anchor="t" bIns="91425" lIns="91425" spcFirstLastPara="1" rIns="91425" wrap="square" tIns="91425"/>
+          <a:bodyPr spcFirstLastPara="1" wrap="square" lIns="91425" tIns="91425" rIns="91425" bIns="91425" anchor="t" anchorCtr="0"/>
           <a:lstStyle>
             <a:lvl1pPr lvl="0">
               <a:spcBef>
@@ -3986,15 +4214,19 @@
               </a:defRPr>
             </a:lvl9pPr>
           </a:lstStyle>
-          <a:p/>
+          <a:p>
+            <a:endParaRPr/>
+          </a:p>
         </p:txBody>
       </p:sp>
       <p:sp>
         <p:nvSpPr>
           <p:cNvPr id="22" name="Shape 22"/>
-          <p:cNvSpPr txBox="1"/>
+          <p:cNvSpPr txBox="1">
+            <a:spLocks noGrp="1"/>
+          </p:cNvSpPr>
           <p:nvPr>
-            <p:ph idx="12" type="sldNum"/>
+            <p:ph type="sldNum" idx="12"/>
           </p:nvPr>
         </p:nvSpPr>
         <p:spPr>
@@ -4007,7 +4239,7 @@
           </a:prstGeom>
         </p:spPr>
         <p:txBody>
-          <a:bodyPr anchorCtr="0" anchor="ctr" bIns="91425" lIns="91425" spcFirstLastPara="1" rIns="91425" wrap="square" tIns="91425">
+          <a:bodyPr spcFirstLastPara="1" wrap="square" lIns="91425" tIns="91425" rIns="91425" bIns="91425" anchor="ctr" anchorCtr="0">
             <a:noAutofit/>
           </a:bodyPr>
           <a:lstStyle>
@@ -4085,7 +4317,7 @@
             </a:lvl9pPr>
           </a:lstStyle>
           <a:p>
-            <a:pPr indent="0" lvl="0" marL="0">
+            <a:pPr marL="0" lvl="0" indent="0">
               <a:spcBef>
                 <a:spcPts val="0"/>
               </a:spcBef>
@@ -4096,7 +4328,7 @@
             </a:pPr>
             <a:fld id="{00000000-1234-1234-1234-123412341234}" type="slidenum">
               <a:rPr lang="pt-BR"/>
-              <a:t>‹#›</a:t>
+              <a:t>‹nº›</a:t>
             </a:fld>
             <a:endParaRPr/>
           </a:p>
@@ -4111,11 +4343,11 @@
 </file>
 
 <file path=ppt/slideLayouts/slideLayout3.xml><?xml version="1.0" encoding="utf-8"?>
-<p:sldLayout xmlns:a="http://schemas.openxmlformats.org/drawingml/2006/main" xmlns:r="http://schemas.openxmlformats.org/officeDocument/2006/relationships" xmlns:mc="http://schemas.openxmlformats.org/markup-compatibility/2006" xmlns:mv="urn:schemas-microsoft-com:mac:vml" xmlns:p="http://schemas.openxmlformats.org/presentationml/2006/main" xmlns:c="http://schemas.openxmlformats.org/drawingml/2006/chart" xmlns:dgm="http://schemas.openxmlformats.org/drawingml/2006/diagram" xmlns:o="urn:schemas-microsoft-com:office:office" xmlns:v="urn:schemas-microsoft-com:vml" xmlns:pvml="urn:schemas-microsoft-com:office:powerpoint" xmlns:com="http://schemas.openxmlformats.org/drawingml/2006/compatibility" xmlns:p14="http://schemas.microsoft.com/office/powerpoint/2010/main" xmlns:p15="http://schemas.microsoft.com/office/powerpoint/2012/main" matchingName="Title and body" type="tx">
+<p:sldLayout xmlns:a="http://schemas.openxmlformats.org/drawingml/2006/main" xmlns:r="http://schemas.openxmlformats.org/officeDocument/2006/relationships" xmlns:p="http://schemas.openxmlformats.org/presentationml/2006/main" matchingName="Title and body" type="tx">
   <p:cSld name="TITLE_AND_BODY">
     <p:spTree>
       <p:nvGrpSpPr>
-        <p:cNvPr id="23" name="Shape 23"/>
+        <p:cNvPr id="1" name="Shape 23"/>
         <p:cNvGrpSpPr/>
         <p:nvPr/>
       </p:nvGrpSpPr>
@@ -4149,12 +4381,12 @@
           </a:ln>
         </p:spPr>
         <p:txBody>
-          <a:bodyPr anchorCtr="0" anchor="ctr" bIns="91425" lIns="91425" spcFirstLastPara="1" rIns="91425" wrap="square" tIns="91425">
+          <a:bodyPr spcFirstLastPara="1" wrap="square" lIns="91425" tIns="91425" rIns="91425" bIns="91425" anchor="ctr" anchorCtr="0">
             <a:noAutofit/>
           </a:bodyPr>
           <a:lstStyle/>
           <a:p>
-            <a:pPr indent="0" lvl="0" marL="0">
+            <a:pPr marL="0" lvl="0" indent="0">
               <a:spcBef>
                 <a:spcPts val="0"/>
               </a:spcBef>
@@ -4163,9 +4395,6 @@
               </a:spcAft>
               <a:buNone/>
             </a:pPr>
-            <a:r>
-              <a:t/>
-            </a:r>
             <a:endParaRPr/>
           </a:p>
         </p:txBody>
@@ -4206,12 +4435,12 @@
             </a:ln>
           </p:spPr>
           <p:txBody>
-            <a:bodyPr anchorCtr="0" anchor="ctr" bIns="91425" lIns="91425" spcFirstLastPara="1" rIns="91425" wrap="square" tIns="91425">
+            <a:bodyPr spcFirstLastPara="1" wrap="square" lIns="91425" tIns="91425" rIns="91425" bIns="91425" anchor="ctr" anchorCtr="0">
               <a:noAutofit/>
             </a:bodyPr>
             <a:lstStyle/>
             <a:p>
-              <a:pPr indent="0" lvl="0" marL="0">
+              <a:pPr marL="0" lvl="0" indent="0">
                 <a:spcBef>
                   <a:spcPts val="0"/>
                 </a:spcBef>
@@ -4220,9 +4449,6 @@
                 </a:spcAft>
                 <a:buNone/>
               </a:pPr>
-              <a:r>
-                <a:t/>
-              </a:r>
               <a:endParaRPr/>
             </a:p>
           </p:txBody>
@@ -4249,12 +4475,12 @@
             </a:ln>
           </p:spPr>
           <p:txBody>
-            <a:bodyPr anchorCtr="0" anchor="ctr" bIns="91425" lIns="91425" spcFirstLastPara="1" rIns="91425" wrap="square" tIns="91425">
+            <a:bodyPr spcFirstLastPara="1" wrap="square" lIns="91425" tIns="91425" rIns="91425" bIns="91425" anchor="ctr" anchorCtr="0">
               <a:noAutofit/>
             </a:bodyPr>
             <a:lstStyle/>
             <a:p>
-              <a:pPr indent="0" lvl="0" marL="0">
+              <a:pPr marL="0" lvl="0" indent="0">
                 <a:spcBef>
                   <a:spcPts val="0"/>
                 </a:spcBef>
@@ -4263,9 +4489,6 @@
                 </a:spcAft>
                 <a:buNone/>
               </a:pPr>
-              <a:r>
-                <a:t/>
-              </a:r>
               <a:endParaRPr/>
             </a:p>
           </p:txBody>
@@ -4274,7 +4497,9 @@
       <p:sp>
         <p:nvSpPr>
           <p:cNvPr id="28" name="Shape 28"/>
-          <p:cNvSpPr txBox="1"/>
+          <p:cNvSpPr txBox="1">
+            <a:spLocks noGrp="1"/>
+          </p:cNvSpPr>
           <p:nvPr>
             <p:ph type="title"/>
           </p:nvPr>
@@ -4289,7 +4514,7 @@
           </a:prstGeom>
         </p:spPr>
         <p:txBody>
-          <a:bodyPr anchorCtr="0" anchor="t" bIns="91425" lIns="91425" spcFirstLastPara="1" rIns="91425" wrap="square" tIns="91425"/>
+          <a:bodyPr spcFirstLastPara="1" wrap="square" lIns="91425" tIns="91425" rIns="91425" bIns="91425" anchor="t" anchorCtr="0"/>
           <a:lstStyle>
             <a:lvl1pPr lvl="0">
               <a:spcBef>
@@ -4454,15 +4679,19 @@
               </a:defRPr>
             </a:lvl9pPr>
           </a:lstStyle>
-          <a:p/>
+          <a:p>
+            <a:endParaRPr/>
+          </a:p>
         </p:txBody>
       </p:sp>
       <p:sp>
         <p:nvSpPr>
           <p:cNvPr id="29" name="Shape 29"/>
-          <p:cNvSpPr txBox="1"/>
+          <p:cNvSpPr txBox="1">
+            <a:spLocks noGrp="1"/>
+          </p:cNvSpPr>
           <p:nvPr>
-            <p:ph idx="1" type="body"/>
+            <p:ph type="body" idx="1"/>
           </p:nvPr>
         </p:nvSpPr>
         <p:spPr>
@@ -4475,9 +4704,9 @@
           </a:prstGeom>
         </p:spPr>
         <p:txBody>
-          <a:bodyPr anchorCtr="0" anchor="t" bIns="91425" lIns="91425" spcFirstLastPara="1" rIns="91425" wrap="square" tIns="91425"/>
+          <a:bodyPr spcFirstLastPara="1" wrap="square" lIns="91425" tIns="91425" rIns="91425" bIns="91425" anchor="t" anchorCtr="0"/>
           <a:lstStyle>
-            <a:lvl1pPr indent="-311150" lvl="0" marL="457200">
+            <a:lvl1pPr marL="457200" lvl="0" indent="-311150">
               <a:spcBef>
                 <a:spcPts val="0"/>
               </a:spcBef>
@@ -4488,7 +4717,7 @@
               <a:buChar char="●"/>
               <a:defRPr/>
             </a:lvl1pPr>
-            <a:lvl2pPr indent="-298450" lvl="1" marL="914400">
+            <a:lvl2pPr marL="914400" lvl="1" indent="-298450">
               <a:spcBef>
                 <a:spcPts val="1600"/>
               </a:spcBef>
@@ -4499,7 +4728,7 @@
               <a:buChar char="○"/>
               <a:defRPr/>
             </a:lvl2pPr>
-            <a:lvl3pPr indent="-298450" lvl="2" marL="1371600">
+            <a:lvl3pPr marL="1371600" lvl="2" indent="-298450">
               <a:spcBef>
                 <a:spcPts val="1600"/>
               </a:spcBef>
@@ -4510,7 +4739,7 @@
               <a:buChar char="■"/>
               <a:defRPr/>
             </a:lvl3pPr>
-            <a:lvl4pPr indent="-298450" lvl="3" marL="1828800">
+            <a:lvl4pPr marL="1828800" lvl="3" indent="-298450">
               <a:spcBef>
                 <a:spcPts val="1600"/>
               </a:spcBef>
@@ -4521,7 +4750,7 @@
               <a:buChar char="●"/>
               <a:defRPr/>
             </a:lvl4pPr>
-            <a:lvl5pPr indent="-298450" lvl="4" marL="2286000">
+            <a:lvl5pPr marL="2286000" lvl="4" indent="-298450">
               <a:spcBef>
                 <a:spcPts val="1600"/>
               </a:spcBef>
@@ -4532,7 +4761,7 @@
               <a:buChar char="○"/>
               <a:defRPr/>
             </a:lvl5pPr>
-            <a:lvl6pPr indent="-298450" lvl="5" marL="2743200">
+            <a:lvl6pPr marL="2743200" lvl="5" indent="-298450">
               <a:spcBef>
                 <a:spcPts val="1600"/>
               </a:spcBef>
@@ -4543,7 +4772,7 @@
               <a:buChar char="■"/>
               <a:defRPr/>
             </a:lvl6pPr>
-            <a:lvl7pPr indent="-298450" lvl="6" marL="3200400">
+            <a:lvl7pPr marL="3200400" lvl="6" indent="-298450">
               <a:spcBef>
                 <a:spcPts val="1600"/>
               </a:spcBef>
@@ -4554,7 +4783,7 @@
               <a:buChar char="●"/>
               <a:defRPr/>
             </a:lvl7pPr>
-            <a:lvl8pPr indent="-298450" lvl="7" marL="3657600">
+            <a:lvl8pPr marL="3657600" lvl="7" indent="-298450">
               <a:spcBef>
                 <a:spcPts val="1600"/>
               </a:spcBef>
@@ -4565,7 +4794,7 @@
               <a:buChar char="○"/>
               <a:defRPr/>
             </a:lvl8pPr>
-            <a:lvl9pPr indent="-298450" lvl="8" marL="4114800">
+            <a:lvl9pPr marL="4114800" lvl="8" indent="-298450">
               <a:spcBef>
                 <a:spcPts val="1600"/>
               </a:spcBef>
@@ -4577,15 +4806,19 @@
               <a:defRPr/>
             </a:lvl9pPr>
           </a:lstStyle>
-          <a:p/>
+          <a:p>
+            <a:endParaRPr/>
+          </a:p>
         </p:txBody>
       </p:sp>
       <p:sp>
         <p:nvSpPr>
           <p:cNvPr id="30" name="Shape 30"/>
-          <p:cNvSpPr txBox="1"/>
+          <p:cNvSpPr txBox="1">
+            <a:spLocks noGrp="1"/>
+          </p:cNvSpPr>
           <p:nvPr>
-            <p:ph idx="12" type="sldNum"/>
+            <p:ph type="sldNum" idx="12"/>
           </p:nvPr>
         </p:nvSpPr>
         <p:spPr>
@@ -4598,7 +4831,7 @@
           </a:prstGeom>
         </p:spPr>
         <p:txBody>
-          <a:bodyPr anchorCtr="0" anchor="ctr" bIns="91425" lIns="91425" spcFirstLastPara="1" rIns="91425" wrap="square" tIns="91425">
+          <a:bodyPr spcFirstLastPara="1" wrap="square" lIns="91425" tIns="91425" rIns="91425" bIns="91425" anchor="ctr" anchorCtr="0">
             <a:noAutofit/>
           </a:bodyPr>
           <a:lstStyle>
@@ -4640,7 +4873,7 @@
             </a:lvl9pPr>
           </a:lstStyle>
           <a:p>
-            <a:pPr indent="0" lvl="0" marL="0">
+            <a:pPr marL="0" lvl="0" indent="0">
               <a:spcBef>
                 <a:spcPts val="0"/>
               </a:spcBef>
@@ -4651,7 +4884,7 @@
             </a:pPr>
             <a:fld id="{00000000-1234-1234-1234-123412341234}" type="slidenum">
               <a:rPr lang="pt-BR"/>
-              <a:t>‹#›</a:t>
+              <a:t>‹nº›</a:t>
             </a:fld>
             <a:endParaRPr/>
           </a:p>
@@ -4666,11 +4899,11 @@
 </file>
 
 <file path=ppt/slideLayouts/slideLayout4.xml><?xml version="1.0" encoding="utf-8"?>
-<p:sldLayout xmlns:a="http://schemas.openxmlformats.org/drawingml/2006/main" xmlns:r="http://schemas.openxmlformats.org/officeDocument/2006/relationships" xmlns:mc="http://schemas.openxmlformats.org/markup-compatibility/2006" xmlns:mv="urn:schemas-microsoft-com:mac:vml" xmlns:p="http://schemas.openxmlformats.org/presentationml/2006/main" xmlns:c="http://schemas.openxmlformats.org/drawingml/2006/chart" xmlns:dgm="http://schemas.openxmlformats.org/drawingml/2006/diagram" xmlns:o="urn:schemas-microsoft-com:office:office" xmlns:v="urn:schemas-microsoft-com:vml" xmlns:pvml="urn:schemas-microsoft-com:office:powerpoint" xmlns:com="http://schemas.openxmlformats.org/drawingml/2006/compatibility" xmlns:p14="http://schemas.microsoft.com/office/powerpoint/2010/main" xmlns:p15="http://schemas.microsoft.com/office/powerpoint/2012/main" matchingName="Title and two columns" type="twoColTx">
+<p:sldLayout xmlns:a="http://schemas.openxmlformats.org/drawingml/2006/main" xmlns:r="http://schemas.openxmlformats.org/officeDocument/2006/relationships" xmlns:p="http://schemas.openxmlformats.org/presentationml/2006/main" matchingName="Title and two columns" type="twoColTx">
   <p:cSld name="TITLE_AND_TWO_COLUMNS">
     <p:spTree>
       <p:nvGrpSpPr>
-        <p:cNvPr id="31" name="Shape 31"/>
+        <p:cNvPr id="1" name="Shape 31"/>
         <p:cNvGrpSpPr/>
         <p:nvPr/>
       </p:nvGrpSpPr>
@@ -4704,12 +4937,12 @@
           </a:ln>
         </p:spPr>
         <p:txBody>
-          <a:bodyPr anchorCtr="0" anchor="ctr" bIns="91425" lIns="91425" spcFirstLastPara="1" rIns="91425" wrap="square" tIns="91425">
+          <a:bodyPr spcFirstLastPara="1" wrap="square" lIns="91425" tIns="91425" rIns="91425" bIns="91425" anchor="ctr" anchorCtr="0">
             <a:noAutofit/>
           </a:bodyPr>
           <a:lstStyle/>
           <a:p>
-            <a:pPr indent="0" lvl="0" marL="0">
+            <a:pPr marL="0" lvl="0" indent="0">
               <a:spcBef>
                 <a:spcPts val="0"/>
               </a:spcBef>
@@ -4718,9 +4951,6 @@
               </a:spcAft>
               <a:buNone/>
             </a:pPr>
-            <a:r>
-              <a:t/>
-            </a:r>
             <a:endParaRPr/>
           </a:p>
         </p:txBody>
@@ -4761,12 +4991,12 @@
             </a:ln>
           </p:spPr>
           <p:txBody>
-            <a:bodyPr anchorCtr="0" anchor="ctr" bIns="91425" lIns="91425" spcFirstLastPara="1" rIns="91425" wrap="square" tIns="91425">
+            <a:bodyPr spcFirstLastPara="1" wrap="square" lIns="91425" tIns="91425" rIns="91425" bIns="91425" anchor="ctr" anchorCtr="0">
               <a:noAutofit/>
             </a:bodyPr>
             <a:lstStyle/>
             <a:p>
-              <a:pPr indent="0" lvl="0" marL="0">
+              <a:pPr marL="0" lvl="0" indent="0">
                 <a:spcBef>
                   <a:spcPts val="0"/>
                 </a:spcBef>
@@ -4775,9 +5005,6 @@
                 </a:spcAft>
                 <a:buNone/>
               </a:pPr>
-              <a:r>
-                <a:t/>
-              </a:r>
               <a:endParaRPr/>
             </a:p>
           </p:txBody>
@@ -4804,12 +5031,12 @@
             </a:ln>
           </p:spPr>
           <p:txBody>
-            <a:bodyPr anchorCtr="0" anchor="ctr" bIns="91425" lIns="91425" spcFirstLastPara="1" rIns="91425" wrap="square" tIns="91425">
+            <a:bodyPr spcFirstLastPara="1" wrap="square" lIns="91425" tIns="91425" rIns="91425" bIns="91425" anchor="ctr" anchorCtr="0">
               <a:noAutofit/>
             </a:bodyPr>
             <a:lstStyle/>
             <a:p>
-              <a:pPr indent="0" lvl="0" marL="0">
+              <a:pPr marL="0" lvl="0" indent="0">
                 <a:spcBef>
                   <a:spcPts val="0"/>
                 </a:spcBef>
@@ -4818,9 +5045,6 @@
                 </a:spcAft>
                 <a:buNone/>
               </a:pPr>
-              <a:r>
-                <a:t/>
-              </a:r>
               <a:endParaRPr/>
             </a:p>
           </p:txBody>
@@ -4829,7 +5053,9 @@
       <p:sp>
         <p:nvSpPr>
           <p:cNvPr id="36" name="Shape 36"/>
-          <p:cNvSpPr txBox="1"/>
+          <p:cNvSpPr txBox="1">
+            <a:spLocks noGrp="1"/>
+          </p:cNvSpPr>
           <p:nvPr>
             <p:ph type="title"/>
           </p:nvPr>
@@ -4844,7 +5070,7 @@
           </a:prstGeom>
         </p:spPr>
         <p:txBody>
-          <a:bodyPr anchorCtr="0" anchor="t" bIns="91425" lIns="91425" spcFirstLastPara="1" rIns="91425" wrap="square" tIns="91425"/>
+          <a:bodyPr spcFirstLastPara="1" wrap="square" lIns="91425" tIns="91425" rIns="91425" bIns="91425" anchor="t" anchorCtr="0"/>
           <a:lstStyle>
             <a:lvl1pPr lvl="0">
               <a:spcBef>
@@ -5009,15 +5235,19 @@
               </a:defRPr>
             </a:lvl9pPr>
           </a:lstStyle>
-          <a:p/>
+          <a:p>
+            <a:endParaRPr/>
+          </a:p>
         </p:txBody>
       </p:sp>
       <p:sp>
         <p:nvSpPr>
           <p:cNvPr id="37" name="Shape 37"/>
-          <p:cNvSpPr txBox="1"/>
+          <p:cNvSpPr txBox="1">
+            <a:spLocks noGrp="1"/>
+          </p:cNvSpPr>
           <p:nvPr>
-            <p:ph idx="1" type="body"/>
+            <p:ph type="body" idx="1"/>
           </p:nvPr>
         </p:nvSpPr>
         <p:spPr>
@@ -5030,9 +5260,9 @@
           </a:prstGeom>
         </p:spPr>
         <p:txBody>
-          <a:bodyPr anchorCtr="0" anchor="t" bIns="91425" lIns="91425" spcFirstLastPara="1" rIns="91425" wrap="square" tIns="91425"/>
+          <a:bodyPr spcFirstLastPara="1" wrap="square" lIns="91425" tIns="91425" rIns="91425" bIns="91425" anchor="t" anchorCtr="0"/>
           <a:lstStyle>
-            <a:lvl1pPr indent="-311150" lvl="0" marL="457200">
+            <a:lvl1pPr marL="457200" lvl="0" indent="-311150">
               <a:spcBef>
                 <a:spcPts val="0"/>
               </a:spcBef>
@@ -5043,7 +5273,7 @@
               <a:buChar char="●"/>
               <a:defRPr/>
             </a:lvl1pPr>
-            <a:lvl2pPr indent="-298450" lvl="1" marL="914400">
+            <a:lvl2pPr marL="914400" lvl="1" indent="-298450">
               <a:spcBef>
                 <a:spcPts val="1600"/>
               </a:spcBef>
@@ -5054,7 +5284,7 @@
               <a:buChar char="○"/>
               <a:defRPr/>
             </a:lvl2pPr>
-            <a:lvl3pPr indent="-298450" lvl="2" marL="1371600">
+            <a:lvl3pPr marL="1371600" lvl="2" indent="-298450">
               <a:spcBef>
                 <a:spcPts val="1600"/>
               </a:spcBef>
@@ -5065,7 +5295,7 @@
               <a:buChar char="■"/>
               <a:defRPr/>
             </a:lvl3pPr>
-            <a:lvl4pPr indent="-298450" lvl="3" marL="1828800">
+            <a:lvl4pPr marL="1828800" lvl="3" indent="-298450">
               <a:spcBef>
                 <a:spcPts val="1600"/>
               </a:spcBef>
@@ -5076,7 +5306,7 @@
               <a:buChar char="●"/>
               <a:defRPr/>
             </a:lvl4pPr>
-            <a:lvl5pPr indent="-298450" lvl="4" marL="2286000">
+            <a:lvl5pPr marL="2286000" lvl="4" indent="-298450">
               <a:spcBef>
                 <a:spcPts val="1600"/>
               </a:spcBef>
@@ -5087,7 +5317,7 @@
               <a:buChar char="○"/>
               <a:defRPr/>
             </a:lvl5pPr>
-            <a:lvl6pPr indent="-298450" lvl="5" marL="2743200">
+            <a:lvl6pPr marL="2743200" lvl="5" indent="-298450">
               <a:spcBef>
                 <a:spcPts val="1600"/>
               </a:spcBef>
@@ -5098,7 +5328,7 @@
               <a:buChar char="■"/>
               <a:defRPr/>
             </a:lvl6pPr>
-            <a:lvl7pPr indent="-298450" lvl="6" marL="3200400">
+            <a:lvl7pPr marL="3200400" lvl="6" indent="-298450">
               <a:spcBef>
                 <a:spcPts val="1600"/>
               </a:spcBef>
@@ -5109,7 +5339,7 @@
               <a:buChar char="●"/>
               <a:defRPr/>
             </a:lvl7pPr>
-            <a:lvl8pPr indent="-298450" lvl="7" marL="3657600">
+            <a:lvl8pPr marL="3657600" lvl="7" indent="-298450">
               <a:spcBef>
                 <a:spcPts val="1600"/>
               </a:spcBef>
@@ -5120,7 +5350,7 @@
               <a:buChar char="○"/>
               <a:defRPr/>
             </a:lvl8pPr>
-            <a:lvl9pPr indent="-298450" lvl="8" marL="4114800">
+            <a:lvl9pPr marL="4114800" lvl="8" indent="-298450">
               <a:spcBef>
                 <a:spcPts val="1600"/>
               </a:spcBef>
@@ -5132,15 +5362,19 @@
               <a:defRPr/>
             </a:lvl9pPr>
           </a:lstStyle>
-          <a:p/>
+          <a:p>
+            <a:endParaRPr/>
+          </a:p>
         </p:txBody>
       </p:sp>
       <p:sp>
         <p:nvSpPr>
           <p:cNvPr id="38" name="Shape 38"/>
-          <p:cNvSpPr txBox="1"/>
+          <p:cNvSpPr txBox="1">
+            <a:spLocks noGrp="1"/>
+          </p:cNvSpPr>
           <p:nvPr>
-            <p:ph idx="2" type="body"/>
+            <p:ph type="body" idx="2"/>
           </p:nvPr>
         </p:nvSpPr>
         <p:spPr>
@@ -5153,9 +5387,9 @@
           </a:prstGeom>
         </p:spPr>
         <p:txBody>
-          <a:bodyPr anchorCtr="0" anchor="t" bIns="91425" lIns="91425" spcFirstLastPara="1" rIns="91425" wrap="square" tIns="91425"/>
+          <a:bodyPr spcFirstLastPara="1" wrap="square" lIns="91425" tIns="91425" rIns="91425" bIns="91425" anchor="t" anchorCtr="0"/>
           <a:lstStyle>
-            <a:lvl1pPr indent="-311150" lvl="0" marL="457200">
+            <a:lvl1pPr marL="457200" lvl="0" indent="-311150">
               <a:spcBef>
                 <a:spcPts val="0"/>
               </a:spcBef>
@@ -5166,7 +5400,7 @@
               <a:buChar char="●"/>
               <a:defRPr/>
             </a:lvl1pPr>
-            <a:lvl2pPr indent="-298450" lvl="1" marL="914400">
+            <a:lvl2pPr marL="914400" lvl="1" indent="-298450">
               <a:spcBef>
                 <a:spcPts val="1600"/>
               </a:spcBef>
@@ -5177,7 +5411,7 @@
               <a:buChar char="○"/>
               <a:defRPr/>
             </a:lvl2pPr>
-            <a:lvl3pPr indent="-298450" lvl="2" marL="1371600">
+            <a:lvl3pPr marL="1371600" lvl="2" indent="-298450">
               <a:spcBef>
                 <a:spcPts val="1600"/>
               </a:spcBef>
@@ -5188,7 +5422,7 @@
               <a:buChar char="■"/>
               <a:defRPr/>
             </a:lvl3pPr>
-            <a:lvl4pPr indent="-298450" lvl="3" marL="1828800">
+            <a:lvl4pPr marL="1828800" lvl="3" indent="-298450">
               <a:spcBef>
                 <a:spcPts val="1600"/>
               </a:spcBef>
@@ -5199,7 +5433,7 @@
               <a:buChar char="●"/>
               <a:defRPr/>
             </a:lvl4pPr>
-            <a:lvl5pPr indent="-298450" lvl="4" marL="2286000">
+            <a:lvl5pPr marL="2286000" lvl="4" indent="-298450">
               <a:spcBef>
                 <a:spcPts val="1600"/>
               </a:spcBef>
@@ -5210,7 +5444,7 @@
               <a:buChar char="○"/>
               <a:defRPr/>
             </a:lvl5pPr>
-            <a:lvl6pPr indent="-298450" lvl="5" marL="2743200">
+            <a:lvl6pPr marL="2743200" lvl="5" indent="-298450">
               <a:spcBef>
                 <a:spcPts val="1600"/>
               </a:spcBef>
@@ -5221,7 +5455,7 @@
               <a:buChar char="■"/>
               <a:defRPr/>
             </a:lvl6pPr>
-            <a:lvl7pPr indent="-298450" lvl="6" marL="3200400">
+            <a:lvl7pPr marL="3200400" lvl="6" indent="-298450">
               <a:spcBef>
                 <a:spcPts val="1600"/>
               </a:spcBef>
@@ -5232,7 +5466,7 @@
               <a:buChar char="●"/>
               <a:defRPr/>
             </a:lvl7pPr>
-            <a:lvl8pPr indent="-298450" lvl="7" marL="3657600">
+            <a:lvl8pPr marL="3657600" lvl="7" indent="-298450">
               <a:spcBef>
                 <a:spcPts val="1600"/>
               </a:spcBef>
@@ -5243,7 +5477,7 @@
               <a:buChar char="○"/>
               <a:defRPr/>
             </a:lvl8pPr>
-            <a:lvl9pPr indent="-298450" lvl="8" marL="4114800">
+            <a:lvl9pPr marL="4114800" lvl="8" indent="-298450">
               <a:spcBef>
                 <a:spcPts val="1600"/>
               </a:spcBef>
@@ -5255,15 +5489,19 @@
               <a:defRPr/>
             </a:lvl9pPr>
           </a:lstStyle>
-          <a:p/>
+          <a:p>
+            <a:endParaRPr/>
+          </a:p>
         </p:txBody>
       </p:sp>
       <p:sp>
         <p:nvSpPr>
           <p:cNvPr id="39" name="Shape 39"/>
-          <p:cNvSpPr txBox="1"/>
+          <p:cNvSpPr txBox="1">
+            <a:spLocks noGrp="1"/>
+          </p:cNvSpPr>
           <p:nvPr>
-            <p:ph idx="12" type="sldNum"/>
+            <p:ph type="sldNum" idx="12"/>
           </p:nvPr>
         </p:nvSpPr>
         <p:spPr>
@@ -5276,7 +5514,7 @@
           </a:prstGeom>
         </p:spPr>
         <p:txBody>
-          <a:bodyPr anchorCtr="0" anchor="ctr" bIns="91425" lIns="91425" spcFirstLastPara="1" rIns="91425" wrap="square" tIns="91425">
+          <a:bodyPr spcFirstLastPara="1" wrap="square" lIns="91425" tIns="91425" rIns="91425" bIns="91425" anchor="ctr" anchorCtr="0">
             <a:noAutofit/>
           </a:bodyPr>
           <a:lstStyle>
@@ -5318,7 +5556,7 @@
             </a:lvl9pPr>
           </a:lstStyle>
           <a:p>
-            <a:pPr indent="0" lvl="0" marL="0">
+            <a:pPr marL="0" lvl="0" indent="0">
               <a:spcBef>
                 <a:spcPts val="0"/>
               </a:spcBef>
@@ -5329,7 +5567,7 @@
             </a:pPr>
             <a:fld id="{00000000-1234-1234-1234-123412341234}" type="slidenum">
               <a:rPr lang="pt-BR"/>
-              <a:t>‹#›</a:t>
+              <a:t>‹nº›</a:t>
             </a:fld>
             <a:endParaRPr/>
           </a:p>
@@ -5344,11 +5582,11 @@
 </file>
 
 <file path=ppt/slideLayouts/slideLayout5.xml><?xml version="1.0" encoding="utf-8"?>
-<p:sldLayout xmlns:a="http://schemas.openxmlformats.org/drawingml/2006/main" xmlns:r="http://schemas.openxmlformats.org/officeDocument/2006/relationships" xmlns:mc="http://schemas.openxmlformats.org/markup-compatibility/2006" xmlns:mv="urn:schemas-microsoft-com:mac:vml" xmlns:p="http://schemas.openxmlformats.org/presentationml/2006/main" xmlns:c="http://schemas.openxmlformats.org/drawingml/2006/chart" xmlns:dgm="http://schemas.openxmlformats.org/drawingml/2006/diagram" xmlns:o="urn:schemas-microsoft-com:office:office" xmlns:v="urn:schemas-microsoft-com:vml" xmlns:pvml="urn:schemas-microsoft-com:office:powerpoint" xmlns:com="http://schemas.openxmlformats.org/drawingml/2006/compatibility" xmlns:p14="http://schemas.microsoft.com/office/powerpoint/2010/main" xmlns:p15="http://schemas.microsoft.com/office/powerpoint/2012/main" matchingName="Title only" type="titleOnly">
+<p:sldLayout xmlns:a="http://schemas.openxmlformats.org/drawingml/2006/main" xmlns:r="http://schemas.openxmlformats.org/officeDocument/2006/relationships" xmlns:p="http://schemas.openxmlformats.org/presentationml/2006/main" matchingName="Title only" type="titleOnly">
   <p:cSld name="TITLE_ONLY">
     <p:spTree>
       <p:nvGrpSpPr>
-        <p:cNvPr id="40" name="Shape 40"/>
+        <p:cNvPr id="1" name="Shape 40"/>
         <p:cNvGrpSpPr/>
         <p:nvPr/>
       </p:nvGrpSpPr>
@@ -5382,12 +5620,12 @@
           </a:ln>
         </p:spPr>
         <p:txBody>
-          <a:bodyPr anchorCtr="0" anchor="ctr" bIns="91425" lIns="91425" spcFirstLastPara="1" rIns="91425" wrap="square" tIns="91425">
+          <a:bodyPr spcFirstLastPara="1" wrap="square" lIns="91425" tIns="91425" rIns="91425" bIns="91425" anchor="ctr" anchorCtr="0">
             <a:noAutofit/>
           </a:bodyPr>
           <a:lstStyle/>
           <a:p>
-            <a:pPr indent="0" lvl="0" marL="0">
+            <a:pPr marL="0" lvl="0" indent="0">
               <a:spcBef>
                 <a:spcPts val="0"/>
               </a:spcBef>
@@ -5396,9 +5634,6 @@
               </a:spcAft>
               <a:buNone/>
             </a:pPr>
-            <a:r>
-              <a:t/>
-            </a:r>
             <a:endParaRPr/>
           </a:p>
         </p:txBody>
@@ -5439,12 +5674,12 @@
             </a:ln>
           </p:spPr>
           <p:txBody>
-            <a:bodyPr anchorCtr="0" anchor="ctr" bIns="91425" lIns="91425" spcFirstLastPara="1" rIns="91425" wrap="square" tIns="91425">
+            <a:bodyPr spcFirstLastPara="1" wrap="square" lIns="91425" tIns="91425" rIns="91425" bIns="91425" anchor="ctr" anchorCtr="0">
               <a:noAutofit/>
             </a:bodyPr>
             <a:lstStyle/>
             <a:p>
-              <a:pPr indent="0" lvl="0" marL="0">
+              <a:pPr marL="0" lvl="0" indent="0">
                 <a:spcBef>
                   <a:spcPts val="0"/>
                 </a:spcBef>
@@ -5453,9 +5688,6 @@
                 </a:spcAft>
                 <a:buNone/>
               </a:pPr>
-              <a:r>
-                <a:t/>
-              </a:r>
               <a:endParaRPr/>
             </a:p>
           </p:txBody>
@@ -5482,12 +5714,12 @@
             </a:ln>
           </p:spPr>
           <p:txBody>
-            <a:bodyPr anchorCtr="0" anchor="ctr" bIns="91425" lIns="91425" spcFirstLastPara="1" rIns="91425" wrap="square" tIns="91425">
+            <a:bodyPr spcFirstLastPara="1" wrap="square" lIns="91425" tIns="91425" rIns="91425" bIns="91425" anchor="ctr" anchorCtr="0">
               <a:noAutofit/>
             </a:bodyPr>
             <a:lstStyle/>
             <a:p>
-              <a:pPr indent="0" lvl="0" marL="0">
+              <a:pPr marL="0" lvl="0" indent="0">
                 <a:spcBef>
                   <a:spcPts val="0"/>
                 </a:spcBef>
@@ -5496,9 +5728,6 @@
                 </a:spcAft>
                 <a:buNone/>
               </a:pPr>
-              <a:r>
-                <a:t/>
-              </a:r>
               <a:endParaRPr/>
             </a:p>
           </p:txBody>
@@ -5507,7 +5736,9 @@
       <p:sp>
         <p:nvSpPr>
           <p:cNvPr id="45" name="Shape 45"/>
-          <p:cNvSpPr txBox="1"/>
+          <p:cNvSpPr txBox="1">
+            <a:spLocks noGrp="1"/>
+          </p:cNvSpPr>
           <p:nvPr>
             <p:ph type="title"/>
           </p:nvPr>
@@ -5522,7 +5753,7 @@
           </a:prstGeom>
         </p:spPr>
         <p:txBody>
-          <a:bodyPr anchorCtr="0" anchor="t" bIns="91425" lIns="91425" spcFirstLastPara="1" rIns="91425" wrap="square" tIns="91425"/>
+          <a:bodyPr spcFirstLastPara="1" wrap="square" lIns="91425" tIns="91425" rIns="91425" bIns="91425" anchor="t" anchorCtr="0"/>
           <a:lstStyle>
             <a:lvl1pPr lvl="0">
               <a:spcBef>
@@ -5687,15 +5918,19 @@
               </a:defRPr>
             </a:lvl9pPr>
           </a:lstStyle>
-          <a:p/>
+          <a:p>
+            <a:endParaRPr/>
+          </a:p>
         </p:txBody>
       </p:sp>
       <p:sp>
         <p:nvSpPr>
           <p:cNvPr id="46" name="Shape 46"/>
-          <p:cNvSpPr txBox="1"/>
+          <p:cNvSpPr txBox="1">
+            <a:spLocks noGrp="1"/>
+          </p:cNvSpPr>
           <p:nvPr>
-            <p:ph idx="12" type="sldNum"/>
+            <p:ph type="sldNum" idx="12"/>
           </p:nvPr>
         </p:nvSpPr>
         <p:spPr>
@@ -5708,7 +5943,7 @@
           </a:prstGeom>
         </p:spPr>
         <p:txBody>
-          <a:bodyPr anchorCtr="0" anchor="ctr" bIns="91425" lIns="91425" spcFirstLastPara="1" rIns="91425" wrap="square" tIns="91425">
+          <a:bodyPr spcFirstLastPara="1" wrap="square" lIns="91425" tIns="91425" rIns="91425" bIns="91425" anchor="ctr" anchorCtr="0">
             <a:noAutofit/>
           </a:bodyPr>
           <a:lstStyle>
@@ -5750,7 +5985,7 @@
             </a:lvl9pPr>
           </a:lstStyle>
           <a:p>
-            <a:pPr indent="0" lvl="0" marL="0">
+            <a:pPr marL="0" lvl="0" indent="0">
               <a:spcBef>
                 <a:spcPts val="0"/>
               </a:spcBef>
@@ -5761,7 +5996,7 @@
             </a:pPr>
             <a:fld id="{00000000-1234-1234-1234-123412341234}" type="slidenum">
               <a:rPr lang="pt-BR"/>
-              <a:t>‹#›</a:t>
+              <a:t>‹nº›</a:t>
             </a:fld>
             <a:endParaRPr/>
           </a:p>
@@ -5776,11 +6011,11 @@
 </file>
 
 <file path=ppt/slideLayouts/slideLayout6.xml><?xml version="1.0" encoding="utf-8"?>
-<p:sldLayout xmlns:a="http://schemas.openxmlformats.org/drawingml/2006/main" xmlns:r="http://schemas.openxmlformats.org/officeDocument/2006/relationships" xmlns:mc="http://schemas.openxmlformats.org/markup-compatibility/2006" xmlns:mv="urn:schemas-microsoft-com:mac:vml" xmlns:p="http://schemas.openxmlformats.org/presentationml/2006/main" xmlns:c="http://schemas.openxmlformats.org/drawingml/2006/chart" xmlns:dgm="http://schemas.openxmlformats.org/drawingml/2006/diagram" xmlns:o="urn:schemas-microsoft-com:office:office" xmlns:v="urn:schemas-microsoft-com:vml" xmlns:pvml="urn:schemas-microsoft-com:office:powerpoint" xmlns:com="http://schemas.openxmlformats.org/drawingml/2006/compatibility" xmlns:p14="http://schemas.microsoft.com/office/powerpoint/2010/main" xmlns:p15="http://schemas.microsoft.com/office/powerpoint/2012/main" matchingName="One column text">
+<p:sldLayout xmlns:a="http://schemas.openxmlformats.org/drawingml/2006/main" xmlns:r="http://schemas.openxmlformats.org/officeDocument/2006/relationships" xmlns:p="http://schemas.openxmlformats.org/presentationml/2006/main" matchingName="One column text">
   <p:cSld name="ONE_COLUMN_TEXT">
     <p:spTree>
       <p:nvGrpSpPr>
-        <p:cNvPr id="47" name="Shape 47"/>
+        <p:cNvPr id="1" name="Shape 47"/>
         <p:cNvGrpSpPr/>
         <p:nvPr/>
       </p:nvGrpSpPr>
@@ -5814,12 +6049,12 @@
           </a:ln>
         </p:spPr>
         <p:txBody>
-          <a:bodyPr anchorCtr="0" anchor="ctr" bIns="91425" lIns="91425" spcFirstLastPara="1" rIns="91425" wrap="square" tIns="91425">
+          <a:bodyPr spcFirstLastPara="1" wrap="square" lIns="91425" tIns="91425" rIns="91425" bIns="91425" anchor="ctr" anchorCtr="0">
             <a:noAutofit/>
           </a:bodyPr>
           <a:lstStyle/>
           <a:p>
-            <a:pPr indent="0" lvl="0" marL="0">
+            <a:pPr marL="0" lvl="0" indent="0">
               <a:spcBef>
                 <a:spcPts val="0"/>
               </a:spcBef>
@@ -5828,9 +6063,6 @@
               </a:spcAft>
               <a:buNone/>
             </a:pPr>
-            <a:r>
-              <a:t/>
-            </a:r>
             <a:endParaRPr/>
           </a:p>
         </p:txBody>
@@ -5871,12 +6103,12 @@
             </a:ln>
           </p:spPr>
           <p:txBody>
-            <a:bodyPr anchorCtr="0" anchor="ctr" bIns="91425" lIns="91425" spcFirstLastPara="1" rIns="91425" wrap="square" tIns="91425">
+            <a:bodyPr spcFirstLastPara="1" wrap="square" lIns="91425" tIns="91425" rIns="91425" bIns="91425" anchor="ctr" anchorCtr="0">
               <a:noAutofit/>
             </a:bodyPr>
             <a:lstStyle/>
             <a:p>
-              <a:pPr indent="0" lvl="0" marL="0">
+              <a:pPr marL="0" lvl="0" indent="0">
                 <a:spcBef>
                   <a:spcPts val="0"/>
                 </a:spcBef>
@@ -5885,9 +6117,6 @@
                 </a:spcAft>
                 <a:buNone/>
               </a:pPr>
-              <a:r>
-                <a:t/>
-              </a:r>
               <a:endParaRPr/>
             </a:p>
           </p:txBody>
@@ -5914,12 +6143,12 @@
             </a:ln>
           </p:spPr>
           <p:txBody>
-            <a:bodyPr anchorCtr="0" anchor="ctr" bIns="91425" lIns="91425" spcFirstLastPara="1" rIns="91425" wrap="square" tIns="91425">
+            <a:bodyPr spcFirstLastPara="1" wrap="square" lIns="91425" tIns="91425" rIns="91425" bIns="91425" anchor="ctr" anchorCtr="0">
               <a:noAutofit/>
             </a:bodyPr>
             <a:lstStyle/>
             <a:p>
-              <a:pPr indent="0" lvl="0" marL="0">
+              <a:pPr marL="0" lvl="0" indent="0">
                 <a:spcBef>
                   <a:spcPts val="0"/>
                 </a:spcBef>
@@ -5928,9 +6157,6 @@
                 </a:spcAft>
                 <a:buNone/>
               </a:pPr>
-              <a:r>
-                <a:t/>
-              </a:r>
               <a:endParaRPr/>
             </a:p>
           </p:txBody>
@@ -5939,7 +6165,9 @@
       <p:sp>
         <p:nvSpPr>
           <p:cNvPr id="52" name="Shape 52"/>
-          <p:cNvSpPr txBox="1"/>
+          <p:cNvSpPr txBox="1">
+            <a:spLocks noGrp="1"/>
+          </p:cNvSpPr>
           <p:nvPr>
             <p:ph type="title"/>
           </p:nvPr>
@@ -5954,7 +6182,7 @@
           </a:prstGeom>
         </p:spPr>
         <p:txBody>
-          <a:bodyPr anchorCtr="0" anchor="t" bIns="91425" lIns="91425" spcFirstLastPara="1" rIns="91425" wrap="square" tIns="91425"/>
+          <a:bodyPr spcFirstLastPara="1" wrap="square" lIns="91425" tIns="91425" rIns="91425" bIns="91425" anchor="t" anchorCtr="0"/>
           <a:lstStyle>
             <a:lvl1pPr lvl="0">
               <a:spcBef>
@@ -6119,15 +6347,19 @@
               </a:defRPr>
             </a:lvl9pPr>
           </a:lstStyle>
-          <a:p/>
+          <a:p>
+            <a:endParaRPr/>
+          </a:p>
         </p:txBody>
       </p:sp>
       <p:sp>
         <p:nvSpPr>
           <p:cNvPr id="53" name="Shape 53"/>
-          <p:cNvSpPr txBox="1"/>
+          <p:cNvSpPr txBox="1">
+            <a:spLocks noGrp="1"/>
+          </p:cNvSpPr>
           <p:nvPr>
-            <p:ph idx="1" type="body"/>
+            <p:ph type="body" idx="1"/>
           </p:nvPr>
         </p:nvSpPr>
         <p:spPr>
@@ -6140,9 +6372,9 @@
           </a:prstGeom>
         </p:spPr>
         <p:txBody>
-          <a:bodyPr anchorCtr="0" anchor="t" bIns="91425" lIns="91425" spcFirstLastPara="1" rIns="91425" wrap="square" tIns="91425"/>
+          <a:bodyPr spcFirstLastPara="1" wrap="square" lIns="91425" tIns="91425" rIns="91425" bIns="91425" anchor="t" anchorCtr="0"/>
           <a:lstStyle>
-            <a:lvl1pPr indent="-311150" lvl="0" marL="457200">
+            <a:lvl1pPr marL="457200" lvl="0" indent="-311150">
               <a:spcBef>
                 <a:spcPts val="0"/>
               </a:spcBef>
@@ -6153,7 +6385,7 @@
               <a:buChar char="●"/>
               <a:defRPr/>
             </a:lvl1pPr>
-            <a:lvl2pPr indent="-298450" lvl="1" marL="914400">
+            <a:lvl2pPr marL="914400" lvl="1" indent="-298450">
               <a:spcBef>
                 <a:spcPts val="1600"/>
               </a:spcBef>
@@ -6164,7 +6396,7 @@
               <a:buChar char="○"/>
               <a:defRPr/>
             </a:lvl2pPr>
-            <a:lvl3pPr indent="-298450" lvl="2" marL="1371600">
+            <a:lvl3pPr marL="1371600" lvl="2" indent="-298450">
               <a:spcBef>
                 <a:spcPts val="1600"/>
               </a:spcBef>
@@ -6175,7 +6407,7 @@
               <a:buChar char="■"/>
               <a:defRPr/>
             </a:lvl3pPr>
-            <a:lvl4pPr indent="-298450" lvl="3" marL="1828800">
+            <a:lvl4pPr marL="1828800" lvl="3" indent="-298450">
               <a:spcBef>
                 <a:spcPts val="1600"/>
               </a:spcBef>
@@ -6186,7 +6418,7 @@
               <a:buChar char="●"/>
               <a:defRPr/>
             </a:lvl4pPr>
-            <a:lvl5pPr indent="-298450" lvl="4" marL="2286000">
+            <a:lvl5pPr marL="2286000" lvl="4" indent="-298450">
               <a:spcBef>
                 <a:spcPts val="1600"/>
               </a:spcBef>
@@ -6197,7 +6429,7 @@
               <a:buChar char="○"/>
               <a:defRPr/>
             </a:lvl5pPr>
-            <a:lvl6pPr indent="-298450" lvl="5" marL="2743200">
+            <a:lvl6pPr marL="2743200" lvl="5" indent="-298450">
               <a:spcBef>
                 <a:spcPts val="1600"/>
               </a:spcBef>
@@ -6208,7 +6440,7 @@
               <a:buChar char="■"/>
               <a:defRPr/>
             </a:lvl6pPr>
-            <a:lvl7pPr indent="-298450" lvl="6" marL="3200400">
+            <a:lvl7pPr marL="3200400" lvl="6" indent="-298450">
               <a:spcBef>
                 <a:spcPts val="1600"/>
               </a:spcBef>
@@ -6219,7 +6451,7 @@
               <a:buChar char="●"/>
               <a:defRPr/>
             </a:lvl7pPr>
-            <a:lvl8pPr indent="-298450" lvl="7" marL="3657600">
+            <a:lvl8pPr marL="3657600" lvl="7" indent="-298450">
               <a:spcBef>
                 <a:spcPts val="1600"/>
               </a:spcBef>
@@ -6230,7 +6462,7 @@
               <a:buChar char="○"/>
               <a:defRPr/>
             </a:lvl8pPr>
-            <a:lvl9pPr indent="-298450" lvl="8" marL="4114800">
+            <a:lvl9pPr marL="4114800" lvl="8" indent="-298450">
               <a:spcBef>
                 <a:spcPts val="1600"/>
               </a:spcBef>
@@ -6242,15 +6474,19 @@
               <a:defRPr/>
             </a:lvl9pPr>
           </a:lstStyle>
-          <a:p/>
+          <a:p>
+            <a:endParaRPr/>
+          </a:p>
         </p:txBody>
       </p:sp>
       <p:sp>
         <p:nvSpPr>
           <p:cNvPr id="54" name="Shape 54"/>
-          <p:cNvSpPr txBox="1"/>
+          <p:cNvSpPr txBox="1">
+            <a:spLocks noGrp="1"/>
+          </p:cNvSpPr>
           <p:nvPr>
-            <p:ph idx="12" type="sldNum"/>
+            <p:ph type="sldNum" idx="12"/>
           </p:nvPr>
         </p:nvSpPr>
         <p:spPr>
@@ -6263,7 +6499,7 @@
           </a:prstGeom>
         </p:spPr>
         <p:txBody>
-          <a:bodyPr anchorCtr="0" anchor="ctr" bIns="91425" lIns="91425" spcFirstLastPara="1" rIns="91425" wrap="square" tIns="91425">
+          <a:bodyPr spcFirstLastPara="1" wrap="square" lIns="91425" tIns="91425" rIns="91425" bIns="91425" anchor="ctr" anchorCtr="0">
             <a:noAutofit/>
           </a:bodyPr>
           <a:lstStyle>
@@ -6305,7 +6541,7 @@
             </a:lvl9pPr>
           </a:lstStyle>
           <a:p>
-            <a:pPr indent="0" lvl="0" marL="0">
+            <a:pPr marL="0" lvl="0" indent="0">
               <a:spcBef>
                 <a:spcPts val="0"/>
               </a:spcBef>
@@ -6316,7 +6552,7 @@
             </a:pPr>
             <a:fld id="{00000000-1234-1234-1234-123412341234}" type="slidenum">
               <a:rPr lang="pt-BR"/>
-              <a:t>‹#›</a:t>
+              <a:t>‹nº›</a:t>
             </a:fld>
             <a:endParaRPr/>
           </a:p>
@@ -6331,18 +6567,19 @@
 </file>
 
 <file path=ppt/slideLayouts/slideLayout7.xml><?xml version="1.0" encoding="utf-8"?>
-<p:sldLayout xmlns:a="http://schemas.openxmlformats.org/drawingml/2006/main" xmlns:r="http://schemas.openxmlformats.org/officeDocument/2006/relationships" xmlns:mc="http://schemas.openxmlformats.org/markup-compatibility/2006" xmlns:mv="urn:schemas-microsoft-com:mac:vml" xmlns:p="http://schemas.openxmlformats.org/presentationml/2006/main" xmlns:c="http://schemas.openxmlformats.org/drawingml/2006/chart" xmlns:dgm="http://schemas.openxmlformats.org/drawingml/2006/diagram" xmlns:o="urn:schemas-microsoft-com:office:office" xmlns:v="urn:schemas-microsoft-com:vml" xmlns:pvml="urn:schemas-microsoft-com:office:powerpoint" xmlns:com="http://schemas.openxmlformats.org/drawingml/2006/compatibility" xmlns:p14="http://schemas.microsoft.com/office/powerpoint/2010/main" xmlns:p15="http://schemas.microsoft.com/office/powerpoint/2012/main" matchingName="Main point">
+<p:sldLayout xmlns:a="http://schemas.openxmlformats.org/drawingml/2006/main" xmlns:r="http://schemas.openxmlformats.org/officeDocument/2006/relationships" xmlns:p="http://schemas.openxmlformats.org/presentationml/2006/main" matchingName="Main point">
   <p:cSld name="MAIN_POINT">
     <p:bg>
       <p:bgPr>
         <a:solidFill>
           <a:schemeClr val="accent3"/>
         </a:solidFill>
+        <a:effectLst/>
       </p:bgPr>
     </p:bg>
     <p:spTree>
       <p:nvGrpSpPr>
-        <p:cNvPr id="55" name="Shape 55"/>
+        <p:cNvPr id="1" name="Shape 55"/>
         <p:cNvGrpSpPr/>
         <p:nvPr/>
       </p:nvGrpSpPr>
@@ -6390,12 +6627,12 @@
             </a:ln>
           </p:spPr>
           <p:txBody>
-            <a:bodyPr anchorCtr="0" anchor="ctr" bIns="91425" lIns="91425" spcFirstLastPara="1" rIns="91425" wrap="square" tIns="91425">
+            <a:bodyPr spcFirstLastPara="1" wrap="square" lIns="91425" tIns="91425" rIns="91425" bIns="91425" anchor="ctr" anchorCtr="0">
               <a:noAutofit/>
             </a:bodyPr>
             <a:lstStyle/>
             <a:p>
-              <a:pPr indent="0" lvl="0" marL="0">
+              <a:pPr marL="0" lvl="0" indent="0">
                 <a:spcBef>
                   <a:spcPts val="0"/>
                 </a:spcBef>
@@ -6404,9 +6641,6 @@
                 </a:spcAft>
                 <a:buNone/>
               </a:pPr>
-              <a:r>
-                <a:t/>
-              </a:r>
               <a:endParaRPr/>
             </a:p>
           </p:txBody>
@@ -6433,12 +6667,12 @@
             </a:ln>
           </p:spPr>
           <p:txBody>
-            <a:bodyPr anchorCtr="0" anchor="ctr" bIns="91425" lIns="91425" spcFirstLastPara="1" rIns="91425" wrap="square" tIns="91425">
+            <a:bodyPr spcFirstLastPara="1" wrap="square" lIns="91425" tIns="91425" rIns="91425" bIns="91425" anchor="ctr" anchorCtr="0">
               <a:noAutofit/>
             </a:bodyPr>
             <a:lstStyle/>
             <a:p>
-              <a:pPr indent="0" lvl="0" marL="0">
+              <a:pPr marL="0" lvl="0" indent="0">
                 <a:spcBef>
                   <a:spcPts val="0"/>
                 </a:spcBef>
@@ -6447,9 +6681,6 @@
                 </a:spcAft>
                 <a:buNone/>
               </a:pPr>
-              <a:r>
-                <a:t/>
-              </a:r>
               <a:endParaRPr/>
             </a:p>
           </p:txBody>
@@ -6458,7 +6689,9 @@
       <p:sp>
         <p:nvSpPr>
           <p:cNvPr id="59" name="Shape 59"/>
-          <p:cNvSpPr txBox="1"/>
+          <p:cNvSpPr txBox="1">
+            <a:spLocks noGrp="1"/>
+          </p:cNvSpPr>
           <p:nvPr>
             <p:ph type="title"/>
           </p:nvPr>
@@ -6473,7 +6706,7 @@
           </a:prstGeom>
         </p:spPr>
         <p:txBody>
-          <a:bodyPr anchorCtr="0" anchor="ctr" bIns="91425" lIns="91425" spcFirstLastPara="1" rIns="91425" wrap="square" tIns="91425"/>
+          <a:bodyPr spcFirstLastPara="1" wrap="square" lIns="91425" tIns="91425" rIns="91425" bIns="91425" anchor="ctr" anchorCtr="0"/>
           <a:lstStyle>
             <a:lvl1pPr lvl="0">
               <a:spcBef>
@@ -6638,15 +6871,19 @@
               </a:defRPr>
             </a:lvl9pPr>
           </a:lstStyle>
-          <a:p/>
+          <a:p>
+            <a:endParaRPr/>
+          </a:p>
         </p:txBody>
       </p:sp>
       <p:sp>
         <p:nvSpPr>
           <p:cNvPr id="60" name="Shape 60"/>
-          <p:cNvSpPr txBox="1"/>
+          <p:cNvSpPr txBox="1">
+            <a:spLocks noGrp="1"/>
+          </p:cNvSpPr>
           <p:nvPr>
-            <p:ph idx="12" type="sldNum"/>
+            <p:ph type="sldNum" idx="12"/>
           </p:nvPr>
         </p:nvSpPr>
         <p:spPr>
@@ -6659,7 +6896,7 @@
           </a:prstGeom>
         </p:spPr>
         <p:txBody>
-          <a:bodyPr anchorCtr="0" anchor="ctr" bIns="91425" lIns="91425" spcFirstLastPara="1" rIns="91425" wrap="square" tIns="91425">
+          <a:bodyPr spcFirstLastPara="1" wrap="square" lIns="91425" tIns="91425" rIns="91425" bIns="91425" anchor="ctr" anchorCtr="0">
             <a:noAutofit/>
           </a:bodyPr>
           <a:lstStyle>
@@ -6737,7 +6974,7 @@
             </a:lvl9pPr>
           </a:lstStyle>
           <a:p>
-            <a:pPr indent="0" lvl="0" marL="0">
+            <a:pPr marL="0" lvl="0" indent="0">
               <a:spcBef>
                 <a:spcPts val="0"/>
               </a:spcBef>
@@ -6748,7 +6985,7 @@
             </a:pPr>
             <a:fld id="{00000000-1234-1234-1234-123412341234}" type="slidenum">
               <a:rPr lang="pt-BR"/>
-              <a:t>‹#›</a:t>
+              <a:t>‹nº›</a:t>
             </a:fld>
             <a:endParaRPr/>
           </a:p>
@@ -6763,11 +7000,11 @@
 </file>
 
 <file path=ppt/slideLayouts/slideLayout8.xml><?xml version="1.0" encoding="utf-8"?>
-<p:sldLayout xmlns:a="http://schemas.openxmlformats.org/drawingml/2006/main" xmlns:r="http://schemas.openxmlformats.org/officeDocument/2006/relationships" xmlns:mc="http://schemas.openxmlformats.org/markup-compatibility/2006" xmlns:mv="urn:schemas-microsoft-com:mac:vml" xmlns:p="http://schemas.openxmlformats.org/presentationml/2006/main" xmlns:c="http://schemas.openxmlformats.org/drawingml/2006/chart" xmlns:dgm="http://schemas.openxmlformats.org/drawingml/2006/diagram" xmlns:o="urn:schemas-microsoft-com:office:office" xmlns:v="urn:schemas-microsoft-com:vml" xmlns:pvml="urn:schemas-microsoft-com:office:powerpoint" xmlns:com="http://schemas.openxmlformats.org/drawingml/2006/compatibility" xmlns:p14="http://schemas.microsoft.com/office/powerpoint/2010/main" xmlns:p15="http://schemas.microsoft.com/office/powerpoint/2012/main" matchingName="Section title and description">
+<p:sldLayout xmlns:a="http://schemas.openxmlformats.org/drawingml/2006/main" xmlns:r="http://schemas.openxmlformats.org/officeDocument/2006/relationships" xmlns:p="http://schemas.openxmlformats.org/presentationml/2006/main" matchingName="Section title and description">
   <p:cSld name="SECTION_TITLE_AND_DESCRIPTION">
     <p:spTree>
       <p:nvGrpSpPr>
-        <p:cNvPr id="61" name="Shape 61"/>
+        <p:cNvPr id="1" name="Shape 61"/>
         <p:cNvGrpSpPr/>
         <p:nvPr/>
       </p:nvGrpSpPr>
@@ -6801,12 +7038,12 @@
           </a:ln>
         </p:spPr>
         <p:txBody>
-          <a:bodyPr anchorCtr="0" anchor="ctr" bIns="91425" lIns="91425" spcFirstLastPara="1" rIns="91425" wrap="square" tIns="91425">
+          <a:bodyPr spcFirstLastPara="1" wrap="square" lIns="91425" tIns="91425" rIns="91425" bIns="91425" anchor="ctr" anchorCtr="0">
             <a:noAutofit/>
           </a:bodyPr>
           <a:lstStyle/>
           <a:p>
-            <a:pPr indent="0" lvl="0" marL="0">
+            <a:pPr marL="0" lvl="0" indent="0">
               <a:spcBef>
                 <a:spcPts val="0"/>
               </a:spcBef>
@@ -6815,9 +7052,6 @@
               </a:spcAft>
               <a:buNone/>
             </a:pPr>
-            <a:r>
-              <a:t/>
-            </a:r>
             <a:endParaRPr/>
           </a:p>
         </p:txBody>
@@ -6858,12 +7092,12 @@
             </a:ln>
           </p:spPr>
           <p:txBody>
-            <a:bodyPr anchorCtr="0" anchor="ctr" bIns="91425" lIns="91425" spcFirstLastPara="1" rIns="91425" wrap="square" tIns="91425">
+            <a:bodyPr spcFirstLastPara="1" wrap="square" lIns="91425" tIns="91425" rIns="91425" bIns="91425" anchor="ctr" anchorCtr="0">
               <a:noAutofit/>
             </a:bodyPr>
             <a:lstStyle/>
             <a:p>
-              <a:pPr indent="0" lvl="0" marL="0">
+              <a:pPr marL="0" lvl="0" indent="0">
                 <a:spcBef>
                   <a:spcPts val="0"/>
                 </a:spcBef>
@@ -6872,9 +7106,6 @@
                 </a:spcAft>
                 <a:buNone/>
               </a:pPr>
-              <a:r>
-                <a:t/>
-              </a:r>
               <a:endParaRPr/>
             </a:p>
           </p:txBody>
@@ -6901,12 +7132,12 @@
             </a:ln>
           </p:spPr>
           <p:txBody>
-            <a:bodyPr anchorCtr="0" anchor="ctr" bIns="91425" lIns="91425" spcFirstLastPara="1" rIns="91425" wrap="square" tIns="91425">
+            <a:bodyPr spcFirstLastPara="1" wrap="square" lIns="91425" tIns="91425" rIns="91425" bIns="91425" anchor="ctr" anchorCtr="0">
               <a:noAutofit/>
             </a:bodyPr>
             <a:lstStyle/>
             <a:p>
-              <a:pPr indent="0" lvl="0" marL="0">
+              <a:pPr marL="0" lvl="0" indent="0">
                 <a:spcBef>
                   <a:spcPts val="0"/>
                 </a:spcBef>
@@ -6915,9 +7146,6 @@
                 </a:spcAft>
                 <a:buNone/>
               </a:pPr>
-              <a:r>
-                <a:t/>
-              </a:r>
               <a:endParaRPr/>
             </a:p>
           </p:txBody>
@@ -6926,7 +7154,9 @@
       <p:sp>
         <p:nvSpPr>
           <p:cNvPr id="66" name="Shape 66"/>
-          <p:cNvSpPr txBox="1"/>
+          <p:cNvSpPr txBox="1">
+            <a:spLocks noGrp="1"/>
+          </p:cNvSpPr>
           <p:nvPr>
             <p:ph type="title"/>
           </p:nvPr>
@@ -6941,7 +7171,7 @@
           </a:prstGeom>
         </p:spPr>
         <p:txBody>
-          <a:bodyPr anchorCtr="0" anchor="t" bIns="91425" lIns="91425" spcFirstLastPara="1" rIns="91425" wrap="square" tIns="91425"/>
+          <a:bodyPr spcFirstLastPara="1" wrap="square" lIns="91425" tIns="91425" rIns="91425" bIns="91425" anchor="t" anchorCtr="0"/>
           <a:lstStyle>
             <a:lvl1pPr lvl="0">
               <a:spcBef>
@@ -7106,15 +7336,19 @@
               </a:defRPr>
             </a:lvl9pPr>
           </a:lstStyle>
-          <a:p/>
+          <a:p>
+            <a:endParaRPr/>
+          </a:p>
         </p:txBody>
       </p:sp>
       <p:sp>
         <p:nvSpPr>
           <p:cNvPr id="67" name="Shape 67"/>
-          <p:cNvSpPr txBox="1"/>
+          <p:cNvSpPr txBox="1">
+            <a:spLocks noGrp="1"/>
+          </p:cNvSpPr>
           <p:nvPr>
-            <p:ph idx="1" type="subTitle"/>
+            <p:ph type="subTitle" idx="1"/>
           </p:nvPr>
         </p:nvSpPr>
         <p:spPr>
@@ -7127,7 +7361,7 @@
           </a:prstGeom>
         </p:spPr>
         <p:txBody>
-          <a:bodyPr anchorCtr="0" anchor="t" bIns="91425" lIns="91425" spcFirstLastPara="1" rIns="91425" wrap="square" tIns="91425"/>
+          <a:bodyPr spcFirstLastPara="1" wrap="square" lIns="91425" tIns="91425" rIns="91425" bIns="91425" anchor="t" anchorCtr="0"/>
           <a:lstStyle>
             <a:lvl1pPr lvl="0">
               <a:lnSpc>
@@ -7256,15 +7490,19 @@
               <a:defRPr sz="1600"/>
             </a:lvl9pPr>
           </a:lstStyle>
-          <a:p/>
+          <a:p>
+            <a:endParaRPr/>
+          </a:p>
         </p:txBody>
       </p:sp>
       <p:sp>
         <p:nvSpPr>
           <p:cNvPr id="68" name="Shape 68"/>
-          <p:cNvSpPr txBox="1"/>
+          <p:cNvSpPr txBox="1">
+            <a:spLocks noGrp="1"/>
+          </p:cNvSpPr>
           <p:nvPr>
-            <p:ph idx="2" type="body"/>
+            <p:ph type="body" idx="2"/>
           </p:nvPr>
         </p:nvSpPr>
         <p:spPr>
@@ -7277,9 +7515,9 @@
           </a:prstGeom>
         </p:spPr>
         <p:txBody>
-          <a:bodyPr anchorCtr="0" anchor="t" bIns="91425" lIns="91425" spcFirstLastPara="1" rIns="91425" wrap="square" tIns="91425"/>
+          <a:bodyPr spcFirstLastPara="1" wrap="square" lIns="91425" tIns="91425" rIns="91425" bIns="91425" anchor="t" anchorCtr="0"/>
           <a:lstStyle>
-            <a:lvl1pPr indent="-311150" lvl="0" marL="457200">
+            <a:lvl1pPr marL="457200" lvl="0" indent="-311150">
               <a:spcBef>
                 <a:spcPts val="0"/>
               </a:spcBef>
@@ -7290,7 +7528,7 @@
               <a:buChar char="●"/>
               <a:defRPr/>
             </a:lvl1pPr>
-            <a:lvl2pPr indent="-298450" lvl="1" marL="914400">
+            <a:lvl2pPr marL="914400" lvl="1" indent="-298450">
               <a:spcBef>
                 <a:spcPts val="1600"/>
               </a:spcBef>
@@ -7301,7 +7539,7 @@
               <a:buChar char="○"/>
               <a:defRPr/>
             </a:lvl2pPr>
-            <a:lvl3pPr indent="-298450" lvl="2" marL="1371600">
+            <a:lvl3pPr marL="1371600" lvl="2" indent="-298450">
               <a:spcBef>
                 <a:spcPts val="1600"/>
               </a:spcBef>
@@ -7312,7 +7550,7 @@
               <a:buChar char="■"/>
               <a:defRPr/>
             </a:lvl3pPr>
-            <a:lvl4pPr indent="-298450" lvl="3" marL="1828800">
+            <a:lvl4pPr marL="1828800" lvl="3" indent="-298450">
               <a:spcBef>
                 <a:spcPts val="1600"/>
               </a:spcBef>
@@ -7323,7 +7561,7 @@
               <a:buChar char="●"/>
               <a:defRPr/>
             </a:lvl4pPr>
-            <a:lvl5pPr indent="-298450" lvl="4" marL="2286000">
+            <a:lvl5pPr marL="2286000" lvl="4" indent="-298450">
               <a:spcBef>
                 <a:spcPts val="1600"/>
               </a:spcBef>
@@ -7334,7 +7572,7 @@
               <a:buChar char="○"/>
               <a:defRPr/>
             </a:lvl5pPr>
-            <a:lvl6pPr indent="-298450" lvl="5" marL="2743200">
+            <a:lvl6pPr marL="2743200" lvl="5" indent="-298450">
               <a:spcBef>
                 <a:spcPts val="1600"/>
               </a:spcBef>
@@ -7345,7 +7583,7 @@
               <a:buChar char="■"/>
               <a:defRPr/>
             </a:lvl6pPr>
-            <a:lvl7pPr indent="-298450" lvl="6" marL="3200400">
+            <a:lvl7pPr marL="3200400" lvl="6" indent="-298450">
               <a:spcBef>
                 <a:spcPts val="1600"/>
               </a:spcBef>
@@ -7356,7 +7594,7 @@
               <a:buChar char="●"/>
               <a:defRPr/>
             </a:lvl7pPr>
-            <a:lvl8pPr indent="-298450" lvl="7" marL="3657600">
+            <a:lvl8pPr marL="3657600" lvl="7" indent="-298450">
               <a:spcBef>
                 <a:spcPts val="1600"/>
               </a:spcBef>
@@ -7367,7 +7605,7 @@
               <a:buChar char="○"/>
               <a:defRPr/>
             </a:lvl8pPr>
-            <a:lvl9pPr indent="-298450" lvl="8" marL="4114800">
+            <a:lvl9pPr marL="4114800" lvl="8" indent="-298450">
               <a:spcBef>
                 <a:spcPts val="1600"/>
               </a:spcBef>
@@ -7379,15 +7617,19 @@
               <a:defRPr/>
             </a:lvl9pPr>
           </a:lstStyle>
-          <a:p/>
+          <a:p>
+            <a:endParaRPr/>
+          </a:p>
         </p:txBody>
       </p:sp>
       <p:sp>
         <p:nvSpPr>
           <p:cNvPr id="69" name="Shape 69"/>
-          <p:cNvSpPr txBox="1"/>
+          <p:cNvSpPr txBox="1">
+            <a:spLocks noGrp="1"/>
+          </p:cNvSpPr>
           <p:nvPr>
-            <p:ph idx="12" type="sldNum"/>
+            <p:ph type="sldNum" idx="12"/>
           </p:nvPr>
         </p:nvSpPr>
         <p:spPr>
@@ -7400,7 +7642,7 @@
           </a:prstGeom>
         </p:spPr>
         <p:txBody>
-          <a:bodyPr anchorCtr="0" anchor="ctr" bIns="91425" lIns="91425" spcFirstLastPara="1" rIns="91425" wrap="square" tIns="91425">
+          <a:bodyPr spcFirstLastPara="1" wrap="square" lIns="91425" tIns="91425" rIns="91425" bIns="91425" anchor="ctr" anchorCtr="0">
             <a:noAutofit/>
           </a:bodyPr>
           <a:lstStyle>
@@ -7442,7 +7684,7 @@
             </a:lvl9pPr>
           </a:lstStyle>
           <a:p>
-            <a:pPr indent="0" lvl="0" marL="0">
+            <a:pPr marL="0" lvl="0" indent="0">
               <a:spcBef>
                 <a:spcPts val="0"/>
               </a:spcBef>
@@ -7453,7 +7695,7 @@
             </a:pPr>
             <a:fld id="{00000000-1234-1234-1234-123412341234}" type="slidenum">
               <a:rPr lang="pt-BR"/>
-              <a:t>‹#›</a:t>
+              <a:t>‹nº›</a:t>
             </a:fld>
             <a:endParaRPr/>
           </a:p>
@@ -7468,11 +7710,11 @@
 </file>
 
 <file path=ppt/slideLayouts/slideLayout9.xml><?xml version="1.0" encoding="utf-8"?>
-<p:sldLayout xmlns:a="http://schemas.openxmlformats.org/drawingml/2006/main" xmlns:r="http://schemas.openxmlformats.org/officeDocument/2006/relationships" xmlns:mc="http://schemas.openxmlformats.org/markup-compatibility/2006" xmlns:mv="urn:schemas-microsoft-com:mac:vml" xmlns:p="http://schemas.openxmlformats.org/presentationml/2006/main" xmlns:c="http://schemas.openxmlformats.org/drawingml/2006/chart" xmlns:dgm="http://schemas.openxmlformats.org/drawingml/2006/diagram" xmlns:o="urn:schemas-microsoft-com:office:office" xmlns:v="urn:schemas-microsoft-com:vml" xmlns:pvml="urn:schemas-microsoft-com:office:powerpoint" xmlns:com="http://schemas.openxmlformats.org/drawingml/2006/compatibility" xmlns:p14="http://schemas.microsoft.com/office/powerpoint/2010/main" xmlns:p15="http://schemas.microsoft.com/office/powerpoint/2012/main" matchingName="Caption">
+<p:sldLayout xmlns:a="http://schemas.openxmlformats.org/drawingml/2006/main" xmlns:r="http://schemas.openxmlformats.org/officeDocument/2006/relationships" xmlns:p="http://schemas.openxmlformats.org/presentationml/2006/main" matchingName="Caption">
   <p:cSld name="CAPTION_ONLY">
     <p:spTree>
       <p:nvGrpSpPr>
-        <p:cNvPr id="70" name="Shape 70"/>
+        <p:cNvPr id="1" name="Shape 70"/>
         <p:cNvGrpSpPr/>
         <p:nvPr/>
       </p:nvGrpSpPr>
@@ -7487,9 +7729,11 @@
       <p:sp>
         <p:nvSpPr>
           <p:cNvPr id="71" name="Shape 71"/>
-          <p:cNvSpPr txBox="1"/>
+          <p:cNvSpPr txBox="1">
+            <a:spLocks noGrp="1"/>
+          </p:cNvSpPr>
           <p:nvPr>
-            <p:ph idx="1" type="body"/>
+            <p:ph type="body" idx="1"/>
           </p:nvPr>
         </p:nvSpPr>
         <p:spPr>
@@ -7502,9 +7746,9 @@
           </a:prstGeom>
         </p:spPr>
         <p:txBody>
-          <a:bodyPr anchorCtr="0" anchor="ctr" bIns="91425" lIns="91425" spcFirstLastPara="1" rIns="91425" wrap="square" tIns="91425"/>
+          <a:bodyPr spcFirstLastPara="1" wrap="square" lIns="91425" tIns="91425" rIns="91425" bIns="91425" anchor="ctr" anchorCtr="0"/>
           <a:lstStyle>
-            <a:lvl1pPr indent="-228600" lvl="0" marL="457200">
+            <a:lvl1pPr marL="457200" lvl="0" indent="-228600">
               <a:lnSpc>
                 <a:spcPct val="100000"/>
               </a:lnSpc>
@@ -7519,15 +7763,19 @@
               <a:defRPr/>
             </a:lvl1pPr>
           </a:lstStyle>
-          <a:p/>
+          <a:p>
+            <a:endParaRPr/>
+          </a:p>
         </p:txBody>
       </p:sp>
       <p:sp>
         <p:nvSpPr>
           <p:cNvPr id="72" name="Shape 72"/>
-          <p:cNvSpPr txBox="1"/>
+          <p:cNvSpPr txBox="1">
+            <a:spLocks noGrp="1"/>
+          </p:cNvSpPr>
           <p:nvPr>
-            <p:ph idx="12" type="sldNum"/>
+            <p:ph type="sldNum" idx="12"/>
           </p:nvPr>
         </p:nvSpPr>
         <p:spPr>
@@ -7540,7 +7788,7 @@
           </a:prstGeom>
         </p:spPr>
         <p:txBody>
-          <a:bodyPr anchorCtr="0" anchor="ctr" bIns="91425" lIns="91425" spcFirstLastPara="1" rIns="91425" wrap="square" tIns="91425">
+          <a:bodyPr spcFirstLastPara="1" wrap="square" lIns="91425" tIns="91425" rIns="91425" bIns="91425" anchor="ctr" anchorCtr="0">
             <a:noAutofit/>
           </a:bodyPr>
           <a:lstStyle>
@@ -7582,7 +7830,7 @@
             </a:lvl9pPr>
           </a:lstStyle>
           <a:p>
-            <a:pPr indent="0" lvl="0" marL="0">
+            <a:pPr marL="0" lvl="0" indent="0">
               <a:spcBef>
                 <a:spcPts val="0"/>
               </a:spcBef>
@@ -7593,7 +7841,7 @@
             </a:pPr>
             <a:fld id="{00000000-1234-1234-1234-123412341234}" type="slidenum">
               <a:rPr lang="pt-BR"/>
-              <a:t>‹#›</a:t>
+              <a:t>‹nº›</a:t>
             </a:fld>
             <a:endParaRPr/>
           </a:p>
@@ -7608,18 +7856,19 @@
 </file>
 
 <file path=ppt/slideMasters/slideMaster1.xml><?xml version="1.0" encoding="utf-8"?>
-<p:sldMaster xmlns:a="http://schemas.openxmlformats.org/drawingml/2006/main" xmlns:r="http://schemas.openxmlformats.org/officeDocument/2006/relationships" xmlns:mc="http://schemas.openxmlformats.org/markup-compatibility/2006" xmlns:mv="urn:schemas-microsoft-com:mac:vml" xmlns:p="http://schemas.openxmlformats.org/presentationml/2006/main" xmlns:c="http://schemas.openxmlformats.org/drawingml/2006/chart" xmlns:dgm="http://schemas.openxmlformats.org/drawingml/2006/diagram" xmlns:o="urn:schemas-microsoft-com:office:office" xmlns:v="urn:schemas-microsoft-com:vml" xmlns:pvml="urn:schemas-microsoft-com:office:powerpoint" xmlns:com="http://schemas.openxmlformats.org/drawingml/2006/compatibility" xmlns:p14="http://schemas.microsoft.com/office/powerpoint/2010/main" xmlns:p15="http://schemas.microsoft.com/office/powerpoint/2012/main">
+<p:sldMaster xmlns:a="http://schemas.openxmlformats.org/drawingml/2006/main" xmlns:r="http://schemas.openxmlformats.org/officeDocument/2006/relationships" xmlns:p="http://schemas.openxmlformats.org/presentationml/2006/main">
   <p:cSld name="streamline">
     <p:bg>
       <p:bgPr>
         <a:solidFill>
           <a:schemeClr val="lt1"/>
         </a:solidFill>
+        <a:effectLst/>
       </p:bgPr>
     </p:bg>
     <p:spTree>
       <p:nvGrpSpPr>
-        <p:cNvPr id="5" name="Shape 5"/>
+        <p:cNvPr id="1" name="Shape 5"/>
         <p:cNvGrpSpPr/>
         <p:nvPr/>
       </p:nvGrpSpPr>
@@ -7634,7 +7883,9 @@
       <p:sp>
         <p:nvSpPr>
           <p:cNvPr id="6" name="Shape 6"/>
-          <p:cNvSpPr txBox="1"/>
+          <p:cNvSpPr txBox="1">
+            <a:spLocks noGrp="1"/>
+          </p:cNvSpPr>
           <p:nvPr>
             <p:ph type="title"/>
           </p:nvPr>
@@ -7653,7 +7904,7 @@
           </a:ln>
         </p:spPr>
         <p:txBody>
-          <a:bodyPr anchorCtr="0" anchor="t" bIns="91425" lIns="91425" spcFirstLastPara="1" rIns="91425" wrap="square" tIns="91425"/>
+          <a:bodyPr spcFirstLastPara="1" wrap="square" lIns="91425" tIns="91425" rIns="91425" bIns="91425" anchor="t" anchorCtr="0"/>
           <a:lstStyle>
             <a:lvl1pPr lvl="0">
               <a:spcBef>
@@ -7665,7 +7916,7 @@
               <a:buSzPts val="2800"/>
               <a:buFont typeface="Raleway"/>
               <a:buNone/>
-              <a:defRPr b="1" sz="2800">
+              <a:defRPr sz="2800" b="1">
                 <a:latin typeface="Raleway"/>
                 <a:ea typeface="Raleway"/>
                 <a:cs typeface="Raleway"/>
@@ -7682,7 +7933,7 @@
               <a:buSzPts val="2800"/>
               <a:buFont typeface="Raleway"/>
               <a:buNone/>
-              <a:defRPr b="1" sz="2800">
+              <a:defRPr sz="2800" b="1">
                 <a:latin typeface="Raleway"/>
                 <a:ea typeface="Raleway"/>
                 <a:cs typeface="Raleway"/>
@@ -7699,7 +7950,7 @@
               <a:buSzPts val="2800"/>
               <a:buFont typeface="Raleway"/>
               <a:buNone/>
-              <a:defRPr b="1" sz="2800">
+              <a:defRPr sz="2800" b="1">
                 <a:latin typeface="Raleway"/>
                 <a:ea typeface="Raleway"/>
                 <a:cs typeface="Raleway"/>
@@ -7716,7 +7967,7 @@
               <a:buSzPts val="2800"/>
               <a:buFont typeface="Raleway"/>
               <a:buNone/>
-              <a:defRPr b="1" sz="2800">
+              <a:defRPr sz="2800" b="1">
                 <a:latin typeface="Raleway"/>
                 <a:ea typeface="Raleway"/>
                 <a:cs typeface="Raleway"/>
@@ -7733,7 +7984,7 @@
               <a:buSzPts val="2800"/>
               <a:buFont typeface="Raleway"/>
               <a:buNone/>
-              <a:defRPr b="1" sz="2800">
+              <a:defRPr sz="2800" b="1">
                 <a:latin typeface="Raleway"/>
                 <a:ea typeface="Raleway"/>
                 <a:cs typeface="Raleway"/>
@@ -7750,7 +8001,7 @@
               <a:buSzPts val="2800"/>
               <a:buFont typeface="Raleway"/>
               <a:buNone/>
-              <a:defRPr b="1" sz="2800">
+              <a:defRPr sz="2800" b="1">
                 <a:latin typeface="Raleway"/>
                 <a:ea typeface="Raleway"/>
                 <a:cs typeface="Raleway"/>
@@ -7767,7 +8018,7 @@
               <a:buSzPts val="2800"/>
               <a:buFont typeface="Raleway"/>
               <a:buNone/>
-              <a:defRPr b="1" sz="2800">
+              <a:defRPr sz="2800" b="1">
                 <a:latin typeface="Raleway"/>
                 <a:ea typeface="Raleway"/>
                 <a:cs typeface="Raleway"/>
@@ -7784,7 +8035,7 @@
               <a:buSzPts val="2800"/>
               <a:buFont typeface="Raleway"/>
               <a:buNone/>
-              <a:defRPr b="1" sz="2800">
+              <a:defRPr sz="2800" b="1">
                 <a:latin typeface="Raleway"/>
                 <a:ea typeface="Raleway"/>
                 <a:cs typeface="Raleway"/>
@@ -7801,7 +8052,7 @@
               <a:buSzPts val="2800"/>
               <a:buFont typeface="Raleway"/>
               <a:buNone/>
-              <a:defRPr b="1" sz="2800">
+              <a:defRPr sz="2800" b="1">
                 <a:latin typeface="Raleway"/>
                 <a:ea typeface="Raleway"/>
                 <a:cs typeface="Raleway"/>
@@ -7809,15 +8060,19 @@
               </a:defRPr>
             </a:lvl9pPr>
           </a:lstStyle>
-          <a:p/>
+          <a:p>
+            <a:endParaRPr/>
+          </a:p>
         </p:txBody>
       </p:sp>
       <p:sp>
         <p:nvSpPr>
           <p:cNvPr id="7" name="Shape 7"/>
-          <p:cNvSpPr txBox="1"/>
+          <p:cNvSpPr txBox="1">
+            <a:spLocks noGrp="1"/>
+          </p:cNvSpPr>
           <p:nvPr>
-            <p:ph idx="1" type="body"/>
+            <p:ph type="body" idx="1"/>
           </p:nvPr>
         </p:nvSpPr>
         <p:spPr>
@@ -7834,9 +8089,9 @@
           </a:ln>
         </p:spPr>
         <p:txBody>
-          <a:bodyPr anchorCtr="0" anchor="t" bIns="91425" lIns="91425" spcFirstLastPara="1" rIns="91425" wrap="square" tIns="91425"/>
+          <a:bodyPr spcFirstLastPara="1" wrap="square" lIns="91425" tIns="91425" rIns="91425" bIns="91425" anchor="t" anchorCtr="0"/>
           <a:lstStyle>
-            <a:lvl1pPr indent="-311150" lvl="0" marL="457200">
+            <a:lvl1pPr marL="457200" lvl="0" indent="-311150">
               <a:lnSpc>
                 <a:spcPct val="115000"/>
               </a:lnSpc>
@@ -7862,7 +8117,7 @@
                 <a:sym typeface="Lato"/>
               </a:defRPr>
             </a:lvl1pPr>
-            <a:lvl2pPr indent="-298450" lvl="1" marL="914400">
+            <a:lvl2pPr marL="914400" lvl="1" indent="-298450">
               <a:lnSpc>
                 <a:spcPct val="115000"/>
               </a:lnSpc>
@@ -7888,7 +8143,7 @@
                 <a:sym typeface="Lato"/>
               </a:defRPr>
             </a:lvl2pPr>
-            <a:lvl3pPr indent="-298450" lvl="2" marL="1371600">
+            <a:lvl3pPr marL="1371600" lvl="2" indent="-298450">
               <a:lnSpc>
                 <a:spcPct val="115000"/>
               </a:lnSpc>
@@ -7914,7 +8169,7 @@
                 <a:sym typeface="Lato"/>
               </a:defRPr>
             </a:lvl3pPr>
-            <a:lvl4pPr indent="-298450" lvl="3" marL="1828800">
+            <a:lvl4pPr marL="1828800" lvl="3" indent="-298450">
               <a:lnSpc>
                 <a:spcPct val="115000"/>
               </a:lnSpc>
@@ -7940,7 +8195,7 @@
                 <a:sym typeface="Lato"/>
               </a:defRPr>
             </a:lvl4pPr>
-            <a:lvl5pPr indent="-298450" lvl="4" marL="2286000">
+            <a:lvl5pPr marL="2286000" lvl="4" indent="-298450">
               <a:lnSpc>
                 <a:spcPct val="115000"/>
               </a:lnSpc>
@@ -7966,7 +8221,7 @@
                 <a:sym typeface="Lato"/>
               </a:defRPr>
             </a:lvl5pPr>
-            <a:lvl6pPr indent="-298450" lvl="5" marL="2743200">
+            <a:lvl6pPr marL="2743200" lvl="5" indent="-298450">
               <a:lnSpc>
                 <a:spcPct val="115000"/>
               </a:lnSpc>
@@ -7992,7 +8247,7 @@
                 <a:sym typeface="Lato"/>
               </a:defRPr>
             </a:lvl6pPr>
-            <a:lvl7pPr indent="-298450" lvl="6" marL="3200400">
+            <a:lvl7pPr marL="3200400" lvl="6" indent="-298450">
               <a:lnSpc>
                 <a:spcPct val="115000"/>
               </a:lnSpc>
@@ -8018,7 +8273,7 @@
                 <a:sym typeface="Lato"/>
               </a:defRPr>
             </a:lvl7pPr>
-            <a:lvl8pPr indent="-298450" lvl="7" marL="3657600">
+            <a:lvl8pPr marL="3657600" lvl="7" indent="-298450">
               <a:lnSpc>
                 <a:spcPct val="115000"/>
               </a:lnSpc>
@@ -8044,7 +8299,7 @@
                 <a:sym typeface="Lato"/>
               </a:defRPr>
             </a:lvl8pPr>
-            <a:lvl9pPr indent="-298450" lvl="8" marL="4114800">
+            <a:lvl9pPr marL="4114800" lvl="8" indent="-298450">
               <a:lnSpc>
                 <a:spcPct val="115000"/>
               </a:lnSpc>
@@ -8071,15 +8326,19 @@
               </a:defRPr>
             </a:lvl9pPr>
           </a:lstStyle>
-          <a:p/>
+          <a:p>
+            <a:endParaRPr/>
+          </a:p>
         </p:txBody>
       </p:sp>
       <p:sp>
         <p:nvSpPr>
           <p:cNvPr id="8" name="Shape 8"/>
-          <p:cNvSpPr txBox="1"/>
+          <p:cNvSpPr txBox="1">
+            <a:spLocks noGrp="1"/>
+          </p:cNvSpPr>
           <p:nvPr>
-            <p:ph idx="12" type="sldNum"/>
+            <p:ph type="sldNum" idx="12"/>
           </p:nvPr>
         </p:nvSpPr>
         <p:spPr>
@@ -8096,7 +8355,7 @@
           </a:ln>
         </p:spPr>
         <p:txBody>
-          <a:bodyPr anchorCtr="0" anchor="ctr" bIns="91425" lIns="91425" spcFirstLastPara="1" rIns="91425" wrap="square" tIns="91425">
+          <a:bodyPr spcFirstLastPara="1" wrap="square" lIns="91425" tIns="91425" rIns="91425" bIns="91425" anchor="ctr" anchorCtr="0">
             <a:noAutofit/>
           </a:bodyPr>
           <a:lstStyle>
@@ -8210,7 +8469,7 @@
             </a:lvl9pPr>
           </a:lstStyle>
           <a:p>
-            <a:pPr indent="0" lvl="0" marL="0">
+            <a:pPr marL="0" lvl="0" indent="0">
               <a:spcBef>
                 <a:spcPts val="0"/>
               </a:spcBef>
@@ -8221,7 +8480,7 @@
             </a:pPr>
             <a:fld id="{00000000-1234-1234-1234-123412341234}" type="slidenum">
               <a:rPr lang="pt-BR"/>
-              <a:t>‹#›</a:t>
+              <a:t>‹nº›</a:t>
             </a:fld>
             <a:endParaRPr/>
           </a:p>
@@ -8229,7 +8488,7 @@
       </p:sp>
     </p:spTree>
   </p:cSld>
-  <p:clrMap accent1="accent1" accent2="accent2" accent3="accent3" accent4="accent4" accent5="accent5" accent6="accent6" bg1="lt1" bg2="dk2" tx1="dk1" tx2="lt2" folHlink="folHlink" hlink="hlink"/>
+  <p:clrMap bg1="lt1" tx1="dk1" bg2="dk2" tx2="lt2" accent1="accent1" accent2="accent2" accent3="accent3" accent4="accent4" accent5="accent5" accent6="accent6" hlink="hlink" folHlink="folHlink"/>
   <p:sldLayoutIdLst>
     <p:sldLayoutId id="2147483648" r:id="rId1"/>
     <p:sldLayoutId id="2147483649" r:id="rId2"/>
@@ -8243,10 +8502,10 @@
     <p:sldLayoutId id="2147483657" r:id="rId10"/>
     <p:sldLayoutId id="2147483658" r:id="rId11"/>
   </p:sldLayoutIdLst>
-  <p:hf dt="0" ftr="0" hdr="0" sldNum="0"/>
+  <p:hf sldNum="0" hdr="0" ftr="0" dt="0"/>
   <p:txStyles>
     <p:titleStyle>
-      <a:defPPr lvl="0" marR="0" rtl="0" algn="l">
+      <a:defPPr marR="0" lvl="0" algn="l" rtl="0">
         <a:lnSpc>
           <a:spcPct val="100000"/>
         </a:lnSpc>
@@ -8257,7 +8516,7 @@
           <a:spcPts val="0"/>
         </a:spcAft>
       </a:defPPr>
-      <a:lvl1pPr lvl="0" marR="0" rtl="0" algn="l">
+      <a:lvl1pPr marR="0" lvl="0" algn="l" rtl="0">
         <a:lnSpc>
           <a:spcPct val="100000"/>
         </a:lnSpc>
@@ -8271,7 +8530,7 @@
           <a:srgbClr val="000000"/>
         </a:buClr>
         <a:buFont typeface="Arial"/>
-        <a:defRPr b="0" i="0" sz="1400" u="none" cap="none" strike="noStrike">
+        <a:defRPr sz="1400" b="0" i="0" u="none" strike="noStrike" cap="none">
           <a:solidFill>
             <a:srgbClr val="000000"/>
           </a:solidFill>
@@ -8281,7 +8540,7 @@
           <a:sym typeface="Arial"/>
         </a:defRPr>
       </a:lvl1pPr>
-      <a:lvl2pPr lvl="1" marR="0" rtl="0" algn="l">
+      <a:lvl2pPr marR="0" lvl="1" algn="l" rtl="0">
         <a:lnSpc>
           <a:spcPct val="100000"/>
         </a:lnSpc>
@@ -8295,7 +8554,7 @@
           <a:srgbClr val="000000"/>
         </a:buClr>
         <a:buFont typeface="Arial"/>
-        <a:defRPr b="0" i="0" sz="1400" u="none" cap="none" strike="noStrike">
+        <a:defRPr sz="1400" b="0" i="0" u="none" strike="noStrike" cap="none">
           <a:solidFill>
             <a:srgbClr val="000000"/>
           </a:solidFill>
@@ -8305,7 +8564,7 @@
           <a:sym typeface="Arial"/>
         </a:defRPr>
       </a:lvl2pPr>
-      <a:lvl3pPr lvl="2" marR="0" rtl="0" algn="l">
+      <a:lvl3pPr marR="0" lvl="2" algn="l" rtl="0">
         <a:lnSpc>
           <a:spcPct val="100000"/>
         </a:lnSpc>
@@ -8319,7 +8578,7 @@
           <a:srgbClr val="000000"/>
         </a:buClr>
         <a:buFont typeface="Arial"/>
-        <a:defRPr b="0" i="0" sz="1400" u="none" cap="none" strike="noStrike">
+        <a:defRPr sz="1400" b="0" i="0" u="none" strike="noStrike" cap="none">
           <a:solidFill>
             <a:srgbClr val="000000"/>
           </a:solidFill>
@@ -8329,7 +8588,7 @@
           <a:sym typeface="Arial"/>
         </a:defRPr>
       </a:lvl3pPr>
-      <a:lvl4pPr lvl="3" marR="0" rtl="0" algn="l">
+      <a:lvl4pPr marR="0" lvl="3" algn="l" rtl="0">
         <a:lnSpc>
           <a:spcPct val="100000"/>
         </a:lnSpc>
@@ -8343,7 +8602,7 @@
           <a:srgbClr val="000000"/>
         </a:buClr>
         <a:buFont typeface="Arial"/>
-        <a:defRPr b="0" i="0" sz="1400" u="none" cap="none" strike="noStrike">
+        <a:defRPr sz="1400" b="0" i="0" u="none" strike="noStrike" cap="none">
           <a:solidFill>
             <a:srgbClr val="000000"/>
           </a:solidFill>
@@ -8353,7 +8612,7 @@
           <a:sym typeface="Arial"/>
         </a:defRPr>
       </a:lvl4pPr>
-      <a:lvl5pPr lvl="4" marR="0" rtl="0" algn="l">
+      <a:lvl5pPr marR="0" lvl="4" algn="l" rtl="0">
         <a:lnSpc>
           <a:spcPct val="100000"/>
         </a:lnSpc>
@@ -8367,7 +8626,7 @@
           <a:srgbClr val="000000"/>
         </a:buClr>
         <a:buFont typeface="Arial"/>
-        <a:defRPr b="0" i="0" sz="1400" u="none" cap="none" strike="noStrike">
+        <a:defRPr sz="1400" b="0" i="0" u="none" strike="noStrike" cap="none">
           <a:solidFill>
             <a:srgbClr val="000000"/>
           </a:solidFill>
@@ -8377,7 +8636,7 @@
           <a:sym typeface="Arial"/>
         </a:defRPr>
       </a:lvl5pPr>
-      <a:lvl6pPr lvl="5" marR="0" rtl="0" algn="l">
+      <a:lvl6pPr marR="0" lvl="5" algn="l" rtl="0">
         <a:lnSpc>
           <a:spcPct val="100000"/>
         </a:lnSpc>
@@ -8391,7 +8650,7 @@
           <a:srgbClr val="000000"/>
         </a:buClr>
         <a:buFont typeface="Arial"/>
-        <a:defRPr b="0" i="0" sz="1400" u="none" cap="none" strike="noStrike">
+        <a:defRPr sz="1400" b="0" i="0" u="none" strike="noStrike" cap="none">
           <a:solidFill>
             <a:srgbClr val="000000"/>
           </a:solidFill>
@@ -8401,7 +8660,7 @@
           <a:sym typeface="Arial"/>
         </a:defRPr>
       </a:lvl6pPr>
-      <a:lvl7pPr lvl="6" marR="0" rtl="0" algn="l">
+      <a:lvl7pPr marR="0" lvl="6" algn="l" rtl="0">
         <a:lnSpc>
           <a:spcPct val="100000"/>
         </a:lnSpc>
@@ -8415,7 +8674,7 @@
           <a:srgbClr val="000000"/>
         </a:buClr>
         <a:buFont typeface="Arial"/>
-        <a:defRPr b="0" i="0" sz="1400" u="none" cap="none" strike="noStrike">
+        <a:defRPr sz="1400" b="0" i="0" u="none" strike="noStrike" cap="none">
           <a:solidFill>
             <a:srgbClr val="000000"/>
           </a:solidFill>
@@ -8425,7 +8684,7 @@
           <a:sym typeface="Arial"/>
         </a:defRPr>
       </a:lvl7pPr>
-      <a:lvl8pPr lvl="7" marR="0" rtl="0" algn="l">
+      <a:lvl8pPr marR="0" lvl="7" algn="l" rtl="0">
         <a:lnSpc>
           <a:spcPct val="100000"/>
         </a:lnSpc>
@@ -8439,7 +8698,7 @@
           <a:srgbClr val="000000"/>
         </a:buClr>
         <a:buFont typeface="Arial"/>
-        <a:defRPr b="0" i="0" sz="1400" u="none" cap="none" strike="noStrike">
+        <a:defRPr sz="1400" b="0" i="0" u="none" strike="noStrike" cap="none">
           <a:solidFill>
             <a:srgbClr val="000000"/>
           </a:solidFill>
@@ -8449,7 +8708,7 @@
           <a:sym typeface="Arial"/>
         </a:defRPr>
       </a:lvl8pPr>
-      <a:lvl9pPr lvl="8" marR="0" rtl="0" algn="l">
+      <a:lvl9pPr marR="0" lvl="8" algn="l" rtl="0">
         <a:lnSpc>
           <a:spcPct val="100000"/>
         </a:lnSpc>
@@ -8463,7 +8722,7 @@
           <a:srgbClr val="000000"/>
         </a:buClr>
         <a:buFont typeface="Arial"/>
-        <a:defRPr b="0" i="0" sz="1400" u="none" cap="none" strike="noStrike">
+        <a:defRPr sz="1400" b="0" i="0" u="none" strike="noStrike" cap="none">
           <a:solidFill>
             <a:srgbClr val="000000"/>
           </a:solidFill>
@@ -8475,7 +8734,7 @@
       </a:lvl9pPr>
     </p:titleStyle>
     <p:bodyStyle>
-      <a:defPPr lvl="0" marR="0" rtl="0" algn="l">
+      <a:defPPr marR="0" lvl="0" algn="l" rtl="0">
         <a:lnSpc>
           <a:spcPct val="100000"/>
         </a:lnSpc>
@@ -8486,7 +8745,7 @@
           <a:spcPts val="0"/>
         </a:spcAft>
       </a:defPPr>
-      <a:lvl1pPr lvl="0" marR="0" rtl="0" algn="l">
+      <a:lvl1pPr marR="0" lvl="0" algn="l" rtl="0">
         <a:lnSpc>
           <a:spcPct val="100000"/>
         </a:lnSpc>
@@ -8500,7 +8759,7 @@
           <a:srgbClr val="000000"/>
         </a:buClr>
         <a:buFont typeface="Arial"/>
-        <a:defRPr b="0" i="0" sz="1400" u="none" cap="none" strike="noStrike">
+        <a:defRPr sz="1400" b="0" i="0" u="none" strike="noStrike" cap="none">
           <a:solidFill>
             <a:srgbClr val="000000"/>
           </a:solidFill>
@@ -8510,7 +8769,7 @@
           <a:sym typeface="Arial"/>
         </a:defRPr>
       </a:lvl1pPr>
-      <a:lvl2pPr lvl="1" marR="0" rtl="0" algn="l">
+      <a:lvl2pPr marR="0" lvl="1" algn="l" rtl="0">
         <a:lnSpc>
           <a:spcPct val="100000"/>
         </a:lnSpc>
@@ -8524,7 +8783,7 @@
           <a:srgbClr val="000000"/>
         </a:buClr>
         <a:buFont typeface="Arial"/>
-        <a:defRPr b="0" i="0" sz="1400" u="none" cap="none" strike="noStrike">
+        <a:defRPr sz="1400" b="0" i="0" u="none" strike="noStrike" cap="none">
           <a:solidFill>
             <a:srgbClr val="000000"/>
           </a:solidFill>
@@ -8534,7 +8793,7 @@
           <a:sym typeface="Arial"/>
         </a:defRPr>
       </a:lvl2pPr>
-      <a:lvl3pPr lvl="2" marR="0" rtl="0" algn="l">
+      <a:lvl3pPr marR="0" lvl="2" algn="l" rtl="0">
         <a:lnSpc>
           <a:spcPct val="100000"/>
         </a:lnSpc>
@@ -8548,7 +8807,7 @@
           <a:srgbClr val="000000"/>
         </a:buClr>
         <a:buFont typeface="Arial"/>
-        <a:defRPr b="0" i="0" sz="1400" u="none" cap="none" strike="noStrike">
+        <a:defRPr sz="1400" b="0" i="0" u="none" strike="noStrike" cap="none">
           <a:solidFill>
             <a:srgbClr val="000000"/>
           </a:solidFill>
@@ -8558,7 +8817,7 @@
           <a:sym typeface="Arial"/>
         </a:defRPr>
       </a:lvl3pPr>
-      <a:lvl4pPr lvl="3" marR="0" rtl="0" algn="l">
+      <a:lvl4pPr marR="0" lvl="3" algn="l" rtl="0">
         <a:lnSpc>
           <a:spcPct val="100000"/>
         </a:lnSpc>
@@ -8572,7 +8831,7 @@
           <a:srgbClr val="000000"/>
         </a:buClr>
         <a:buFont typeface="Arial"/>
-        <a:defRPr b="0" i="0" sz="1400" u="none" cap="none" strike="noStrike">
+        <a:defRPr sz="1400" b="0" i="0" u="none" strike="noStrike" cap="none">
           <a:solidFill>
             <a:srgbClr val="000000"/>
           </a:solidFill>
@@ -8582,7 +8841,7 @@
           <a:sym typeface="Arial"/>
         </a:defRPr>
       </a:lvl4pPr>
-      <a:lvl5pPr lvl="4" marR="0" rtl="0" algn="l">
+      <a:lvl5pPr marR="0" lvl="4" algn="l" rtl="0">
         <a:lnSpc>
           <a:spcPct val="100000"/>
         </a:lnSpc>
@@ -8596,7 +8855,7 @@
           <a:srgbClr val="000000"/>
         </a:buClr>
         <a:buFont typeface="Arial"/>
-        <a:defRPr b="0" i="0" sz="1400" u="none" cap="none" strike="noStrike">
+        <a:defRPr sz="1400" b="0" i="0" u="none" strike="noStrike" cap="none">
           <a:solidFill>
             <a:srgbClr val="000000"/>
           </a:solidFill>
@@ -8606,7 +8865,7 @@
           <a:sym typeface="Arial"/>
         </a:defRPr>
       </a:lvl5pPr>
-      <a:lvl6pPr lvl="5" marR="0" rtl="0" algn="l">
+      <a:lvl6pPr marR="0" lvl="5" algn="l" rtl="0">
         <a:lnSpc>
           <a:spcPct val="100000"/>
         </a:lnSpc>
@@ -8620,7 +8879,7 @@
           <a:srgbClr val="000000"/>
         </a:buClr>
         <a:buFont typeface="Arial"/>
-        <a:defRPr b="0" i="0" sz="1400" u="none" cap="none" strike="noStrike">
+        <a:defRPr sz="1400" b="0" i="0" u="none" strike="noStrike" cap="none">
           <a:solidFill>
             <a:srgbClr val="000000"/>
           </a:solidFill>
@@ -8630,7 +8889,7 @@
           <a:sym typeface="Arial"/>
         </a:defRPr>
       </a:lvl6pPr>
-      <a:lvl7pPr lvl="6" marR="0" rtl="0" algn="l">
+      <a:lvl7pPr marR="0" lvl="6" algn="l" rtl="0">
         <a:lnSpc>
           <a:spcPct val="100000"/>
         </a:lnSpc>
@@ -8644,7 +8903,7 @@
           <a:srgbClr val="000000"/>
         </a:buClr>
         <a:buFont typeface="Arial"/>
-        <a:defRPr b="0" i="0" sz="1400" u="none" cap="none" strike="noStrike">
+        <a:defRPr sz="1400" b="0" i="0" u="none" strike="noStrike" cap="none">
           <a:solidFill>
             <a:srgbClr val="000000"/>
           </a:solidFill>
@@ -8654,7 +8913,7 @@
           <a:sym typeface="Arial"/>
         </a:defRPr>
       </a:lvl7pPr>
-      <a:lvl8pPr lvl="7" marR="0" rtl="0" algn="l">
+      <a:lvl8pPr marR="0" lvl="7" algn="l" rtl="0">
         <a:lnSpc>
           <a:spcPct val="100000"/>
         </a:lnSpc>
@@ -8668,7 +8927,7 @@
           <a:srgbClr val="000000"/>
         </a:buClr>
         <a:buFont typeface="Arial"/>
-        <a:defRPr b="0" i="0" sz="1400" u="none" cap="none" strike="noStrike">
+        <a:defRPr sz="1400" b="0" i="0" u="none" strike="noStrike" cap="none">
           <a:solidFill>
             <a:srgbClr val="000000"/>
           </a:solidFill>
@@ -8678,7 +8937,7 @@
           <a:sym typeface="Arial"/>
         </a:defRPr>
       </a:lvl8pPr>
-      <a:lvl9pPr lvl="8" marR="0" rtl="0" algn="l">
+      <a:lvl9pPr marR="0" lvl="8" algn="l" rtl="0">
         <a:lnSpc>
           <a:spcPct val="100000"/>
         </a:lnSpc>
@@ -8692,7 +8951,7 @@
           <a:srgbClr val="000000"/>
         </a:buClr>
         <a:buFont typeface="Arial"/>
-        <a:defRPr b="0" i="0" sz="1400" u="none" cap="none" strike="noStrike">
+        <a:defRPr sz="1400" b="0" i="0" u="none" strike="noStrike" cap="none">
           <a:solidFill>
             <a:srgbClr val="000000"/>
           </a:solidFill>
@@ -8704,7 +8963,7 @@
       </a:lvl9pPr>
     </p:bodyStyle>
     <p:otherStyle>
-      <a:defPPr lvl="0" marR="0" rtl="0" algn="l">
+      <a:defPPr marR="0" lvl="0" algn="l" rtl="0">
         <a:lnSpc>
           <a:spcPct val="100000"/>
         </a:lnSpc>
@@ -8715,7 +8974,7 @@
           <a:spcPts val="0"/>
         </a:spcAft>
       </a:defPPr>
-      <a:lvl1pPr lvl="0" marR="0" rtl="0" algn="l">
+      <a:lvl1pPr marR="0" lvl="0" algn="l" rtl="0">
         <a:lnSpc>
           <a:spcPct val="100000"/>
         </a:lnSpc>
@@ -8729,7 +8988,7 @@
           <a:srgbClr val="000000"/>
         </a:buClr>
         <a:buFont typeface="Arial"/>
-        <a:defRPr b="0" i="0" sz="1400" u="none" cap="none" strike="noStrike">
+        <a:defRPr sz="1400" b="0" i="0" u="none" strike="noStrike" cap="none">
           <a:solidFill>
             <a:srgbClr val="000000"/>
           </a:solidFill>
@@ -8739,7 +8998,7 @@
           <a:sym typeface="Arial"/>
         </a:defRPr>
       </a:lvl1pPr>
-      <a:lvl2pPr lvl="1" marR="0" rtl="0" algn="l">
+      <a:lvl2pPr marR="0" lvl="1" algn="l" rtl="0">
         <a:lnSpc>
           <a:spcPct val="100000"/>
         </a:lnSpc>
@@ -8753,7 +9012,7 @@
           <a:srgbClr val="000000"/>
         </a:buClr>
         <a:buFont typeface="Arial"/>
-        <a:defRPr b="0" i="0" sz="1400" u="none" cap="none" strike="noStrike">
+        <a:defRPr sz="1400" b="0" i="0" u="none" strike="noStrike" cap="none">
           <a:solidFill>
             <a:srgbClr val="000000"/>
           </a:solidFill>
@@ -8763,7 +9022,7 @@
           <a:sym typeface="Arial"/>
         </a:defRPr>
       </a:lvl2pPr>
-      <a:lvl3pPr lvl="2" marR="0" rtl="0" algn="l">
+      <a:lvl3pPr marR="0" lvl="2" algn="l" rtl="0">
         <a:lnSpc>
           <a:spcPct val="100000"/>
         </a:lnSpc>
@@ -8777,7 +9036,7 @@
           <a:srgbClr val="000000"/>
         </a:buClr>
         <a:buFont typeface="Arial"/>
-        <a:defRPr b="0" i="0" sz="1400" u="none" cap="none" strike="noStrike">
+        <a:defRPr sz="1400" b="0" i="0" u="none" strike="noStrike" cap="none">
           <a:solidFill>
             <a:srgbClr val="000000"/>
           </a:solidFill>
@@ -8787,7 +9046,7 @@
           <a:sym typeface="Arial"/>
         </a:defRPr>
       </a:lvl3pPr>
-      <a:lvl4pPr lvl="3" marR="0" rtl="0" algn="l">
+      <a:lvl4pPr marR="0" lvl="3" algn="l" rtl="0">
         <a:lnSpc>
           <a:spcPct val="100000"/>
         </a:lnSpc>
@@ -8801,7 +9060,7 @@
           <a:srgbClr val="000000"/>
         </a:buClr>
         <a:buFont typeface="Arial"/>
-        <a:defRPr b="0" i="0" sz="1400" u="none" cap="none" strike="noStrike">
+        <a:defRPr sz="1400" b="0" i="0" u="none" strike="noStrike" cap="none">
           <a:solidFill>
             <a:srgbClr val="000000"/>
           </a:solidFill>
@@ -8811,7 +9070,7 @@
           <a:sym typeface="Arial"/>
         </a:defRPr>
       </a:lvl4pPr>
-      <a:lvl5pPr lvl="4" marR="0" rtl="0" algn="l">
+      <a:lvl5pPr marR="0" lvl="4" algn="l" rtl="0">
         <a:lnSpc>
           <a:spcPct val="100000"/>
         </a:lnSpc>
@@ -8825,7 +9084,7 @@
           <a:srgbClr val="000000"/>
         </a:buClr>
         <a:buFont typeface="Arial"/>
-        <a:defRPr b="0" i="0" sz="1400" u="none" cap="none" strike="noStrike">
+        <a:defRPr sz="1400" b="0" i="0" u="none" strike="noStrike" cap="none">
           <a:solidFill>
             <a:srgbClr val="000000"/>
           </a:solidFill>
@@ -8835,7 +9094,7 @@
           <a:sym typeface="Arial"/>
         </a:defRPr>
       </a:lvl5pPr>
-      <a:lvl6pPr lvl="5" marR="0" rtl="0" algn="l">
+      <a:lvl6pPr marR="0" lvl="5" algn="l" rtl="0">
         <a:lnSpc>
           <a:spcPct val="100000"/>
         </a:lnSpc>
@@ -8849,7 +9108,7 @@
           <a:srgbClr val="000000"/>
         </a:buClr>
         <a:buFont typeface="Arial"/>
-        <a:defRPr b="0" i="0" sz="1400" u="none" cap="none" strike="noStrike">
+        <a:defRPr sz="1400" b="0" i="0" u="none" strike="noStrike" cap="none">
           <a:solidFill>
             <a:srgbClr val="000000"/>
           </a:solidFill>
@@ -8859,7 +9118,7 @@
           <a:sym typeface="Arial"/>
         </a:defRPr>
       </a:lvl6pPr>
-      <a:lvl7pPr lvl="6" marR="0" rtl="0" algn="l">
+      <a:lvl7pPr marR="0" lvl="6" algn="l" rtl="0">
         <a:lnSpc>
           <a:spcPct val="100000"/>
         </a:lnSpc>
@@ -8873,7 +9132,7 @@
           <a:srgbClr val="000000"/>
         </a:buClr>
         <a:buFont typeface="Arial"/>
-        <a:defRPr b="0" i="0" sz="1400" u="none" cap="none" strike="noStrike">
+        <a:defRPr sz="1400" b="0" i="0" u="none" strike="noStrike" cap="none">
           <a:solidFill>
             <a:srgbClr val="000000"/>
           </a:solidFill>
@@ -8883,7 +9142,7 @@
           <a:sym typeface="Arial"/>
         </a:defRPr>
       </a:lvl7pPr>
-      <a:lvl8pPr lvl="7" marR="0" rtl="0" algn="l">
+      <a:lvl8pPr marR="0" lvl="7" algn="l" rtl="0">
         <a:lnSpc>
           <a:spcPct val="100000"/>
         </a:lnSpc>
@@ -8897,7 +9156,7 @@
           <a:srgbClr val="000000"/>
         </a:buClr>
         <a:buFont typeface="Arial"/>
-        <a:defRPr b="0" i="0" sz="1400" u="none" cap="none" strike="noStrike">
+        <a:defRPr sz="1400" b="0" i="0" u="none" strike="noStrike" cap="none">
           <a:solidFill>
             <a:srgbClr val="000000"/>
           </a:solidFill>
@@ -8907,7 +9166,7 @@
           <a:sym typeface="Arial"/>
         </a:defRPr>
       </a:lvl8pPr>
-      <a:lvl9pPr lvl="8" marR="0" rtl="0" algn="l">
+      <a:lvl9pPr marR="0" lvl="8" algn="l" rtl="0">
         <a:lnSpc>
           <a:spcPct val="100000"/>
         </a:lnSpc>
@@ -8921,7 +9180,7 @@
           <a:srgbClr val="000000"/>
         </a:buClr>
         <a:buFont typeface="Arial"/>
-        <a:defRPr b="0" i="0" sz="1400" u="none" cap="none" strike="noStrike">
+        <a:defRPr sz="1400" b="0" i="0" u="none" strike="noStrike" cap="none">
           <a:solidFill>
             <a:srgbClr val="000000"/>
           </a:solidFill>
@@ -8937,11 +9196,11 @@
 </file>
 
 <file path=ppt/slides/slide1.xml><?xml version="1.0" encoding="utf-8"?>
-<p:sld xmlns:a="http://schemas.openxmlformats.org/drawingml/2006/main" xmlns:r="http://schemas.openxmlformats.org/officeDocument/2006/relationships" xmlns:mc="http://schemas.openxmlformats.org/markup-compatibility/2006" xmlns:mv="urn:schemas-microsoft-com:mac:vml" xmlns:p="http://schemas.openxmlformats.org/presentationml/2006/main" xmlns:c="http://schemas.openxmlformats.org/drawingml/2006/chart" xmlns:dgm="http://schemas.openxmlformats.org/drawingml/2006/diagram" xmlns:o="urn:schemas-microsoft-com:office:office" xmlns:v="urn:schemas-microsoft-com:vml" xmlns:pvml="urn:schemas-microsoft-com:office:powerpoint" xmlns:com="http://schemas.openxmlformats.org/drawingml/2006/compatibility" xmlns:p14="http://schemas.microsoft.com/office/powerpoint/2010/main" xmlns:p15="http://schemas.microsoft.com/office/powerpoint/2012/main">
+<p:sld xmlns:a="http://schemas.openxmlformats.org/drawingml/2006/main" xmlns:r="http://schemas.openxmlformats.org/officeDocument/2006/relationships" xmlns:p="http://schemas.openxmlformats.org/presentationml/2006/main">
   <p:cSld>
     <p:spTree>
       <p:nvGrpSpPr>
-        <p:cNvPr id="85" name="Shape 85"/>
+        <p:cNvPr id="1" name="Shape 85"/>
         <p:cNvGrpSpPr/>
         <p:nvPr/>
       </p:nvGrpSpPr>
@@ -8956,7 +9215,9 @@
       <p:sp>
         <p:nvSpPr>
           <p:cNvPr id="86" name="Shape 86"/>
-          <p:cNvSpPr txBox="1"/>
+          <p:cNvSpPr txBox="1">
+            <a:spLocks noGrp="1"/>
+          </p:cNvSpPr>
           <p:nvPr>
             <p:ph type="ctrTitle"/>
           </p:nvPr>
@@ -8971,12 +9232,12 @@
           </a:prstGeom>
         </p:spPr>
         <p:txBody>
-          <a:bodyPr anchorCtr="0" anchor="t" bIns="91425" lIns="91425" spcFirstLastPara="1" rIns="91425" wrap="square" tIns="91425">
+          <a:bodyPr spcFirstLastPara="1" wrap="square" lIns="91425" tIns="91425" rIns="91425" bIns="91425" anchor="t" anchorCtr="0">
             <a:noAutofit/>
           </a:bodyPr>
           <a:lstStyle/>
           <a:p>
-            <a:pPr indent="0" lvl="0" marL="0">
+            <a:pPr marL="0" lvl="0" indent="0">
               <a:spcBef>
                 <a:spcPts val="0"/>
               </a:spcBef>
@@ -8992,7 +9253,7 @@
             <a:endParaRPr/>
           </a:p>
           <a:p>
-            <a:pPr indent="0" lvl="0" marL="0">
+            <a:pPr marL="0" lvl="0" indent="0">
               <a:spcBef>
                 <a:spcPts val="0"/>
               </a:spcBef>
@@ -9008,7 +9269,7 @@
             <a:endParaRPr/>
           </a:p>
           <a:p>
-            <a:pPr indent="0" lvl="0" marL="0">
+            <a:pPr marL="0" lvl="0" indent="0">
               <a:spcBef>
                 <a:spcPts val="0"/>
               </a:spcBef>
@@ -9017,9 +9278,6 @@
               </a:spcAft>
               <a:buNone/>
             </a:pPr>
-            <a:r>
-              <a:t/>
-            </a:r>
             <a:endParaRPr/>
           </a:p>
         </p:txBody>
@@ -9027,9 +9285,11 @@
       <p:sp>
         <p:nvSpPr>
           <p:cNvPr id="87" name="Shape 87"/>
-          <p:cNvSpPr txBox="1"/>
+          <p:cNvSpPr txBox="1">
+            <a:spLocks noGrp="1"/>
+          </p:cNvSpPr>
           <p:nvPr>
-            <p:ph idx="1" type="subTitle"/>
+            <p:ph type="subTitle" idx="1"/>
           </p:nvPr>
         </p:nvSpPr>
         <p:spPr>
@@ -9042,12 +9302,12 @@
           </a:prstGeom>
         </p:spPr>
         <p:txBody>
-          <a:bodyPr anchorCtr="0" anchor="t" bIns="91425" lIns="91425" spcFirstLastPara="1" rIns="91425" wrap="square" tIns="91425">
+          <a:bodyPr spcFirstLastPara="1" wrap="square" lIns="91425" tIns="91425" rIns="91425" bIns="91425" anchor="t" anchorCtr="0">
             <a:noAutofit/>
           </a:bodyPr>
           <a:lstStyle/>
           <a:p>
-            <a:pPr indent="0" lvl="0" marL="0">
+            <a:pPr marL="0" lvl="0" indent="0">
               <a:spcBef>
                 <a:spcPts val="0"/>
               </a:spcBef>
@@ -9057,16 +9317,40 @@
               <a:buNone/>
             </a:pPr>
             <a:r>
+              <a:rPr lang="pt-BR" dirty="0"/>
+              <a:t>Leonardo </a:t>
+            </a:r>
+            <a:r>
+              <a:rPr lang="pt-BR" dirty="0" err="1" smtClean="0"/>
+              <a:t>Mollmann</a:t>
+            </a:r>
+            <a:r>
               <a:rPr lang="pt-BR"/>
-              <a:t>Leonardo Mollmann, Lucas Alves e Wagner Osório</a:t>
+              <a:t> </a:t>
             </a:r>
-            <a:endParaRPr/>
+            <a:r>
+              <a:rPr lang="pt-BR" smtClean="0"/>
+              <a:t>e</a:t>
+            </a:r>
+            <a:r>
+              <a:rPr lang="pt-BR" smtClean="0"/>
+              <a:t> </a:t>
+            </a:r>
+            <a:r>
+              <a:rPr lang="pt-BR"/>
+              <a:t>Lucas </a:t>
+            </a:r>
+            <a:r>
+              <a:rPr lang="pt-BR" smtClean="0"/>
+              <a:t>Alves</a:t>
+            </a:r>
+            <a:endParaRPr dirty="0"/>
           </a:p>
         </p:txBody>
       </p:sp>
       <p:pic>
         <p:nvPicPr>
-          <p:cNvPr descr="aaa.png" id="88" name="Shape 88"/>
+          <p:cNvPr id="88" name="Shape 88" descr="aaa.png"/>
           <p:cNvPicPr preferRelativeResize="0"/>
           <p:nvPr/>
         </p:nvPicPr>
@@ -9101,11 +9385,11 @@
 </file>
 
 <file path=ppt/slides/slide10.xml><?xml version="1.0" encoding="utf-8"?>
-<p:sld xmlns:a="http://schemas.openxmlformats.org/drawingml/2006/main" xmlns:r="http://schemas.openxmlformats.org/officeDocument/2006/relationships" xmlns:mc="http://schemas.openxmlformats.org/markup-compatibility/2006" xmlns:mv="urn:schemas-microsoft-com:mac:vml" xmlns:p="http://schemas.openxmlformats.org/presentationml/2006/main" xmlns:c="http://schemas.openxmlformats.org/drawingml/2006/chart" xmlns:dgm="http://schemas.openxmlformats.org/drawingml/2006/diagram" xmlns:o="urn:schemas-microsoft-com:office:office" xmlns:v="urn:schemas-microsoft-com:vml" xmlns:pvml="urn:schemas-microsoft-com:office:powerpoint" xmlns:com="http://schemas.openxmlformats.org/drawingml/2006/compatibility" xmlns:p14="http://schemas.microsoft.com/office/powerpoint/2010/main" xmlns:p15="http://schemas.microsoft.com/office/powerpoint/2012/main">
+<p:sld xmlns:a="http://schemas.openxmlformats.org/drawingml/2006/main" xmlns:r="http://schemas.openxmlformats.org/officeDocument/2006/relationships" xmlns:p="http://schemas.openxmlformats.org/presentationml/2006/main">
   <p:cSld>
     <p:spTree>
       <p:nvGrpSpPr>
-        <p:cNvPr id="154" name="Shape 154"/>
+        <p:cNvPr id="1" name="Shape 154"/>
         <p:cNvGrpSpPr/>
         <p:nvPr/>
       </p:nvGrpSpPr>
@@ -9120,7 +9404,9 @@
       <p:sp>
         <p:nvSpPr>
           <p:cNvPr id="155" name="Shape 155"/>
-          <p:cNvSpPr txBox="1"/>
+          <p:cNvSpPr txBox="1">
+            <a:spLocks noGrp="1"/>
+          </p:cNvSpPr>
           <p:nvPr>
             <p:ph type="title"/>
           </p:nvPr>
@@ -9135,12 +9421,12 @@
           </a:prstGeom>
         </p:spPr>
         <p:txBody>
-          <a:bodyPr anchorCtr="0" anchor="t" bIns="91425" lIns="91425" spcFirstLastPara="1" rIns="91425" wrap="square" tIns="91425">
+          <a:bodyPr spcFirstLastPara="1" wrap="square" lIns="91425" tIns="91425" rIns="91425" bIns="91425" anchor="t" anchorCtr="0">
             <a:noAutofit/>
           </a:bodyPr>
           <a:lstStyle/>
           <a:p>
-            <a:pPr indent="0" lvl="0" marL="0" rtl="0">
+            <a:pPr marL="0" lvl="0" indent="0" rtl="0">
               <a:spcBef>
                 <a:spcPts val="0"/>
               </a:spcBef>
@@ -9177,12 +9463,12 @@
           </a:ln>
         </p:spPr>
         <p:txBody>
-          <a:bodyPr anchorCtr="0" anchor="t" bIns="91425" lIns="91425" spcFirstLastPara="1" rIns="91425" wrap="square" tIns="91425">
+          <a:bodyPr spcFirstLastPara="1" wrap="square" lIns="91425" tIns="91425" rIns="91425" bIns="91425" anchor="t" anchorCtr="0">
             <a:noAutofit/>
           </a:bodyPr>
           <a:lstStyle/>
           <a:p>
-            <a:pPr indent="-317500" lvl="0" marL="457200" rtl="0">
+            <a:pPr marL="457200" lvl="0" indent="-317500" rtl="0">
               <a:spcBef>
                 <a:spcPts val="0"/>
               </a:spcBef>
@@ -9199,7 +9485,7 @@
             <a:endParaRPr/>
           </a:p>
           <a:p>
-            <a:pPr indent="-317500" lvl="0" marL="457200" rtl="0">
+            <a:pPr marL="457200" lvl="0" indent="-317500" rtl="0">
               <a:spcBef>
                 <a:spcPts val="0"/>
               </a:spcBef>
@@ -9216,7 +9502,7 @@
             <a:endParaRPr/>
           </a:p>
           <a:p>
-            <a:pPr indent="-317500" lvl="0" marL="457200" rtl="0">
+            <a:pPr marL="457200" lvl="0" indent="-317500" rtl="0">
               <a:spcBef>
                 <a:spcPts val="0"/>
               </a:spcBef>
@@ -9271,11 +9557,11 @@
 </file>
 
 <file path=ppt/slides/slide11.xml><?xml version="1.0" encoding="utf-8"?>
-<p:sld xmlns:a="http://schemas.openxmlformats.org/drawingml/2006/main" xmlns:r="http://schemas.openxmlformats.org/officeDocument/2006/relationships" xmlns:mc="http://schemas.openxmlformats.org/markup-compatibility/2006" xmlns:mv="urn:schemas-microsoft-com:mac:vml" xmlns:p="http://schemas.openxmlformats.org/presentationml/2006/main" xmlns:c="http://schemas.openxmlformats.org/drawingml/2006/chart" xmlns:dgm="http://schemas.openxmlformats.org/drawingml/2006/diagram" xmlns:o="urn:schemas-microsoft-com:office:office" xmlns:v="urn:schemas-microsoft-com:vml" xmlns:pvml="urn:schemas-microsoft-com:office:powerpoint" xmlns:com="http://schemas.openxmlformats.org/drawingml/2006/compatibility" xmlns:p14="http://schemas.microsoft.com/office/powerpoint/2010/main" xmlns:p15="http://schemas.microsoft.com/office/powerpoint/2012/main">
+<p:sld xmlns:a="http://schemas.openxmlformats.org/drawingml/2006/main" xmlns:r="http://schemas.openxmlformats.org/officeDocument/2006/relationships" xmlns:p="http://schemas.openxmlformats.org/presentationml/2006/main">
   <p:cSld>
     <p:spTree>
       <p:nvGrpSpPr>
-        <p:cNvPr id="161" name="Shape 161"/>
+        <p:cNvPr id="1" name="Shape 161"/>
         <p:cNvGrpSpPr/>
         <p:nvPr/>
       </p:nvGrpSpPr>
@@ -9290,7 +9576,9 @@
       <p:sp>
         <p:nvSpPr>
           <p:cNvPr id="162" name="Shape 162"/>
-          <p:cNvSpPr txBox="1"/>
+          <p:cNvSpPr txBox="1">
+            <a:spLocks noGrp="1"/>
+          </p:cNvSpPr>
           <p:nvPr>
             <p:ph type="title"/>
           </p:nvPr>
@@ -9305,12 +9593,12 @@
           </a:prstGeom>
         </p:spPr>
         <p:txBody>
-          <a:bodyPr anchorCtr="0" anchor="t" bIns="91425" lIns="91425" spcFirstLastPara="1" rIns="91425" wrap="square" tIns="91425">
+          <a:bodyPr spcFirstLastPara="1" wrap="square" lIns="91425" tIns="91425" rIns="91425" bIns="91425" anchor="t" anchorCtr="0">
             <a:noAutofit/>
           </a:bodyPr>
           <a:lstStyle/>
           <a:p>
-            <a:pPr indent="0" lvl="0" marL="0" rtl="0">
+            <a:pPr marL="0" lvl="0" indent="0" rtl="0">
               <a:spcBef>
                 <a:spcPts val="0"/>
               </a:spcBef>
@@ -9347,12 +9635,12 @@
           </a:ln>
         </p:spPr>
         <p:txBody>
-          <a:bodyPr anchorCtr="0" anchor="t" bIns="91425" lIns="91425" spcFirstLastPara="1" rIns="91425" wrap="square" tIns="91425">
+          <a:bodyPr spcFirstLastPara="1" wrap="square" lIns="91425" tIns="91425" rIns="91425" bIns="91425" anchor="t" anchorCtr="0">
             <a:noAutofit/>
           </a:bodyPr>
           <a:lstStyle/>
           <a:p>
-            <a:pPr indent="-317500" lvl="0" marL="457200" rtl="0">
+            <a:pPr marL="457200" lvl="0" indent="-317500" rtl="0">
               <a:spcBef>
                 <a:spcPts val="0"/>
               </a:spcBef>
@@ -9369,7 +9657,7 @@
             <a:endParaRPr/>
           </a:p>
           <a:p>
-            <a:pPr indent="-317500" lvl="0" marL="457200" rtl="0">
+            <a:pPr marL="457200" lvl="0" indent="-317500" rtl="0">
               <a:spcBef>
                 <a:spcPts val="0"/>
               </a:spcBef>
@@ -9381,11 +9669,7 @@
             </a:pPr>
             <a:r>
               <a:rPr lang="pt-BR"/>
-              <a:t>Múltiplos</a:t>
-            </a:r>
-            <a:r>
-              <a:rPr lang="pt-BR"/>
-              <a:t> cadastros simultaneamente</a:t>
+              <a:t>Múltiplos cadastros simultaneamente</a:t>
             </a:r>
             <a:endParaRPr/>
           </a:p>
@@ -9428,11 +9712,11 @@
 </file>
 
 <file path=ppt/slides/slide12.xml><?xml version="1.0" encoding="utf-8"?>
-<p:sld xmlns:a="http://schemas.openxmlformats.org/drawingml/2006/main" xmlns:r="http://schemas.openxmlformats.org/officeDocument/2006/relationships" xmlns:mc="http://schemas.openxmlformats.org/markup-compatibility/2006" xmlns:mv="urn:schemas-microsoft-com:mac:vml" xmlns:p="http://schemas.openxmlformats.org/presentationml/2006/main" xmlns:c="http://schemas.openxmlformats.org/drawingml/2006/chart" xmlns:dgm="http://schemas.openxmlformats.org/drawingml/2006/diagram" xmlns:o="urn:schemas-microsoft-com:office:office" xmlns:v="urn:schemas-microsoft-com:vml" xmlns:pvml="urn:schemas-microsoft-com:office:powerpoint" xmlns:com="http://schemas.openxmlformats.org/drawingml/2006/compatibility" xmlns:p14="http://schemas.microsoft.com/office/powerpoint/2010/main" xmlns:p15="http://schemas.microsoft.com/office/powerpoint/2012/main">
+<p:sld xmlns:a="http://schemas.openxmlformats.org/drawingml/2006/main" xmlns:r="http://schemas.openxmlformats.org/officeDocument/2006/relationships" xmlns:p="http://schemas.openxmlformats.org/presentationml/2006/main">
   <p:cSld>
     <p:spTree>
       <p:nvGrpSpPr>
-        <p:cNvPr id="168" name="Shape 168"/>
+        <p:cNvPr id="1" name="Shape 168"/>
         <p:cNvGrpSpPr/>
         <p:nvPr/>
       </p:nvGrpSpPr>
@@ -9447,7 +9731,9 @@
       <p:sp>
         <p:nvSpPr>
           <p:cNvPr id="169" name="Shape 169"/>
-          <p:cNvSpPr txBox="1"/>
+          <p:cNvSpPr txBox="1">
+            <a:spLocks noGrp="1"/>
+          </p:cNvSpPr>
           <p:nvPr>
             <p:ph type="title"/>
           </p:nvPr>
@@ -9462,12 +9748,12 @@
           </a:prstGeom>
         </p:spPr>
         <p:txBody>
-          <a:bodyPr anchorCtr="0" anchor="t" bIns="91425" lIns="91425" spcFirstLastPara="1" rIns="91425" wrap="square" tIns="91425">
+          <a:bodyPr spcFirstLastPara="1" wrap="square" lIns="91425" tIns="91425" rIns="91425" bIns="91425" anchor="t" anchorCtr="0">
             <a:noAutofit/>
           </a:bodyPr>
           <a:lstStyle/>
           <a:p>
-            <a:pPr indent="0" lvl="0" marL="0" rtl="0">
+            <a:pPr marL="0" lvl="0" indent="0" rtl="0">
               <a:spcBef>
                 <a:spcPts val="0"/>
               </a:spcBef>
@@ -9504,12 +9790,12 @@
           </a:ln>
         </p:spPr>
         <p:txBody>
-          <a:bodyPr anchorCtr="0" anchor="t" bIns="91425" lIns="91425" spcFirstLastPara="1" rIns="91425" wrap="square" tIns="91425">
+          <a:bodyPr spcFirstLastPara="1" wrap="square" lIns="91425" tIns="91425" rIns="91425" bIns="91425" anchor="t" anchorCtr="0">
             <a:noAutofit/>
           </a:bodyPr>
           <a:lstStyle/>
           <a:p>
-            <a:pPr indent="-317500" lvl="0" marL="457200" rtl="0">
+            <a:pPr marL="457200" lvl="0" indent="-317500" rtl="0">
               <a:spcBef>
                 <a:spcPts val="0"/>
               </a:spcBef>
@@ -9526,7 +9812,7 @@
             <a:endParaRPr/>
           </a:p>
           <a:p>
-            <a:pPr indent="-317500" lvl="0" marL="457200" rtl="0">
+            <a:pPr marL="457200" lvl="0" indent="-317500" rtl="0">
               <a:spcBef>
                 <a:spcPts val="0"/>
               </a:spcBef>
@@ -9581,11 +9867,11 @@
 </file>
 
 <file path=ppt/slides/slide13.xml><?xml version="1.0" encoding="utf-8"?>
-<p:sld xmlns:a="http://schemas.openxmlformats.org/drawingml/2006/main" xmlns:r="http://schemas.openxmlformats.org/officeDocument/2006/relationships" xmlns:mc="http://schemas.openxmlformats.org/markup-compatibility/2006" xmlns:mv="urn:schemas-microsoft-com:mac:vml" xmlns:p="http://schemas.openxmlformats.org/presentationml/2006/main" xmlns:c="http://schemas.openxmlformats.org/drawingml/2006/chart" xmlns:dgm="http://schemas.openxmlformats.org/drawingml/2006/diagram" xmlns:o="urn:schemas-microsoft-com:office:office" xmlns:v="urn:schemas-microsoft-com:vml" xmlns:pvml="urn:schemas-microsoft-com:office:powerpoint" xmlns:com="http://schemas.openxmlformats.org/drawingml/2006/compatibility" xmlns:p14="http://schemas.microsoft.com/office/powerpoint/2010/main" xmlns:p15="http://schemas.microsoft.com/office/powerpoint/2012/main">
+<p:sld xmlns:a="http://schemas.openxmlformats.org/drawingml/2006/main" xmlns:r="http://schemas.openxmlformats.org/officeDocument/2006/relationships" xmlns:p="http://schemas.openxmlformats.org/presentationml/2006/main">
   <p:cSld>
     <p:spTree>
       <p:nvGrpSpPr>
-        <p:cNvPr id="175" name="Shape 175"/>
+        <p:cNvPr id="1" name="Shape 175"/>
         <p:cNvGrpSpPr/>
         <p:nvPr/>
       </p:nvGrpSpPr>
@@ -9600,7 +9886,9 @@
       <p:sp>
         <p:nvSpPr>
           <p:cNvPr id="176" name="Shape 176"/>
-          <p:cNvSpPr txBox="1"/>
+          <p:cNvSpPr txBox="1">
+            <a:spLocks noGrp="1"/>
+          </p:cNvSpPr>
           <p:nvPr>
             <p:ph type="title"/>
           </p:nvPr>
@@ -9615,12 +9903,12 @@
           </a:prstGeom>
         </p:spPr>
         <p:txBody>
-          <a:bodyPr anchorCtr="0" anchor="t" bIns="91425" lIns="91425" spcFirstLastPara="1" rIns="91425" wrap="square" tIns="91425">
+          <a:bodyPr spcFirstLastPara="1" wrap="square" lIns="91425" tIns="91425" rIns="91425" bIns="91425" anchor="t" anchorCtr="0">
             <a:noAutofit/>
           </a:bodyPr>
           <a:lstStyle/>
           <a:p>
-            <a:pPr indent="0" lvl="0" marL="0" rtl="0">
+            <a:pPr marL="0" lvl="0" indent="0" rtl="0">
               <a:spcBef>
                 <a:spcPts val="0"/>
               </a:spcBef>
@@ -9657,12 +9945,12 @@
           </a:ln>
         </p:spPr>
         <p:txBody>
-          <a:bodyPr anchorCtr="0" anchor="t" bIns="91425" lIns="91425" spcFirstLastPara="1" rIns="91425" wrap="square" tIns="91425">
+          <a:bodyPr spcFirstLastPara="1" wrap="square" lIns="91425" tIns="91425" rIns="91425" bIns="91425" anchor="t" anchorCtr="0">
             <a:noAutofit/>
           </a:bodyPr>
           <a:lstStyle/>
           <a:p>
-            <a:pPr indent="-317500" lvl="0" marL="457200" rtl="0">
+            <a:pPr marL="457200" lvl="0" indent="-317500" rtl="0">
               <a:spcBef>
                 <a:spcPts val="0"/>
               </a:spcBef>
@@ -9679,7 +9967,7 @@
             <a:endParaRPr/>
           </a:p>
           <a:p>
-            <a:pPr indent="-317500" lvl="0" marL="457200" rtl="0">
+            <a:pPr marL="457200" lvl="0" indent="-317500" rtl="0">
               <a:spcBef>
                 <a:spcPts val="0"/>
               </a:spcBef>
@@ -9734,11 +10022,11 @@
 </file>
 
 <file path=ppt/slides/slide14.xml><?xml version="1.0" encoding="utf-8"?>
-<p:sld xmlns:a="http://schemas.openxmlformats.org/drawingml/2006/main" xmlns:r="http://schemas.openxmlformats.org/officeDocument/2006/relationships" xmlns:mc="http://schemas.openxmlformats.org/markup-compatibility/2006" xmlns:mv="urn:schemas-microsoft-com:mac:vml" xmlns:p="http://schemas.openxmlformats.org/presentationml/2006/main" xmlns:c="http://schemas.openxmlformats.org/drawingml/2006/chart" xmlns:dgm="http://schemas.openxmlformats.org/drawingml/2006/diagram" xmlns:o="urn:schemas-microsoft-com:office:office" xmlns:v="urn:schemas-microsoft-com:vml" xmlns:pvml="urn:schemas-microsoft-com:office:powerpoint" xmlns:com="http://schemas.openxmlformats.org/drawingml/2006/compatibility" xmlns:p14="http://schemas.microsoft.com/office/powerpoint/2010/main" xmlns:p15="http://schemas.microsoft.com/office/powerpoint/2012/main">
+<p:sld xmlns:a="http://schemas.openxmlformats.org/drawingml/2006/main" xmlns:r="http://schemas.openxmlformats.org/officeDocument/2006/relationships" xmlns:p="http://schemas.openxmlformats.org/presentationml/2006/main">
   <p:cSld>
     <p:spTree>
       <p:nvGrpSpPr>
-        <p:cNvPr id="182" name="Shape 182"/>
+        <p:cNvPr id="1" name="Shape 182"/>
         <p:cNvGrpSpPr/>
         <p:nvPr/>
       </p:nvGrpSpPr>
@@ -9753,7 +10041,9 @@
       <p:sp>
         <p:nvSpPr>
           <p:cNvPr id="183" name="Shape 183"/>
-          <p:cNvSpPr txBox="1"/>
+          <p:cNvSpPr txBox="1">
+            <a:spLocks noGrp="1"/>
+          </p:cNvSpPr>
           <p:nvPr>
             <p:ph type="title"/>
           </p:nvPr>
@@ -9768,12 +10058,12 @@
           </a:prstGeom>
         </p:spPr>
         <p:txBody>
-          <a:bodyPr anchorCtr="0" anchor="t" bIns="91425" lIns="91425" spcFirstLastPara="1" rIns="91425" wrap="square" tIns="91425">
+          <a:bodyPr spcFirstLastPara="1" wrap="square" lIns="91425" tIns="91425" rIns="91425" bIns="91425" anchor="t" anchorCtr="0">
             <a:noAutofit/>
           </a:bodyPr>
           <a:lstStyle/>
           <a:p>
-            <a:pPr indent="0" lvl="0" marL="0" rtl="0">
+            <a:pPr marL="0" lvl="0" indent="0" rtl="0">
               <a:spcBef>
                 <a:spcPts val="0"/>
               </a:spcBef>
@@ -9810,12 +10100,12 @@
           </a:ln>
         </p:spPr>
         <p:txBody>
-          <a:bodyPr anchorCtr="0" anchor="t" bIns="91425" lIns="91425" spcFirstLastPara="1" rIns="91425" wrap="square" tIns="91425">
+          <a:bodyPr spcFirstLastPara="1" wrap="square" lIns="91425" tIns="91425" rIns="91425" bIns="91425" anchor="t" anchorCtr="0">
             <a:noAutofit/>
           </a:bodyPr>
           <a:lstStyle/>
           <a:p>
-            <a:pPr indent="-317500" lvl="0" marL="457200" rtl="0">
+            <a:pPr marL="457200" lvl="0" indent="-317500" rtl="0">
               <a:spcBef>
                 <a:spcPts val="0"/>
               </a:spcBef>
@@ -9832,7 +10122,7 @@
             <a:endParaRPr/>
           </a:p>
           <a:p>
-            <a:pPr indent="-317500" lvl="0" marL="457200" rtl="0">
+            <a:pPr marL="457200" lvl="0" indent="-317500" rtl="0">
               <a:spcBef>
                 <a:spcPts val="0"/>
               </a:spcBef>
@@ -9849,7 +10139,7 @@
             <a:endParaRPr/>
           </a:p>
           <a:p>
-            <a:pPr indent="-317500" lvl="0" marL="457200" rtl="0">
+            <a:pPr marL="457200" lvl="0" indent="-317500" rtl="0">
               <a:spcBef>
                 <a:spcPts val="0"/>
               </a:spcBef>
@@ -9904,11 +10194,11 @@
 </file>
 
 <file path=ppt/slides/slide15.xml><?xml version="1.0" encoding="utf-8"?>
-<p:sld xmlns:a="http://schemas.openxmlformats.org/drawingml/2006/main" xmlns:r="http://schemas.openxmlformats.org/officeDocument/2006/relationships" xmlns:mc="http://schemas.openxmlformats.org/markup-compatibility/2006" xmlns:mv="urn:schemas-microsoft-com:mac:vml" xmlns:p="http://schemas.openxmlformats.org/presentationml/2006/main" xmlns:c="http://schemas.openxmlformats.org/drawingml/2006/chart" xmlns:dgm="http://schemas.openxmlformats.org/drawingml/2006/diagram" xmlns:o="urn:schemas-microsoft-com:office:office" xmlns:v="urn:schemas-microsoft-com:vml" xmlns:pvml="urn:schemas-microsoft-com:office:powerpoint" xmlns:com="http://schemas.openxmlformats.org/drawingml/2006/compatibility" xmlns:p14="http://schemas.microsoft.com/office/powerpoint/2010/main" xmlns:p15="http://schemas.microsoft.com/office/powerpoint/2012/main">
+<p:sld xmlns:a="http://schemas.openxmlformats.org/drawingml/2006/main" xmlns:r="http://schemas.openxmlformats.org/officeDocument/2006/relationships" xmlns:p="http://schemas.openxmlformats.org/presentationml/2006/main">
   <p:cSld>
     <p:spTree>
       <p:nvGrpSpPr>
-        <p:cNvPr id="189" name="Shape 189"/>
+        <p:cNvPr id="1" name="Shape 189"/>
         <p:cNvGrpSpPr/>
         <p:nvPr/>
       </p:nvGrpSpPr>
@@ -9923,7 +10213,9 @@
       <p:sp>
         <p:nvSpPr>
           <p:cNvPr id="190" name="Shape 190"/>
-          <p:cNvSpPr txBox="1"/>
+          <p:cNvSpPr txBox="1">
+            <a:spLocks noGrp="1"/>
+          </p:cNvSpPr>
           <p:nvPr>
             <p:ph type="title"/>
           </p:nvPr>
@@ -9938,12 +10230,12 @@
           </a:prstGeom>
         </p:spPr>
         <p:txBody>
-          <a:bodyPr anchorCtr="0" anchor="t" bIns="91425" lIns="91425" spcFirstLastPara="1" rIns="91425" wrap="square" tIns="91425">
+          <a:bodyPr spcFirstLastPara="1" wrap="square" lIns="91425" tIns="91425" rIns="91425" bIns="91425" anchor="t" anchorCtr="0">
             <a:noAutofit/>
           </a:bodyPr>
           <a:lstStyle/>
           <a:p>
-            <a:pPr indent="0" lvl="0" marL="0" rtl="0">
+            <a:pPr marL="0" lvl="0" indent="0" rtl="0">
               <a:spcBef>
                 <a:spcPts val="0"/>
               </a:spcBef>
@@ -9980,12 +10272,12 @@
           </a:ln>
         </p:spPr>
         <p:txBody>
-          <a:bodyPr anchorCtr="0" anchor="t" bIns="91425" lIns="91425" spcFirstLastPara="1" rIns="91425" wrap="square" tIns="91425">
+          <a:bodyPr spcFirstLastPara="1" wrap="square" lIns="91425" tIns="91425" rIns="91425" bIns="91425" anchor="t" anchorCtr="0">
             <a:noAutofit/>
           </a:bodyPr>
           <a:lstStyle/>
           <a:p>
-            <a:pPr indent="-317500" lvl="0" marL="457200" rtl="0">
+            <a:pPr marL="457200" lvl="0" indent="-317500" rtl="0">
               <a:spcBef>
                 <a:spcPts val="0"/>
               </a:spcBef>
@@ -9997,16 +10289,12 @@
             </a:pPr>
             <a:r>
               <a:rPr lang="pt-BR"/>
-              <a:t>Envia</a:t>
-            </a:r>
-            <a:r>
-              <a:rPr lang="pt-BR"/>
-              <a:t> qualquer comando SQL</a:t>
+              <a:t>Envia qualquer comando SQL</a:t>
             </a:r>
             <a:endParaRPr/>
           </a:p>
           <a:p>
-            <a:pPr indent="-317500" lvl="0" marL="457200" rtl="0">
+            <a:pPr marL="457200" lvl="0" indent="-317500" rtl="0">
               <a:spcBef>
                 <a:spcPts val="0"/>
               </a:spcBef>
@@ -10061,11 +10349,11 @@
 </file>
 
 <file path=ppt/slides/slide16.xml><?xml version="1.0" encoding="utf-8"?>
-<p:sld xmlns:a="http://schemas.openxmlformats.org/drawingml/2006/main" xmlns:r="http://schemas.openxmlformats.org/officeDocument/2006/relationships" xmlns:mc="http://schemas.openxmlformats.org/markup-compatibility/2006" xmlns:mv="urn:schemas-microsoft-com:mac:vml" xmlns:p="http://schemas.openxmlformats.org/presentationml/2006/main" xmlns:c="http://schemas.openxmlformats.org/drawingml/2006/chart" xmlns:dgm="http://schemas.openxmlformats.org/drawingml/2006/diagram" xmlns:o="urn:schemas-microsoft-com:office:office" xmlns:v="urn:schemas-microsoft-com:vml" xmlns:pvml="urn:schemas-microsoft-com:office:powerpoint" xmlns:com="http://schemas.openxmlformats.org/drawingml/2006/compatibility" xmlns:p14="http://schemas.microsoft.com/office/powerpoint/2010/main" xmlns:p15="http://schemas.microsoft.com/office/powerpoint/2012/main">
+<p:sld xmlns:a="http://schemas.openxmlformats.org/drawingml/2006/main" xmlns:r="http://schemas.openxmlformats.org/officeDocument/2006/relationships" xmlns:p="http://schemas.openxmlformats.org/presentationml/2006/main">
   <p:cSld>
     <p:spTree>
       <p:nvGrpSpPr>
-        <p:cNvPr id="196" name="Shape 196"/>
+        <p:cNvPr id="1" name="Shape 196"/>
         <p:cNvGrpSpPr/>
         <p:nvPr/>
       </p:nvGrpSpPr>
@@ -10080,7 +10368,9 @@
       <p:sp>
         <p:nvSpPr>
           <p:cNvPr id="197" name="Shape 197"/>
-          <p:cNvSpPr txBox="1"/>
+          <p:cNvSpPr txBox="1">
+            <a:spLocks noGrp="1"/>
+          </p:cNvSpPr>
           <p:nvPr>
             <p:ph type="title"/>
           </p:nvPr>
@@ -10095,12 +10385,12 @@
           </a:prstGeom>
         </p:spPr>
         <p:txBody>
-          <a:bodyPr anchorCtr="0" anchor="t" bIns="91425" lIns="91425" spcFirstLastPara="1" rIns="91425" wrap="square" tIns="91425">
+          <a:bodyPr spcFirstLastPara="1" wrap="square" lIns="91425" tIns="91425" rIns="91425" bIns="91425" anchor="t" anchorCtr="0">
             <a:noAutofit/>
           </a:bodyPr>
           <a:lstStyle/>
           <a:p>
-            <a:pPr indent="0" lvl="0" marL="0" rtl="0">
+            <a:pPr marL="0" lvl="0" indent="0" rtl="0">
               <a:spcBef>
                 <a:spcPts val="0"/>
               </a:spcBef>
@@ -10210,11 +10500,11 @@
 </file>
 
 <file path=ppt/slides/slide17.xml><?xml version="1.0" encoding="utf-8"?>
-<p:sld xmlns:a="http://schemas.openxmlformats.org/drawingml/2006/main" xmlns:r="http://schemas.openxmlformats.org/officeDocument/2006/relationships" xmlns:mc="http://schemas.openxmlformats.org/markup-compatibility/2006" xmlns:mv="urn:schemas-microsoft-com:mac:vml" xmlns:p="http://schemas.openxmlformats.org/presentationml/2006/main" xmlns:c="http://schemas.openxmlformats.org/drawingml/2006/chart" xmlns:dgm="http://schemas.openxmlformats.org/drawingml/2006/diagram" xmlns:o="urn:schemas-microsoft-com:office:office" xmlns:v="urn:schemas-microsoft-com:vml" xmlns:pvml="urn:schemas-microsoft-com:office:powerpoint" xmlns:com="http://schemas.openxmlformats.org/drawingml/2006/compatibility" xmlns:p14="http://schemas.microsoft.com/office/powerpoint/2010/main" xmlns:p15="http://schemas.microsoft.com/office/powerpoint/2012/main">
+<p:sld xmlns:a="http://schemas.openxmlformats.org/drawingml/2006/main" xmlns:r="http://schemas.openxmlformats.org/officeDocument/2006/relationships" xmlns:p="http://schemas.openxmlformats.org/presentationml/2006/main">
   <p:cSld>
     <p:spTree>
       <p:nvGrpSpPr>
-        <p:cNvPr id="204" name="Shape 204"/>
+        <p:cNvPr id="1" name="Shape 204"/>
         <p:cNvGrpSpPr/>
         <p:nvPr/>
       </p:nvGrpSpPr>
@@ -10229,7 +10519,9 @@
       <p:sp>
         <p:nvSpPr>
           <p:cNvPr id="205" name="Shape 205"/>
-          <p:cNvSpPr txBox="1"/>
+          <p:cNvSpPr txBox="1">
+            <a:spLocks noGrp="1"/>
+          </p:cNvSpPr>
           <p:nvPr>
             <p:ph type="title"/>
           </p:nvPr>
@@ -10244,12 +10536,12 @@
           </a:prstGeom>
         </p:spPr>
         <p:txBody>
-          <a:bodyPr anchorCtr="0" anchor="t" bIns="91425" lIns="91425" spcFirstLastPara="1" rIns="91425" wrap="square" tIns="91425">
+          <a:bodyPr spcFirstLastPara="1" wrap="square" lIns="91425" tIns="91425" rIns="91425" bIns="91425" anchor="t" anchorCtr="0">
             <a:noAutofit/>
           </a:bodyPr>
           <a:lstStyle/>
           <a:p>
-            <a:pPr indent="0" lvl="0" marL="0" rtl="0">
+            <a:pPr marL="0" lvl="0" indent="0" rtl="0">
               <a:spcBef>
                 <a:spcPts val="0"/>
               </a:spcBef>
@@ -10387,11 +10679,11 @@
 </file>
 
 <file path=ppt/slides/slide2.xml><?xml version="1.0" encoding="utf-8"?>
-<p:sld xmlns:a="http://schemas.openxmlformats.org/drawingml/2006/main" xmlns:r="http://schemas.openxmlformats.org/officeDocument/2006/relationships" xmlns:mc="http://schemas.openxmlformats.org/markup-compatibility/2006" xmlns:mv="urn:schemas-microsoft-com:mac:vml" xmlns:p="http://schemas.openxmlformats.org/presentationml/2006/main" xmlns:c="http://schemas.openxmlformats.org/drawingml/2006/chart" xmlns:dgm="http://schemas.openxmlformats.org/drawingml/2006/diagram" xmlns:o="urn:schemas-microsoft-com:office:office" xmlns:v="urn:schemas-microsoft-com:vml" xmlns:pvml="urn:schemas-microsoft-com:office:powerpoint" xmlns:com="http://schemas.openxmlformats.org/drawingml/2006/compatibility" xmlns:p14="http://schemas.microsoft.com/office/powerpoint/2010/main" xmlns:p15="http://schemas.microsoft.com/office/powerpoint/2012/main">
+<p:sld xmlns:a="http://schemas.openxmlformats.org/drawingml/2006/main" xmlns:r="http://schemas.openxmlformats.org/officeDocument/2006/relationships" xmlns:p="http://schemas.openxmlformats.org/presentationml/2006/main">
   <p:cSld>
     <p:spTree>
       <p:nvGrpSpPr>
-        <p:cNvPr id="92" name="Shape 92"/>
+        <p:cNvPr id="1" name="Shape 92"/>
         <p:cNvGrpSpPr/>
         <p:nvPr/>
       </p:nvGrpSpPr>
@@ -10406,7 +10698,9 @@
       <p:sp>
         <p:nvSpPr>
           <p:cNvPr id="93" name="Shape 93"/>
-          <p:cNvSpPr txBox="1"/>
+          <p:cNvSpPr txBox="1">
+            <a:spLocks noGrp="1"/>
+          </p:cNvSpPr>
           <p:nvPr>
             <p:ph type="title"/>
           </p:nvPr>
@@ -10421,12 +10715,12 @@
           </a:prstGeom>
         </p:spPr>
         <p:txBody>
-          <a:bodyPr anchorCtr="0" anchor="t" bIns="91425" lIns="91425" spcFirstLastPara="1" rIns="91425" wrap="square" tIns="91425">
+          <a:bodyPr spcFirstLastPara="1" wrap="square" lIns="91425" tIns="91425" rIns="91425" bIns="91425" anchor="t" anchorCtr="0">
             <a:noAutofit/>
           </a:bodyPr>
           <a:lstStyle/>
           <a:p>
-            <a:pPr indent="0" lvl="0" marL="0" rtl="0">
+            <a:pPr marL="0" lvl="0" indent="0" rtl="0">
               <a:spcBef>
                 <a:spcPts val="0"/>
               </a:spcBef>
@@ -10446,9 +10740,11 @@
       <p:sp>
         <p:nvSpPr>
           <p:cNvPr id="94" name="Shape 94"/>
-          <p:cNvSpPr txBox="1"/>
+          <p:cNvSpPr txBox="1">
+            <a:spLocks noGrp="1"/>
+          </p:cNvSpPr>
           <p:nvPr>
-            <p:ph idx="1" type="body"/>
+            <p:ph type="body" idx="1"/>
           </p:nvPr>
         </p:nvSpPr>
         <p:spPr>
@@ -10461,12 +10757,12 @@
           </a:prstGeom>
         </p:spPr>
         <p:txBody>
-          <a:bodyPr anchorCtr="0" anchor="t" bIns="91425" lIns="91425" spcFirstLastPara="1" rIns="91425" wrap="square" tIns="91425">
+          <a:bodyPr spcFirstLastPara="1" wrap="square" lIns="91425" tIns="91425" rIns="91425" bIns="91425" anchor="t" anchorCtr="0">
             <a:noAutofit/>
           </a:bodyPr>
           <a:lstStyle/>
           <a:p>
-            <a:pPr indent="0" lvl="0" marL="0" rtl="0">
+            <a:pPr marL="0" lvl="0" indent="0" rtl="0">
               <a:spcBef>
                 <a:spcPts val="0"/>
               </a:spcBef>
@@ -10475,9 +10771,6 @@
               </a:spcAft>
               <a:buNone/>
             </a:pPr>
-            <a:r>
-              <a:t/>
-            </a:r>
             <a:endParaRPr/>
           </a:p>
         </p:txBody>
@@ -10519,11 +10812,11 @@
 </file>
 
 <file path=ppt/slides/slide3.xml><?xml version="1.0" encoding="utf-8"?>
-<p:sld xmlns:a="http://schemas.openxmlformats.org/drawingml/2006/main" xmlns:r="http://schemas.openxmlformats.org/officeDocument/2006/relationships" xmlns:mc="http://schemas.openxmlformats.org/markup-compatibility/2006" xmlns:mv="urn:schemas-microsoft-com:mac:vml" xmlns:p="http://schemas.openxmlformats.org/presentationml/2006/main" xmlns:c="http://schemas.openxmlformats.org/drawingml/2006/chart" xmlns:dgm="http://schemas.openxmlformats.org/drawingml/2006/diagram" xmlns:o="urn:schemas-microsoft-com:office:office" xmlns:v="urn:schemas-microsoft-com:vml" xmlns:pvml="urn:schemas-microsoft-com:office:powerpoint" xmlns:com="http://schemas.openxmlformats.org/drawingml/2006/compatibility" xmlns:p14="http://schemas.microsoft.com/office/powerpoint/2010/main" xmlns:p15="http://schemas.microsoft.com/office/powerpoint/2012/main">
+<p:sld xmlns:a="http://schemas.openxmlformats.org/drawingml/2006/main" xmlns:r="http://schemas.openxmlformats.org/officeDocument/2006/relationships" xmlns:p="http://schemas.openxmlformats.org/presentationml/2006/main">
   <p:cSld>
     <p:spTree>
       <p:nvGrpSpPr>
-        <p:cNvPr id="99" name="Shape 99"/>
+        <p:cNvPr id="1" name="Shape 99"/>
         <p:cNvGrpSpPr/>
         <p:nvPr/>
       </p:nvGrpSpPr>
@@ -10538,7 +10831,9 @@
       <p:sp>
         <p:nvSpPr>
           <p:cNvPr id="100" name="Shape 100"/>
-          <p:cNvSpPr txBox="1"/>
+          <p:cNvSpPr txBox="1">
+            <a:spLocks noGrp="1"/>
+          </p:cNvSpPr>
           <p:nvPr>
             <p:ph type="title"/>
           </p:nvPr>
@@ -10553,12 +10848,12 @@
           </a:prstGeom>
         </p:spPr>
         <p:txBody>
-          <a:bodyPr anchorCtr="0" anchor="t" bIns="91425" lIns="91425" spcFirstLastPara="1" rIns="91425" wrap="square" tIns="91425">
+          <a:bodyPr spcFirstLastPara="1" wrap="square" lIns="91425" tIns="91425" rIns="91425" bIns="91425" anchor="t" anchorCtr="0">
             <a:noAutofit/>
           </a:bodyPr>
           <a:lstStyle/>
           <a:p>
-            <a:pPr indent="0" lvl="0" marL="0" rtl="0">
+            <a:pPr marL="0" lvl="0" indent="0" rtl="0">
               <a:spcBef>
                 <a:spcPts val="0"/>
               </a:spcBef>
@@ -10578,9 +10873,11 @@
       <p:sp>
         <p:nvSpPr>
           <p:cNvPr id="101" name="Shape 101"/>
-          <p:cNvSpPr txBox="1"/>
+          <p:cNvSpPr txBox="1">
+            <a:spLocks noGrp="1"/>
+          </p:cNvSpPr>
           <p:nvPr>
-            <p:ph idx="1" type="body"/>
+            <p:ph type="body" idx="1"/>
           </p:nvPr>
         </p:nvSpPr>
         <p:spPr>
@@ -10593,12 +10890,12 @@
           </a:prstGeom>
         </p:spPr>
         <p:txBody>
-          <a:bodyPr anchorCtr="0" anchor="t" bIns="91425" lIns="91425" spcFirstLastPara="1" rIns="91425" wrap="square" tIns="91425">
+          <a:bodyPr spcFirstLastPara="1" wrap="square" lIns="91425" tIns="91425" rIns="91425" bIns="91425" anchor="t" anchorCtr="0">
             <a:noAutofit/>
           </a:bodyPr>
           <a:lstStyle/>
           <a:p>
-            <a:pPr indent="-311150" lvl="0" marL="457200" rtl="0">
+            <a:pPr marL="457200" lvl="0" indent="-311150" rtl="0">
               <a:spcBef>
                 <a:spcPts val="0"/>
               </a:spcBef>
@@ -10615,7 +10912,7 @@
             <a:endParaRPr/>
           </a:p>
           <a:p>
-            <a:pPr indent="-311150" lvl="0" marL="457200" rtl="0">
+            <a:pPr marL="457200" lvl="0" indent="-311150" rtl="0">
               <a:spcBef>
                 <a:spcPts val="0"/>
               </a:spcBef>
@@ -10632,7 +10929,7 @@
             <a:endParaRPr/>
           </a:p>
           <a:p>
-            <a:pPr indent="-311150" lvl="0" marL="457200" rtl="0">
+            <a:pPr marL="457200" lvl="0" indent="-311150" rtl="0">
               <a:spcBef>
                 <a:spcPts val="0"/>
               </a:spcBef>
@@ -10670,12 +10967,12 @@
           </a:ln>
         </p:spPr>
         <p:txBody>
-          <a:bodyPr anchorCtr="0" anchor="t" bIns="91425" lIns="91425" spcFirstLastPara="1" rIns="91425" wrap="square" tIns="91425">
+          <a:bodyPr spcFirstLastPara="1" wrap="square" lIns="91425" tIns="91425" rIns="91425" bIns="91425" anchor="t" anchorCtr="0">
             <a:noAutofit/>
           </a:bodyPr>
           <a:lstStyle/>
           <a:p>
-            <a:pPr indent="0" lvl="0" marL="0">
+            <a:pPr marL="0" lvl="0" indent="0">
               <a:spcBef>
                 <a:spcPts val="0"/>
               </a:spcBef>
@@ -10701,11 +10998,11 @@
 </file>
 
 <file path=ppt/slides/slide4.xml><?xml version="1.0" encoding="utf-8"?>
-<p:sld xmlns:a="http://schemas.openxmlformats.org/drawingml/2006/main" xmlns:r="http://schemas.openxmlformats.org/officeDocument/2006/relationships" xmlns:mc="http://schemas.openxmlformats.org/markup-compatibility/2006" xmlns:mv="urn:schemas-microsoft-com:mac:vml" xmlns:p="http://schemas.openxmlformats.org/presentationml/2006/main" xmlns:c="http://schemas.openxmlformats.org/drawingml/2006/chart" xmlns:dgm="http://schemas.openxmlformats.org/drawingml/2006/diagram" xmlns:o="urn:schemas-microsoft-com:office:office" xmlns:v="urn:schemas-microsoft-com:vml" xmlns:pvml="urn:schemas-microsoft-com:office:powerpoint" xmlns:com="http://schemas.openxmlformats.org/drawingml/2006/compatibility" xmlns:p14="http://schemas.microsoft.com/office/powerpoint/2010/main" xmlns:p15="http://schemas.microsoft.com/office/powerpoint/2012/main">
+<p:sld xmlns:a="http://schemas.openxmlformats.org/drawingml/2006/main" xmlns:r="http://schemas.openxmlformats.org/officeDocument/2006/relationships" xmlns:p="http://schemas.openxmlformats.org/presentationml/2006/main">
   <p:cSld>
     <p:spTree>
       <p:nvGrpSpPr>
-        <p:cNvPr id="106" name="Shape 106"/>
+        <p:cNvPr id="1" name="Shape 106"/>
         <p:cNvGrpSpPr/>
         <p:nvPr/>
       </p:nvGrpSpPr>
@@ -10720,7 +11017,9 @@
       <p:sp>
         <p:nvSpPr>
           <p:cNvPr id="107" name="Shape 107"/>
-          <p:cNvSpPr txBox="1"/>
+          <p:cNvSpPr txBox="1">
+            <a:spLocks noGrp="1"/>
+          </p:cNvSpPr>
           <p:nvPr>
             <p:ph type="title"/>
           </p:nvPr>
@@ -10735,12 +11034,12 @@
           </a:prstGeom>
         </p:spPr>
         <p:txBody>
-          <a:bodyPr anchorCtr="0" anchor="t" bIns="91425" lIns="91425" spcFirstLastPara="1" rIns="91425" wrap="square" tIns="91425">
+          <a:bodyPr spcFirstLastPara="1" wrap="square" lIns="91425" tIns="91425" rIns="91425" bIns="91425" anchor="t" anchorCtr="0">
             <a:noAutofit/>
           </a:bodyPr>
           <a:lstStyle/>
           <a:p>
-            <a:pPr indent="0" lvl="0" marL="0" rtl="0">
+            <a:pPr marL="0" lvl="0" indent="0" rtl="0">
               <a:spcBef>
                 <a:spcPts val="0"/>
               </a:spcBef>
@@ -10760,9 +11059,11 @@
       <p:sp>
         <p:nvSpPr>
           <p:cNvPr id="108" name="Shape 108"/>
-          <p:cNvSpPr txBox="1"/>
+          <p:cNvSpPr txBox="1">
+            <a:spLocks noGrp="1"/>
+          </p:cNvSpPr>
           <p:nvPr>
-            <p:ph idx="1" type="body"/>
+            <p:ph type="body" idx="1"/>
           </p:nvPr>
         </p:nvSpPr>
         <p:spPr>
@@ -10775,12 +11076,12 @@
           </a:prstGeom>
         </p:spPr>
         <p:txBody>
-          <a:bodyPr anchorCtr="0" anchor="t" bIns="91425" lIns="91425" spcFirstLastPara="1" rIns="91425" wrap="square" tIns="91425">
+          <a:bodyPr spcFirstLastPara="1" wrap="square" lIns="91425" tIns="91425" rIns="91425" bIns="91425" anchor="t" anchorCtr="0">
             <a:noAutofit/>
           </a:bodyPr>
           <a:lstStyle/>
           <a:p>
-            <a:pPr indent="-311150" lvl="0" marL="457200" rtl="0">
+            <a:pPr marL="457200" lvl="0" indent="-311150" rtl="0">
               <a:spcBef>
                 <a:spcPts val="0"/>
               </a:spcBef>
@@ -10797,7 +11098,7 @@
             <a:endParaRPr/>
           </a:p>
           <a:p>
-            <a:pPr indent="-311150" lvl="0" marL="457200" rtl="0">
+            <a:pPr marL="457200" lvl="0" indent="-311150" rtl="0">
               <a:spcBef>
                 <a:spcPts val="0"/>
               </a:spcBef>
@@ -10809,16 +11110,12 @@
             </a:pPr>
             <a:r>
               <a:rPr lang="pt-BR"/>
-              <a:t>Preenchimento de campos </a:t>
-            </a:r>
-            <a:r>
-              <a:rPr lang="pt-BR"/>
-              <a:t>automático</a:t>
+              <a:t>Preenchimento de campos automático</a:t>
             </a:r>
             <a:endParaRPr/>
           </a:p>
           <a:p>
-            <a:pPr indent="-311150" lvl="0" marL="457200" rtl="0">
+            <a:pPr marL="457200" lvl="0" indent="-311150" rtl="0">
               <a:spcBef>
                 <a:spcPts val="0"/>
               </a:spcBef>
@@ -10873,11 +11170,11 @@
 </file>
 
 <file path=ppt/slides/slide5.xml><?xml version="1.0" encoding="utf-8"?>
-<p:sld xmlns:a="http://schemas.openxmlformats.org/drawingml/2006/main" xmlns:r="http://schemas.openxmlformats.org/officeDocument/2006/relationships" xmlns:mc="http://schemas.openxmlformats.org/markup-compatibility/2006" xmlns:mv="urn:schemas-microsoft-com:mac:vml" xmlns:p="http://schemas.openxmlformats.org/presentationml/2006/main" xmlns:c="http://schemas.openxmlformats.org/drawingml/2006/chart" xmlns:dgm="http://schemas.openxmlformats.org/drawingml/2006/diagram" xmlns:o="urn:schemas-microsoft-com:office:office" xmlns:v="urn:schemas-microsoft-com:vml" xmlns:pvml="urn:schemas-microsoft-com:office:powerpoint" xmlns:com="http://schemas.openxmlformats.org/drawingml/2006/compatibility" xmlns:p14="http://schemas.microsoft.com/office/powerpoint/2010/main" xmlns:p15="http://schemas.microsoft.com/office/powerpoint/2012/main">
+<p:sld xmlns:a="http://schemas.openxmlformats.org/drawingml/2006/main" xmlns:r="http://schemas.openxmlformats.org/officeDocument/2006/relationships" xmlns:p="http://schemas.openxmlformats.org/presentationml/2006/main">
   <p:cSld>
     <p:spTree>
       <p:nvGrpSpPr>
-        <p:cNvPr id="113" name="Shape 113"/>
+        <p:cNvPr id="1" name="Shape 113"/>
         <p:cNvGrpSpPr/>
         <p:nvPr/>
       </p:nvGrpSpPr>
@@ -10892,7 +11189,9 @@
       <p:sp>
         <p:nvSpPr>
           <p:cNvPr id="114" name="Shape 114"/>
-          <p:cNvSpPr txBox="1"/>
+          <p:cNvSpPr txBox="1">
+            <a:spLocks noGrp="1"/>
+          </p:cNvSpPr>
           <p:nvPr>
             <p:ph type="title"/>
           </p:nvPr>
@@ -10907,12 +11206,12 @@
           </a:prstGeom>
         </p:spPr>
         <p:txBody>
-          <a:bodyPr anchorCtr="0" anchor="t" bIns="91425" lIns="91425" spcFirstLastPara="1" rIns="91425" wrap="square" tIns="91425">
+          <a:bodyPr spcFirstLastPara="1" wrap="square" lIns="91425" tIns="91425" rIns="91425" bIns="91425" anchor="t" anchorCtr="0">
             <a:noAutofit/>
           </a:bodyPr>
           <a:lstStyle/>
           <a:p>
-            <a:pPr indent="0" lvl="0" marL="0" rtl="0">
+            <a:pPr marL="0" lvl="0" indent="0" rtl="0">
               <a:spcBef>
                 <a:spcPts val="0"/>
               </a:spcBef>
@@ -10932,9 +11231,11 @@
       <p:sp>
         <p:nvSpPr>
           <p:cNvPr id="115" name="Shape 115"/>
-          <p:cNvSpPr txBox="1"/>
+          <p:cNvSpPr txBox="1">
+            <a:spLocks noGrp="1"/>
+          </p:cNvSpPr>
           <p:nvPr>
-            <p:ph idx="1" type="body"/>
+            <p:ph type="body" idx="1"/>
           </p:nvPr>
         </p:nvSpPr>
         <p:spPr>
@@ -10947,12 +11248,12 @@
           </a:prstGeom>
         </p:spPr>
         <p:txBody>
-          <a:bodyPr anchorCtr="0" anchor="t" bIns="91425" lIns="91425" spcFirstLastPara="1" rIns="91425" wrap="square" tIns="91425">
+          <a:bodyPr spcFirstLastPara="1" wrap="square" lIns="91425" tIns="91425" rIns="91425" bIns="91425" anchor="t" anchorCtr="0">
             <a:noAutofit/>
           </a:bodyPr>
           <a:lstStyle/>
           <a:p>
-            <a:pPr indent="-311150" lvl="0" marL="457200" rtl="0">
+            <a:pPr marL="457200" lvl="0" indent="-311150" rtl="0">
               <a:spcBef>
                 <a:spcPts val="0"/>
               </a:spcBef>
@@ -10969,7 +11270,7 @@
             <a:endParaRPr/>
           </a:p>
           <a:p>
-            <a:pPr indent="-311150" lvl="0" marL="457200" rtl="0">
+            <a:pPr marL="457200" lvl="0" indent="-311150" rtl="0">
               <a:spcBef>
                 <a:spcPts val="0"/>
               </a:spcBef>
@@ -10986,7 +11287,7 @@
             <a:endParaRPr/>
           </a:p>
           <a:p>
-            <a:pPr indent="-311150" lvl="0" marL="457200" rtl="0">
+            <a:pPr marL="457200" lvl="0" indent="-311150" rtl="0">
               <a:spcBef>
                 <a:spcPts val="0"/>
               </a:spcBef>
@@ -11003,7 +11304,7 @@
             <a:endParaRPr/>
           </a:p>
           <a:p>
-            <a:pPr indent="-311150" lvl="0" marL="457200" rtl="0">
+            <a:pPr marL="457200" lvl="0" indent="-311150" rtl="0">
               <a:spcBef>
                 <a:spcPts val="0"/>
               </a:spcBef>
@@ -11020,7 +11321,7 @@
             <a:endParaRPr/>
           </a:p>
           <a:p>
-            <a:pPr indent="-311150" lvl="0" marL="457200" rtl="0">
+            <a:pPr marL="457200" lvl="0" indent="-311150" rtl="0">
               <a:spcBef>
                 <a:spcPts val="0"/>
               </a:spcBef>
@@ -11075,11 +11376,11 @@
 </file>
 
 <file path=ppt/slides/slide6.xml><?xml version="1.0" encoding="utf-8"?>
-<p:sld xmlns:a="http://schemas.openxmlformats.org/drawingml/2006/main" xmlns:r="http://schemas.openxmlformats.org/officeDocument/2006/relationships" xmlns:mc="http://schemas.openxmlformats.org/markup-compatibility/2006" xmlns:mv="urn:schemas-microsoft-com:mac:vml" xmlns:p="http://schemas.openxmlformats.org/presentationml/2006/main" xmlns:c="http://schemas.openxmlformats.org/drawingml/2006/chart" xmlns:dgm="http://schemas.openxmlformats.org/drawingml/2006/diagram" xmlns:o="urn:schemas-microsoft-com:office:office" xmlns:v="urn:schemas-microsoft-com:vml" xmlns:pvml="urn:schemas-microsoft-com:office:powerpoint" xmlns:com="http://schemas.openxmlformats.org/drawingml/2006/compatibility" xmlns:p14="http://schemas.microsoft.com/office/powerpoint/2010/main" xmlns:p15="http://schemas.microsoft.com/office/powerpoint/2012/main">
+<p:sld xmlns:a="http://schemas.openxmlformats.org/drawingml/2006/main" xmlns:r="http://schemas.openxmlformats.org/officeDocument/2006/relationships" xmlns:p="http://schemas.openxmlformats.org/presentationml/2006/main">
   <p:cSld>
     <p:spTree>
       <p:nvGrpSpPr>
-        <p:cNvPr id="120" name="Shape 120"/>
+        <p:cNvPr id="1" name="Shape 120"/>
         <p:cNvGrpSpPr/>
         <p:nvPr/>
       </p:nvGrpSpPr>
@@ -11094,7 +11395,9 @@
       <p:sp>
         <p:nvSpPr>
           <p:cNvPr id="121" name="Shape 121"/>
-          <p:cNvSpPr txBox="1"/>
+          <p:cNvSpPr txBox="1">
+            <a:spLocks noGrp="1"/>
+          </p:cNvSpPr>
           <p:nvPr>
             <p:ph type="title"/>
           </p:nvPr>
@@ -11109,12 +11412,12 @@
           </a:prstGeom>
         </p:spPr>
         <p:txBody>
-          <a:bodyPr anchorCtr="0" anchor="t" bIns="91425" lIns="91425" spcFirstLastPara="1" rIns="91425" wrap="square" tIns="91425">
+          <a:bodyPr spcFirstLastPara="1" wrap="square" lIns="91425" tIns="91425" rIns="91425" bIns="91425" anchor="t" anchorCtr="0">
             <a:noAutofit/>
           </a:bodyPr>
           <a:lstStyle/>
           <a:p>
-            <a:pPr indent="0" lvl="0" marL="0" rtl="0">
+            <a:pPr marL="0" lvl="0" indent="0" rtl="0">
               <a:spcBef>
                 <a:spcPts val="0"/>
               </a:spcBef>
@@ -11179,12 +11482,12 @@
           </a:ln>
         </p:spPr>
         <p:txBody>
-          <a:bodyPr anchorCtr="0" anchor="t" bIns="91425" lIns="91425" spcFirstLastPara="1" rIns="91425" wrap="square" tIns="91425">
+          <a:bodyPr spcFirstLastPara="1" wrap="square" lIns="91425" tIns="91425" rIns="91425" bIns="91425" anchor="t" anchorCtr="0">
             <a:noAutofit/>
           </a:bodyPr>
           <a:lstStyle/>
           <a:p>
-            <a:pPr indent="-317500" lvl="0" marL="457200" rtl="0">
+            <a:pPr marL="457200" lvl="0" indent="-317500" rtl="0">
               <a:spcBef>
                 <a:spcPts val="0"/>
               </a:spcBef>
@@ -11201,7 +11504,7 @@
             <a:endParaRPr/>
           </a:p>
           <a:p>
-            <a:pPr indent="-317500" lvl="0" marL="457200" rtl="0">
+            <a:pPr marL="457200" lvl="0" indent="-317500" rtl="0">
               <a:spcBef>
                 <a:spcPts val="0"/>
               </a:spcBef>
@@ -11218,7 +11521,7 @@
             <a:endParaRPr/>
           </a:p>
           <a:p>
-            <a:pPr indent="-317500" lvl="0" marL="457200" rtl="0">
+            <a:pPr marL="457200" lvl="0" indent="-317500" rtl="0">
               <a:spcBef>
                 <a:spcPts val="0"/>
               </a:spcBef>
@@ -11235,7 +11538,7 @@
             <a:endParaRPr/>
           </a:p>
           <a:p>
-            <a:pPr indent="-317500" lvl="0" marL="457200" rtl="0">
+            <a:pPr marL="457200" lvl="0" indent="-317500" rtl="0">
               <a:spcBef>
                 <a:spcPts val="0"/>
               </a:spcBef>
@@ -11252,7 +11555,7 @@
             <a:endParaRPr/>
           </a:p>
           <a:p>
-            <a:pPr indent="-317500" lvl="0" marL="457200" rtl="0">
+            <a:pPr marL="457200" lvl="0" indent="-317500" rtl="0">
               <a:spcBef>
                 <a:spcPts val="0"/>
               </a:spcBef>
@@ -11264,15 +11567,7 @@
             </a:pPr>
             <a:r>
               <a:rPr lang="pt-BR"/>
-              <a:t>Remoção de n </a:t>
-            </a:r>
-            <a:r>
-              <a:rPr lang="pt-BR"/>
-              <a:t>itens</a:t>
-            </a:r>
-            <a:r>
-              <a:rPr lang="pt-BR"/>
-              <a:t> simultaneamente</a:t>
+              <a:t>Remoção de n itens simultaneamente</a:t>
             </a:r>
             <a:endParaRPr/>
           </a:p>
@@ -11287,11 +11582,11 @@
 </file>
 
 <file path=ppt/slides/slide7.xml><?xml version="1.0" encoding="utf-8"?>
-<p:sld xmlns:a="http://schemas.openxmlformats.org/drawingml/2006/main" xmlns:r="http://schemas.openxmlformats.org/officeDocument/2006/relationships" xmlns:mc="http://schemas.openxmlformats.org/markup-compatibility/2006" xmlns:mv="urn:schemas-microsoft-com:mac:vml" xmlns:p="http://schemas.openxmlformats.org/presentationml/2006/main" xmlns:c="http://schemas.openxmlformats.org/drawingml/2006/chart" xmlns:dgm="http://schemas.openxmlformats.org/drawingml/2006/diagram" xmlns:o="urn:schemas-microsoft-com:office:office" xmlns:v="urn:schemas-microsoft-com:vml" xmlns:pvml="urn:schemas-microsoft-com:office:powerpoint" xmlns:com="http://schemas.openxmlformats.org/drawingml/2006/compatibility" xmlns:p14="http://schemas.microsoft.com/office/powerpoint/2010/main" xmlns:p15="http://schemas.microsoft.com/office/powerpoint/2012/main">
+<p:sld xmlns:a="http://schemas.openxmlformats.org/drawingml/2006/main" xmlns:r="http://schemas.openxmlformats.org/officeDocument/2006/relationships" xmlns:p="http://schemas.openxmlformats.org/presentationml/2006/main">
   <p:cSld>
     <p:spTree>
       <p:nvGrpSpPr>
-        <p:cNvPr id="127" name="Shape 127"/>
+        <p:cNvPr id="1" name="Shape 127"/>
         <p:cNvGrpSpPr/>
         <p:nvPr/>
       </p:nvGrpSpPr>
@@ -11306,7 +11601,9 @@
       <p:sp>
         <p:nvSpPr>
           <p:cNvPr id="128" name="Shape 128"/>
-          <p:cNvSpPr txBox="1"/>
+          <p:cNvSpPr txBox="1">
+            <a:spLocks noGrp="1"/>
+          </p:cNvSpPr>
           <p:nvPr>
             <p:ph type="title"/>
           </p:nvPr>
@@ -11321,12 +11618,12 @@
           </a:prstGeom>
         </p:spPr>
         <p:txBody>
-          <a:bodyPr anchorCtr="0" anchor="t" bIns="91425" lIns="91425" spcFirstLastPara="1" rIns="91425" wrap="square" tIns="91425">
+          <a:bodyPr spcFirstLastPara="1" wrap="square" lIns="91425" tIns="91425" rIns="91425" bIns="91425" anchor="t" anchorCtr="0">
             <a:noAutofit/>
           </a:bodyPr>
           <a:lstStyle/>
           <a:p>
-            <a:pPr indent="0" lvl="0" marL="0" rtl="0">
+            <a:pPr marL="0" lvl="0" indent="0" rtl="0">
               <a:spcBef>
                 <a:spcPts val="0"/>
               </a:spcBef>
@@ -11363,12 +11660,12 @@
           </a:ln>
         </p:spPr>
         <p:txBody>
-          <a:bodyPr anchorCtr="0" anchor="t" bIns="91425" lIns="91425" spcFirstLastPara="1" rIns="91425" wrap="square" tIns="91425">
+          <a:bodyPr spcFirstLastPara="1" wrap="square" lIns="91425" tIns="91425" rIns="91425" bIns="91425" anchor="t" anchorCtr="0">
             <a:noAutofit/>
           </a:bodyPr>
           <a:lstStyle/>
           <a:p>
-            <a:pPr indent="-317500" lvl="0" marL="457200" rtl="0">
+            <a:pPr marL="457200" lvl="0" indent="-317500" rtl="0">
               <a:spcBef>
                 <a:spcPts val="0"/>
               </a:spcBef>
@@ -11385,7 +11682,7 @@
             <a:endParaRPr/>
           </a:p>
           <a:p>
-            <a:pPr indent="-317500" lvl="0" marL="457200" rtl="0">
+            <a:pPr marL="457200" lvl="0" indent="-317500" rtl="0">
               <a:spcBef>
                 <a:spcPts val="0"/>
               </a:spcBef>
@@ -11402,7 +11699,7 @@
             <a:endParaRPr/>
           </a:p>
           <a:p>
-            <a:pPr indent="-317500" lvl="0" marL="457200" rtl="0">
+            <a:pPr marL="457200" lvl="0" indent="-317500" rtl="0">
               <a:spcBef>
                 <a:spcPts val="0"/>
               </a:spcBef>
@@ -11552,12 +11849,12 @@
           </a:ln>
         </p:spPr>
         <p:txBody>
-          <a:bodyPr anchorCtr="0" anchor="t" bIns="91425" lIns="91425" spcFirstLastPara="1" rIns="91425" wrap="square" tIns="91425">
+          <a:bodyPr spcFirstLastPara="1" wrap="square" lIns="91425" tIns="91425" rIns="91425" bIns="91425" anchor="t" anchorCtr="0">
             <a:noAutofit/>
           </a:bodyPr>
           <a:lstStyle/>
           <a:p>
-            <a:pPr indent="0" lvl="0" marL="0">
+            <a:pPr marL="0" lvl="0" indent="0">
               <a:spcBef>
                 <a:spcPts val="0"/>
               </a:spcBef>
@@ -11583,11 +11880,11 @@
 </file>
 
 <file path=ppt/slides/slide8.xml><?xml version="1.0" encoding="utf-8"?>
-<p:sld xmlns:a="http://schemas.openxmlformats.org/drawingml/2006/main" xmlns:r="http://schemas.openxmlformats.org/officeDocument/2006/relationships" xmlns:mc="http://schemas.openxmlformats.org/markup-compatibility/2006" xmlns:mv="urn:schemas-microsoft-com:mac:vml" xmlns:p="http://schemas.openxmlformats.org/presentationml/2006/main" xmlns:c="http://schemas.openxmlformats.org/drawingml/2006/chart" xmlns:dgm="http://schemas.openxmlformats.org/drawingml/2006/diagram" xmlns:o="urn:schemas-microsoft-com:office:office" xmlns:v="urn:schemas-microsoft-com:vml" xmlns:pvml="urn:schemas-microsoft-com:office:powerpoint" xmlns:com="http://schemas.openxmlformats.org/drawingml/2006/compatibility" xmlns:p14="http://schemas.microsoft.com/office/powerpoint/2010/main" xmlns:p15="http://schemas.microsoft.com/office/powerpoint/2012/main">
+<p:sld xmlns:a="http://schemas.openxmlformats.org/drawingml/2006/main" xmlns:r="http://schemas.openxmlformats.org/officeDocument/2006/relationships" xmlns:p="http://schemas.openxmlformats.org/presentationml/2006/main">
   <p:cSld>
     <p:spTree>
       <p:nvGrpSpPr>
-        <p:cNvPr id="138" name="Shape 138"/>
+        <p:cNvPr id="1" name="Shape 138"/>
         <p:cNvGrpSpPr/>
         <p:nvPr/>
       </p:nvGrpSpPr>
@@ -11602,7 +11899,9 @@
       <p:sp>
         <p:nvSpPr>
           <p:cNvPr id="139" name="Shape 139"/>
-          <p:cNvSpPr txBox="1"/>
+          <p:cNvSpPr txBox="1">
+            <a:spLocks noGrp="1"/>
+          </p:cNvSpPr>
           <p:nvPr>
             <p:ph type="title"/>
           </p:nvPr>
@@ -11617,12 +11916,12 @@
           </a:prstGeom>
         </p:spPr>
         <p:txBody>
-          <a:bodyPr anchorCtr="0" anchor="t" bIns="91425" lIns="91425" spcFirstLastPara="1" rIns="91425" wrap="square" tIns="91425">
+          <a:bodyPr spcFirstLastPara="1" wrap="square" lIns="91425" tIns="91425" rIns="91425" bIns="91425" anchor="t" anchorCtr="0">
             <a:noAutofit/>
           </a:bodyPr>
           <a:lstStyle/>
           <a:p>
-            <a:pPr indent="0" lvl="0" marL="0" rtl="0">
+            <a:pPr marL="0" lvl="0" indent="0" rtl="0">
               <a:spcBef>
                 <a:spcPts val="0"/>
               </a:spcBef>
@@ -11659,12 +11958,12 @@
           </a:ln>
         </p:spPr>
         <p:txBody>
-          <a:bodyPr anchorCtr="0" anchor="t" bIns="91425" lIns="91425" spcFirstLastPara="1" rIns="91425" wrap="square" tIns="91425">
+          <a:bodyPr spcFirstLastPara="1" wrap="square" lIns="91425" tIns="91425" rIns="91425" bIns="91425" anchor="t" anchorCtr="0">
             <a:noAutofit/>
           </a:bodyPr>
           <a:lstStyle/>
           <a:p>
-            <a:pPr indent="-317500" lvl="0" marL="457200" rtl="0">
+            <a:pPr marL="457200" lvl="0" indent="-317500" rtl="0">
               <a:spcBef>
                 <a:spcPts val="0"/>
               </a:spcBef>
@@ -11681,7 +11980,7 @@
             <a:endParaRPr/>
           </a:p>
           <a:p>
-            <a:pPr indent="-317500" lvl="0" marL="457200" rtl="0">
+            <a:pPr marL="457200" lvl="0" indent="-317500" rtl="0">
               <a:spcBef>
                 <a:spcPts val="0"/>
               </a:spcBef>
@@ -11736,11 +12035,11 @@
 </file>
 
 <file path=ppt/slides/slide9.xml><?xml version="1.0" encoding="utf-8"?>
-<p:sld xmlns:a="http://schemas.openxmlformats.org/drawingml/2006/main" xmlns:r="http://schemas.openxmlformats.org/officeDocument/2006/relationships" xmlns:mc="http://schemas.openxmlformats.org/markup-compatibility/2006" xmlns:mv="urn:schemas-microsoft-com:mac:vml" xmlns:p="http://schemas.openxmlformats.org/presentationml/2006/main" xmlns:c="http://schemas.openxmlformats.org/drawingml/2006/chart" xmlns:dgm="http://schemas.openxmlformats.org/drawingml/2006/diagram" xmlns:o="urn:schemas-microsoft-com:office:office" xmlns:v="urn:schemas-microsoft-com:vml" xmlns:pvml="urn:schemas-microsoft-com:office:powerpoint" xmlns:com="http://schemas.openxmlformats.org/drawingml/2006/compatibility" xmlns:p14="http://schemas.microsoft.com/office/powerpoint/2010/main" xmlns:p15="http://schemas.microsoft.com/office/powerpoint/2012/main">
+<p:sld xmlns:a="http://schemas.openxmlformats.org/drawingml/2006/main" xmlns:r="http://schemas.openxmlformats.org/officeDocument/2006/relationships" xmlns:p="http://schemas.openxmlformats.org/presentationml/2006/main">
   <p:cSld>
     <p:spTree>
       <p:nvGrpSpPr>
-        <p:cNvPr id="145" name="Shape 145"/>
+        <p:cNvPr id="1" name="Shape 145"/>
         <p:cNvGrpSpPr/>
         <p:nvPr/>
       </p:nvGrpSpPr>
@@ -11755,7 +12054,9 @@
       <p:sp>
         <p:nvSpPr>
           <p:cNvPr id="146" name="Shape 146"/>
-          <p:cNvSpPr txBox="1"/>
+          <p:cNvSpPr txBox="1">
+            <a:spLocks noGrp="1"/>
+          </p:cNvSpPr>
           <p:nvPr>
             <p:ph type="title"/>
           </p:nvPr>
@@ -11770,12 +12071,12 @@
           </a:prstGeom>
         </p:spPr>
         <p:txBody>
-          <a:bodyPr anchorCtr="0" anchor="t" bIns="91425" lIns="91425" spcFirstLastPara="1" rIns="91425" wrap="square" tIns="91425">
+          <a:bodyPr spcFirstLastPara="1" wrap="square" lIns="91425" tIns="91425" rIns="91425" bIns="91425" anchor="t" anchorCtr="0">
             <a:noAutofit/>
           </a:bodyPr>
           <a:lstStyle/>
           <a:p>
-            <a:pPr indent="0" lvl="0" marL="0" rtl="0">
+            <a:pPr marL="0" lvl="0" indent="0" rtl="0">
               <a:spcBef>
                 <a:spcPts val="0"/>
               </a:spcBef>
@@ -11812,12 +12113,12 @@
           </a:ln>
         </p:spPr>
         <p:txBody>
-          <a:bodyPr anchorCtr="0" anchor="t" bIns="91425" lIns="91425" spcFirstLastPara="1" rIns="91425" wrap="square" tIns="91425">
+          <a:bodyPr spcFirstLastPara="1" wrap="square" lIns="91425" tIns="91425" rIns="91425" bIns="91425" anchor="t" anchorCtr="0">
             <a:noAutofit/>
           </a:bodyPr>
           <a:lstStyle/>
           <a:p>
-            <a:pPr indent="-317500" lvl="0" marL="457200" rtl="0">
+            <a:pPr marL="457200" lvl="0" indent="-317500" rtl="0">
               <a:spcBef>
                 <a:spcPts val="0"/>
               </a:spcBef>
@@ -11928,7 +12229,7 @@
 </file>
 
 <file path=ppt/theme/theme1.xml><?xml version="1.0" encoding="utf-8"?>
-<a:theme xmlns:a="http://schemas.openxmlformats.org/drawingml/2006/main" xmlns:r="http://schemas.openxmlformats.org/officeDocument/2006/relationships" name="Streamline">
+<a:theme xmlns:a="http://schemas.openxmlformats.org/drawingml/2006/main" name="Streamline">
   <a:themeElements>
     <a:clrScheme name="Streamline">
       <a:dk1>
@@ -12203,11 +12504,13 @@
       </a:bgFillStyleLst>
     </a:fmtScheme>
   </a:themeElements>
+  <a:objectDefaults/>
+  <a:extraClrSchemeLst/>
 </a:theme>
 </file>
 
 <file path=ppt/theme/theme2.xml><?xml version="1.0" encoding="utf-8"?>
-<a:theme xmlns:a="http://schemas.openxmlformats.org/drawingml/2006/main" xmlns:r="http://schemas.openxmlformats.org/officeDocument/2006/relationships">
+<a:theme xmlns:a="http://schemas.openxmlformats.org/drawingml/2006/main">
   <a:themeElements>
     <a:clrScheme name="Default">
       <a:dk1>
@@ -12482,5 +12785,7 @@
       </a:bgFillStyleLst>
     </a:fmtScheme>
   </a:themeElements>
+  <a:objectDefaults/>
+  <a:extraClrSchemeLst/>
 </a:theme>
 </file>